--- a/project_yelp_recommendation/yelp_presentation.pptx
+++ b/project_yelp_recommendation/yelp_presentation.pptx
@@ -27423,7 +27423,7 @@
           </a:ln>
           <a:extLst>
             <a:ext uri="{C572A759-6A51-4108-AA02-DFA0A04FC94B}">
-              <ma14:wrappingTextBoxFlag xmlns="" xmlns:ma14="http://schemas.microsoft.com/office/mac/drawingml/2011/main" val="1"/>
+              <ma14:wrappingTextBoxFlag xmlns:ma14="http://schemas.microsoft.com/office/mac/drawingml/2011/main" xmlns="" val="1"/>
             </a:ext>
           </a:extLst>
         </p:spPr>
@@ -27446,13 +27446,7 @@
               <a:rPr lang="de-DE" sz="1400" b="1" spc="300" dirty="0">
                 <a:latin typeface="+mn-lt"/>
               </a:rPr>
-              <a:t>PROJECT </a:t>
-            </a:r>
-            <a:r>
-              <a:rPr lang="de-DE" sz="1400" b="1" spc="300" dirty="0" err="1">
-                <a:latin typeface="+mn-lt"/>
-              </a:rPr>
-              <a:t>Introduction</a:t>
+              <a:t>PROJECT IntroductioN</a:t>
             </a:r>
             <a:endParaRPr sz="1400" b="1" spc="300" dirty="0">
               <a:latin typeface="+mn-lt"/>
@@ -27733,7 +27727,7 @@
         </p:nvSpPr>
         <p:spPr>
           <a:xfrm>
-            <a:off x="10318115" y="2893439"/>
+            <a:off x="10318115" y="2724107"/>
             <a:ext cx="1724660" cy="369332"/>
           </a:xfrm>
           <a:prstGeom prst="rect">
@@ -28074,7 +28068,7 @@
         <p:spPr>
           <a:xfrm>
             <a:off x="10318115" y="2052096"/>
-            <a:ext cx="1724660" cy="369332"/>
+            <a:ext cx="1724660" cy="184666"/>
           </a:xfrm>
           <a:prstGeom prst="rect">
             <a:avLst/>
@@ -28223,7 +28217,7 @@
                   <a:schemeClr val="tx1"/>
                 </a:solidFill>
               </a:rPr>
-              <a:t>Key Information Security Metrics</a:t>
+              <a:t>Dataset &amp; Methods Used</a:t>
             </a:r>
           </a:p>
         </p:txBody>
@@ -28245,7 +28239,7 @@
         </p:nvSpPr>
         <p:spPr>
           <a:xfrm>
-            <a:off x="10318115" y="2557434"/>
+            <a:off x="10318115" y="2388102"/>
             <a:ext cx="1724660" cy="184666"/>
           </a:xfrm>
           <a:prstGeom prst="rect">
@@ -28417,7 +28411,7 @@
         </p:nvSpPr>
         <p:spPr>
           <a:xfrm>
-            <a:off x="10318115" y="3763809"/>
+            <a:off x="10318115" y="3594477"/>
             <a:ext cx="1724660" cy="184666"/>
           </a:xfrm>
           <a:prstGeom prst="rect">
@@ -28589,7 +28583,7 @@
         </p:nvSpPr>
         <p:spPr>
           <a:xfrm>
-            <a:off x="10318115" y="3427804"/>
+            <a:off x="10318115" y="3258472"/>
             <a:ext cx="1724660" cy="184666"/>
           </a:xfrm>
           <a:prstGeom prst="rect">
@@ -28761,7 +28755,7 @@
         </p:nvSpPr>
         <p:spPr>
           <a:xfrm>
-            <a:off x="10318115" y="4115901"/>
+            <a:off x="10318115" y="3946569"/>
             <a:ext cx="1724660" cy="184666"/>
           </a:xfrm>
           <a:prstGeom prst="rect">
@@ -29133,7 +29127,7 @@
           </a:ln>
           <a:extLst>
             <a:ext uri="{C572A759-6A51-4108-AA02-DFA0A04FC94B}">
-              <ma14:wrappingTextBoxFlag xmlns="" xmlns:ma14="http://schemas.microsoft.com/office/mac/drawingml/2011/main" val="1"/>
+              <ma14:wrappingTextBoxFlag xmlns:ma14="http://schemas.microsoft.com/office/mac/drawingml/2011/main" xmlns="" val="1"/>
             </a:ext>
           </a:extLst>
         </p:spPr>
@@ -29444,6 +29438,53 @@
           <a:chExt cx="0" cy="0"/>
         </a:xfrm>
       </p:grpSpPr>
+      <p:pic>
+        <p:nvPicPr>
+          <p:cNvPr id="32" name="Picture 2" descr="Image result for frequent itemset formula">
+            <a:extLst>
+              <a:ext uri="{FF2B5EF4-FFF2-40B4-BE49-F238E27FC236}">
+                <a16:creationId xmlns:a16="http://schemas.microsoft.com/office/drawing/2014/main" id="{2F8BB907-9647-45A1-B49F-7BE615E929F3}"/>
+              </a:ext>
+            </a:extLst>
+          </p:cNvPr>
+          <p:cNvPicPr>
+            <a:picLocks noChangeAspect="1" noChangeArrowheads="1"/>
+          </p:cNvPicPr>
+          <p:nvPr/>
+        </p:nvPicPr>
+        <p:blipFill>
+          <a:blip r:embed="rId3">
+            <a:extLst>
+              <a:ext uri="{28A0092B-C50C-407E-A947-70E740481C1C}">
+                <a14:useLocalDpi xmlns:a14="http://schemas.microsoft.com/office/drawing/2010/main" val="0"/>
+              </a:ext>
+            </a:extLst>
+          </a:blip>
+          <a:srcRect/>
+          <a:stretch>
+            <a:fillRect/>
+          </a:stretch>
+        </p:blipFill>
+        <p:spPr bwMode="auto">
+          <a:xfrm>
+            <a:off x="7035435" y="5108728"/>
+            <a:ext cx="2751503" cy="1660867"/>
+          </a:xfrm>
+          <a:prstGeom prst="rect">
+            <a:avLst/>
+          </a:prstGeom>
+          <a:noFill/>
+          <a:extLst>
+            <a:ext uri="{909E8E84-426E-40DD-AFC4-6F175D3DCCD1}">
+              <a14:hiddenFill xmlns:a14="http://schemas.microsoft.com/office/drawing/2010/main">
+                <a:solidFill>
+                  <a:srgbClr val="FFFFFF"/>
+                </a:solidFill>
+              </a14:hiddenFill>
+            </a:ext>
+          </a:extLst>
+        </p:spPr>
+      </p:pic>
       <p:sp>
         <p:nvSpPr>
           <p:cNvPr id="9" name="Title 8">
@@ -29497,7 +29538,7 @@
           </a:ln>
           <a:extLst>
             <a:ext uri="{C572A759-6A51-4108-AA02-DFA0A04FC94B}">
-              <ma14:wrappingTextBoxFlag xmlns="" xmlns:ma14="http://schemas.microsoft.com/office/mac/drawingml/2011/main" val="1"/>
+              <ma14:wrappingTextBoxFlag xmlns:ma14="http://schemas.microsoft.com/office/mac/drawingml/2011/main" xmlns="" val="1"/>
             </a:ext>
           </a:extLst>
         </p:spPr>
@@ -29632,13 +29673,13 @@
             </a:r>
             <a:r>
               <a:rPr lang="en-CA" sz="1400" dirty="0">
-                <a:hlinkClick r:id="rId3"/>
+                <a:hlinkClick r:id="rId4"/>
               </a:rPr>
               <a:t>www.kaggle.com/yelp-dataset/yelp-datase</a:t>
             </a:r>
             <a:r>
               <a:rPr lang="en-CA" sz="1400" dirty="0">
-                <a:hlinkClick r:id="rId4"/>
+                <a:hlinkClick r:id="rId5"/>
               </a:rPr>
               <a:t>t</a:t>
             </a:r>
@@ -29664,7 +29705,7 @@
             </a:r>
             <a:r>
               <a:rPr lang="en-CA" sz="1400" dirty="0">
-                <a:hlinkClick r:id="rId5"/>
+                <a:hlinkClick r:id="rId6"/>
               </a:rPr>
               <a:t>https://fusiontables.google.com/</a:t>
             </a:r>
@@ -29899,1206 +29940,6 @@
       </p:sp>
       <p:sp>
         <p:nvSpPr>
-          <p:cNvPr id="69" name="Text Placeholder 5">
-            <a:hlinkClick r:id="" action="ppaction://noaction"/>
-            <a:extLst>
-              <a:ext uri="{FF2B5EF4-FFF2-40B4-BE49-F238E27FC236}">
-                <a16:creationId xmlns:a16="http://schemas.microsoft.com/office/drawing/2014/main" id="{095D118C-6997-6642-B845-8BF15AAE8441}"/>
-              </a:ext>
-            </a:extLst>
-          </p:cNvPr>
-          <p:cNvSpPr txBox="1">
-            <a:spLocks/>
-          </p:cNvSpPr>
-          <p:nvPr/>
-        </p:nvSpPr>
-        <p:spPr>
-          <a:xfrm>
-            <a:off x="10318115" y="2893439"/>
-            <a:ext cx="1724660" cy="369332"/>
-          </a:xfrm>
-          <a:prstGeom prst="rect">
-            <a:avLst/>
-          </a:prstGeom>
-        </p:spPr>
-        <p:txBody>
-          <a:bodyPr vert="horz" wrap="square" lIns="0" tIns="0" rIns="0" bIns="0" rtlCol="0">
-            <a:spAutoFit/>
-          </a:bodyPr>
-          <a:lstStyle>
-            <a:defPPr>
-              <a:defRPr lang="en-US"/>
-            </a:defPPr>
-            <a:lvl1pPr indent="0">
-              <a:spcBef>
-                <a:spcPts val="600"/>
-              </a:spcBef>
-              <a:spcAft>
-                <a:spcPts val="0"/>
-              </a:spcAft>
-              <a:buSzPct val="100000"/>
-              <a:buFont typeface="Arial" panose="020B0604020202020204" pitchFamily="34" charset="0"/>
-              <a:buNone/>
-              <a:tabLst>
-                <a:tab pos="6705432" algn="r"/>
-              </a:tabLst>
-              <a:defRPr sz="1100" b="0">
-                <a:solidFill>
-                  <a:srgbClr val="BBBCBC"/>
-                </a:solidFill>
-              </a:defRPr>
-            </a:lvl1pPr>
-            <a:lvl2pPr marL="0" indent="0">
-              <a:spcBef>
-                <a:spcPts val="600"/>
-              </a:spcBef>
-              <a:spcAft>
-                <a:spcPts val="600"/>
-              </a:spcAft>
-              <a:buClrTx/>
-              <a:buSzPct val="100000"/>
-              <a:buFont typeface="Arial"/>
-              <a:buNone/>
-              <a:tabLst>
-                <a:tab pos="6705432" algn="r"/>
-              </a:tabLst>
-              <a:defRPr sz="1200" b="1"/>
-            </a:lvl2pPr>
-            <a:lvl3pPr marL="180000" indent="-180000">
-              <a:spcBef>
-                <a:spcPts val="600"/>
-              </a:spcBef>
-              <a:spcAft>
-                <a:spcPts val="600"/>
-              </a:spcAft>
-              <a:buClrTx/>
-              <a:buSzPct val="100000"/>
-              <a:buFont typeface="Arial" panose="020B0604020202020204" pitchFamily="34" charset="0"/>
-              <a:buChar char="•"/>
-              <a:tabLst>
-                <a:tab pos="6705432" algn="r"/>
-              </a:tabLst>
-              <a:defRPr sz="1200"/>
-            </a:lvl3pPr>
-            <a:lvl4pPr marL="360000" indent="-180000">
-              <a:spcBef>
-                <a:spcPts val="600"/>
-              </a:spcBef>
-              <a:spcAft>
-                <a:spcPts val="600"/>
-              </a:spcAft>
-              <a:buClrTx/>
-              <a:buSzPct val="100000"/>
-              <a:buFont typeface="Verdana" panose="020B0604030504040204" pitchFamily="34" charset="0"/>
-              <a:buChar char="−"/>
-              <a:tabLst>
-                <a:tab pos="6705432" algn="r"/>
-              </a:tabLst>
-              <a:defRPr sz="1200" baseline="0"/>
-            </a:lvl4pPr>
-            <a:lvl5pPr marL="540000" indent="-180000" defTabSz="1064657">
-              <a:spcBef>
-                <a:spcPts val="600"/>
-              </a:spcBef>
-              <a:spcAft>
-                <a:spcPts val="600"/>
-              </a:spcAft>
-              <a:buClrTx/>
-              <a:buSzPct val="100000"/>
-              <a:buFont typeface="Arial" panose="020B0604020202020204" pitchFamily="34" charset="0"/>
-              <a:buChar char="•"/>
-              <a:tabLst>
-                <a:tab pos="6705432" algn="r"/>
-              </a:tabLst>
-              <a:defRPr sz="1200" baseline="0"/>
-            </a:lvl5pPr>
-            <a:lvl6pPr marL="710382" indent="-235194">
-              <a:spcBef>
-                <a:spcPts val="0"/>
-              </a:spcBef>
-              <a:spcAft>
-                <a:spcPts val="1333"/>
-              </a:spcAft>
-              <a:buFont typeface="Verdana" panose="020B0604030504040204" pitchFamily="34" charset="0"/>
-              <a:buChar char="−"/>
-              <a:defRPr sz="1600" baseline="0"/>
-            </a:lvl6pPr>
-            <a:lvl7pPr marL="710382" indent="-235194">
-              <a:spcBef>
-                <a:spcPts val="0"/>
-              </a:spcBef>
-              <a:spcAft>
-                <a:spcPts val="1333"/>
-              </a:spcAft>
-              <a:buFont typeface="Verdana" panose="020B0604030504040204" pitchFamily="34" charset="0"/>
-              <a:buChar char="−"/>
-              <a:defRPr sz="1600"/>
-            </a:lvl7pPr>
-            <a:lvl8pPr marL="710382" indent="-235194">
-              <a:spcBef>
-                <a:spcPts val="0"/>
-              </a:spcBef>
-              <a:spcAft>
-                <a:spcPts val="1333"/>
-              </a:spcAft>
-              <a:buFont typeface="Verdana" panose="020B0604030504040204" pitchFamily="34" charset="0"/>
-              <a:buChar char="−"/>
-              <a:defRPr sz="1600" baseline="0"/>
-            </a:lvl8pPr>
-            <a:lvl9pPr marL="710382" indent="-235194">
-              <a:spcBef>
-                <a:spcPts val="0"/>
-              </a:spcBef>
-              <a:spcAft>
-                <a:spcPts val="1333"/>
-              </a:spcAft>
-              <a:buFont typeface="Verdana" panose="020B0604030504040204" pitchFamily="34" charset="0"/>
-              <a:buChar char="−"/>
-              <a:defRPr sz="1600" baseline="0"/>
-            </a:lvl9pPr>
-          </a:lstStyle>
-          <a:p>
-            <a:r>
-              <a:rPr lang="en-US" sz="1200" dirty="0">
-                <a:solidFill>
-                  <a:schemeClr val="tx1"/>
-                </a:solidFill>
-              </a:rPr>
-              <a:t>Time &amp; Effort Consumption</a:t>
-            </a:r>
-          </a:p>
-        </p:txBody>
-      </p:sp>
-      <p:sp>
-        <p:nvSpPr>
-          <p:cNvPr id="70" name="Text Placeholder 5">
-            <a:hlinkClick r:id="" action="ppaction://noaction"/>
-            <a:extLst>
-              <a:ext uri="{FF2B5EF4-FFF2-40B4-BE49-F238E27FC236}">
-                <a16:creationId xmlns:a16="http://schemas.microsoft.com/office/drawing/2014/main" id="{4BC34BFA-1CE5-DC4E-BD5D-804425E2112F}"/>
-              </a:ext>
-            </a:extLst>
-          </p:cNvPr>
-          <p:cNvSpPr txBox="1">
-            <a:spLocks/>
-          </p:cNvSpPr>
-          <p:nvPr/>
-        </p:nvSpPr>
-        <p:spPr>
-          <a:xfrm>
-            <a:off x="10318114" y="1716090"/>
-            <a:ext cx="1769109" cy="184666"/>
-          </a:xfrm>
-          <a:prstGeom prst="rect">
-            <a:avLst/>
-          </a:prstGeom>
-        </p:spPr>
-        <p:txBody>
-          <a:bodyPr vert="horz" wrap="square" lIns="0" tIns="0" rIns="0" bIns="0" rtlCol="0">
-            <a:spAutoFit/>
-          </a:bodyPr>
-          <a:lstStyle>
-            <a:defPPr>
-              <a:defRPr lang="en-US"/>
-            </a:defPPr>
-            <a:lvl1pPr indent="0">
-              <a:spcBef>
-                <a:spcPts val="600"/>
-              </a:spcBef>
-              <a:spcAft>
-                <a:spcPts val="0"/>
-              </a:spcAft>
-              <a:buSzPct val="100000"/>
-              <a:buFont typeface="Arial" panose="020B0604020202020204" pitchFamily="34" charset="0"/>
-              <a:buNone/>
-              <a:tabLst>
-                <a:tab pos="6705432" algn="r"/>
-              </a:tabLst>
-              <a:defRPr sz="1100" b="0">
-                <a:solidFill>
-                  <a:schemeClr val="accent1"/>
-                </a:solidFill>
-              </a:defRPr>
-            </a:lvl1pPr>
-            <a:lvl2pPr marL="0" indent="0">
-              <a:spcBef>
-                <a:spcPts val="600"/>
-              </a:spcBef>
-              <a:spcAft>
-                <a:spcPts val="600"/>
-              </a:spcAft>
-              <a:buClrTx/>
-              <a:buSzPct val="100000"/>
-              <a:buFont typeface="Arial"/>
-              <a:buNone/>
-              <a:tabLst>
-                <a:tab pos="6705432" algn="r"/>
-              </a:tabLst>
-              <a:defRPr sz="1200" b="1"/>
-            </a:lvl2pPr>
-            <a:lvl3pPr marL="180000" indent="-180000">
-              <a:spcBef>
-                <a:spcPts val="600"/>
-              </a:spcBef>
-              <a:spcAft>
-                <a:spcPts val="600"/>
-              </a:spcAft>
-              <a:buClrTx/>
-              <a:buSzPct val="100000"/>
-              <a:buFont typeface="Arial" panose="020B0604020202020204" pitchFamily="34" charset="0"/>
-              <a:buChar char="•"/>
-              <a:tabLst>
-                <a:tab pos="6705432" algn="r"/>
-              </a:tabLst>
-              <a:defRPr sz="1200"/>
-            </a:lvl3pPr>
-            <a:lvl4pPr marL="360000" indent="-180000">
-              <a:spcBef>
-                <a:spcPts val="600"/>
-              </a:spcBef>
-              <a:spcAft>
-                <a:spcPts val="600"/>
-              </a:spcAft>
-              <a:buClrTx/>
-              <a:buSzPct val="100000"/>
-              <a:buFont typeface="Verdana" panose="020B0604030504040204" pitchFamily="34" charset="0"/>
-              <a:buChar char="−"/>
-              <a:tabLst>
-                <a:tab pos="6705432" algn="r"/>
-              </a:tabLst>
-              <a:defRPr sz="1200" baseline="0"/>
-            </a:lvl4pPr>
-            <a:lvl5pPr marL="540000" indent="-180000" defTabSz="1064657">
-              <a:spcBef>
-                <a:spcPts val="600"/>
-              </a:spcBef>
-              <a:spcAft>
-                <a:spcPts val="600"/>
-              </a:spcAft>
-              <a:buClrTx/>
-              <a:buSzPct val="100000"/>
-              <a:buFont typeface="Arial" panose="020B0604020202020204" pitchFamily="34" charset="0"/>
-              <a:buChar char="•"/>
-              <a:tabLst>
-                <a:tab pos="6705432" algn="r"/>
-              </a:tabLst>
-              <a:defRPr sz="1200" baseline="0"/>
-            </a:lvl5pPr>
-            <a:lvl6pPr marL="710382" indent="-235194">
-              <a:spcBef>
-                <a:spcPts val="0"/>
-              </a:spcBef>
-              <a:spcAft>
-                <a:spcPts val="1333"/>
-              </a:spcAft>
-              <a:buFont typeface="Verdana" panose="020B0604030504040204" pitchFamily="34" charset="0"/>
-              <a:buChar char="−"/>
-              <a:defRPr sz="1600" baseline="0"/>
-            </a:lvl6pPr>
-            <a:lvl7pPr marL="710382" indent="-235194">
-              <a:spcBef>
-                <a:spcPts val="0"/>
-              </a:spcBef>
-              <a:spcAft>
-                <a:spcPts val="1333"/>
-              </a:spcAft>
-              <a:buFont typeface="Verdana" panose="020B0604030504040204" pitchFamily="34" charset="0"/>
-              <a:buChar char="−"/>
-              <a:defRPr sz="1600"/>
-            </a:lvl7pPr>
-            <a:lvl8pPr marL="710382" indent="-235194">
-              <a:spcBef>
-                <a:spcPts val="0"/>
-              </a:spcBef>
-              <a:spcAft>
-                <a:spcPts val="1333"/>
-              </a:spcAft>
-              <a:buFont typeface="Verdana" panose="020B0604030504040204" pitchFamily="34" charset="0"/>
-              <a:buChar char="−"/>
-              <a:defRPr sz="1600" baseline="0"/>
-            </a:lvl8pPr>
-            <a:lvl9pPr marL="710382" indent="-235194">
-              <a:spcBef>
-                <a:spcPts val="0"/>
-              </a:spcBef>
-              <a:spcAft>
-                <a:spcPts val="1333"/>
-              </a:spcAft>
-              <a:buFont typeface="Verdana" panose="020B0604030504040204" pitchFamily="34" charset="0"/>
-              <a:buChar char="−"/>
-              <a:defRPr sz="1600" baseline="0"/>
-            </a:lvl9pPr>
-          </a:lstStyle>
-          <a:p>
-            <a:r>
-              <a:rPr lang="en-US" sz="1200" b="1" dirty="0"/>
-              <a:t>Project Overview	</a:t>
-            </a:r>
-          </a:p>
-        </p:txBody>
-      </p:sp>
-      <p:sp>
-        <p:nvSpPr>
-          <p:cNvPr id="71" name="Text Placeholder 5">
-            <a:hlinkClick r:id="rId6" action="ppaction://hlinksldjump"/>
-            <a:extLst>
-              <a:ext uri="{FF2B5EF4-FFF2-40B4-BE49-F238E27FC236}">
-                <a16:creationId xmlns:a16="http://schemas.microsoft.com/office/drawing/2014/main" id="{27AE9C21-315F-964F-B596-19328CFA6114}"/>
-              </a:ext>
-            </a:extLst>
-          </p:cNvPr>
-          <p:cNvSpPr txBox="1">
-            <a:spLocks/>
-          </p:cNvSpPr>
-          <p:nvPr/>
-        </p:nvSpPr>
-        <p:spPr>
-          <a:xfrm>
-            <a:off x="10318115" y="2052096"/>
-            <a:ext cx="1724660" cy="369332"/>
-          </a:xfrm>
-          <a:prstGeom prst="rect">
-            <a:avLst/>
-          </a:prstGeom>
-        </p:spPr>
-        <p:txBody>
-          <a:bodyPr vert="horz" wrap="square" lIns="0" tIns="0" rIns="0" bIns="0" rtlCol="0">
-            <a:spAutoFit/>
-          </a:bodyPr>
-          <a:lstStyle>
-            <a:defPPr>
-              <a:defRPr lang="en-US"/>
-            </a:defPPr>
-            <a:lvl1pPr indent="0">
-              <a:spcBef>
-                <a:spcPts val="600"/>
-              </a:spcBef>
-              <a:spcAft>
-                <a:spcPts val="0"/>
-              </a:spcAft>
-              <a:buSzPct val="100000"/>
-              <a:buFont typeface="Arial" panose="020B0604020202020204" pitchFamily="34" charset="0"/>
-              <a:buNone/>
-              <a:tabLst>
-                <a:tab pos="6705432" algn="r"/>
-              </a:tabLst>
-              <a:defRPr sz="1100" b="0">
-                <a:solidFill>
-                  <a:srgbClr val="BBBCBC"/>
-                </a:solidFill>
-              </a:defRPr>
-            </a:lvl1pPr>
-            <a:lvl2pPr marL="0" indent="0">
-              <a:spcBef>
-                <a:spcPts val="600"/>
-              </a:spcBef>
-              <a:spcAft>
-                <a:spcPts val="600"/>
-              </a:spcAft>
-              <a:buClrTx/>
-              <a:buSzPct val="100000"/>
-              <a:buFont typeface="Arial"/>
-              <a:buNone/>
-              <a:tabLst>
-                <a:tab pos="6705432" algn="r"/>
-              </a:tabLst>
-              <a:defRPr sz="1200" b="1"/>
-            </a:lvl2pPr>
-            <a:lvl3pPr marL="180000" indent="-180000">
-              <a:spcBef>
-                <a:spcPts val="600"/>
-              </a:spcBef>
-              <a:spcAft>
-                <a:spcPts val="600"/>
-              </a:spcAft>
-              <a:buClrTx/>
-              <a:buSzPct val="100000"/>
-              <a:buFont typeface="Arial" panose="020B0604020202020204" pitchFamily="34" charset="0"/>
-              <a:buChar char="•"/>
-              <a:tabLst>
-                <a:tab pos="6705432" algn="r"/>
-              </a:tabLst>
-              <a:defRPr sz="1200"/>
-            </a:lvl3pPr>
-            <a:lvl4pPr marL="360000" indent="-180000">
-              <a:spcBef>
-                <a:spcPts val="600"/>
-              </a:spcBef>
-              <a:spcAft>
-                <a:spcPts val="600"/>
-              </a:spcAft>
-              <a:buClrTx/>
-              <a:buSzPct val="100000"/>
-              <a:buFont typeface="Verdana" panose="020B0604030504040204" pitchFamily="34" charset="0"/>
-              <a:buChar char="−"/>
-              <a:tabLst>
-                <a:tab pos="6705432" algn="r"/>
-              </a:tabLst>
-              <a:defRPr sz="1200" baseline="0"/>
-            </a:lvl4pPr>
-            <a:lvl5pPr marL="540000" indent="-180000" defTabSz="1064657">
-              <a:spcBef>
-                <a:spcPts val="600"/>
-              </a:spcBef>
-              <a:spcAft>
-                <a:spcPts val="600"/>
-              </a:spcAft>
-              <a:buClrTx/>
-              <a:buSzPct val="100000"/>
-              <a:buFont typeface="Arial" panose="020B0604020202020204" pitchFamily="34" charset="0"/>
-              <a:buChar char="•"/>
-              <a:tabLst>
-                <a:tab pos="6705432" algn="r"/>
-              </a:tabLst>
-              <a:defRPr sz="1200" baseline="0"/>
-            </a:lvl5pPr>
-            <a:lvl6pPr marL="710382" indent="-235194">
-              <a:spcBef>
-                <a:spcPts val="0"/>
-              </a:spcBef>
-              <a:spcAft>
-                <a:spcPts val="1333"/>
-              </a:spcAft>
-              <a:buFont typeface="Verdana" panose="020B0604030504040204" pitchFamily="34" charset="0"/>
-              <a:buChar char="−"/>
-              <a:defRPr sz="1600" baseline="0"/>
-            </a:lvl6pPr>
-            <a:lvl7pPr marL="710382" indent="-235194">
-              <a:spcBef>
-                <a:spcPts val="0"/>
-              </a:spcBef>
-              <a:spcAft>
-                <a:spcPts val="1333"/>
-              </a:spcAft>
-              <a:buFont typeface="Verdana" panose="020B0604030504040204" pitchFamily="34" charset="0"/>
-              <a:buChar char="−"/>
-              <a:defRPr sz="1600"/>
-            </a:lvl7pPr>
-            <a:lvl8pPr marL="710382" indent="-235194">
-              <a:spcBef>
-                <a:spcPts val="0"/>
-              </a:spcBef>
-              <a:spcAft>
-                <a:spcPts val="1333"/>
-              </a:spcAft>
-              <a:buFont typeface="Verdana" panose="020B0604030504040204" pitchFamily="34" charset="0"/>
-              <a:buChar char="−"/>
-              <a:defRPr sz="1600" baseline="0"/>
-            </a:lvl8pPr>
-            <a:lvl9pPr marL="710382" indent="-235194">
-              <a:spcBef>
-                <a:spcPts val="0"/>
-              </a:spcBef>
-              <a:spcAft>
-                <a:spcPts val="1333"/>
-              </a:spcAft>
-              <a:buFont typeface="Verdana" panose="020B0604030504040204" pitchFamily="34" charset="0"/>
-              <a:buChar char="−"/>
-              <a:defRPr sz="1600" baseline="0"/>
-            </a:lvl9pPr>
-          </a:lstStyle>
-          <a:p>
-            <a:r>
-              <a:rPr lang="en-US" sz="1200" dirty="0">
-                <a:solidFill>
-                  <a:schemeClr val="tx1"/>
-                </a:solidFill>
-              </a:rPr>
-              <a:t>Key Information Security Metrics</a:t>
-            </a:r>
-          </a:p>
-        </p:txBody>
-      </p:sp>
-      <p:sp>
-        <p:nvSpPr>
-          <p:cNvPr id="72" name="Text Placeholder 5">
-            <a:hlinkClick r:id="rId7" action="ppaction://hlinksldjump"/>
-            <a:extLst>
-              <a:ext uri="{FF2B5EF4-FFF2-40B4-BE49-F238E27FC236}">
-                <a16:creationId xmlns:a16="http://schemas.microsoft.com/office/drawing/2014/main" id="{C7BEA11B-7A57-EC40-970A-63DF156F6981}"/>
-              </a:ext>
-            </a:extLst>
-          </p:cNvPr>
-          <p:cNvSpPr txBox="1">
-            <a:spLocks/>
-          </p:cNvSpPr>
-          <p:nvPr/>
-        </p:nvSpPr>
-        <p:spPr>
-          <a:xfrm>
-            <a:off x="10318115" y="2557434"/>
-            <a:ext cx="1724660" cy="184666"/>
-          </a:xfrm>
-          <a:prstGeom prst="rect">
-            <a:avLst/>
-          </a:prstGeom>
-        </p:spPr>
-        <p:txBody>
-          <a:bodyPr vert="horz" wrap="square" lIns="0" tIns="0" rIns="0" bIns="0" rtlCol="0">
-            <a:spAutoFit/>
-          </a:bodyPr>
-          <a:lstStyle>
-            <a:defPPr>
-              <a:defRPr lang="en-US"/>
-            </a:defPPr>
-            <a:lvl1pPr indent="0">
-              <a:spcBef>
-                <a:spcPts val="600"/>
-              </a:spcBef>
-              <a:spcAft>
-                <a:spcPts val="0"/>
-              </a:spcAft>
-              <a:buSzPct val="100000"/>
-              <a:buFont typeface="Arial" panose="020B0604020202020204" pitchFamily="34" charset="0"/>
-              <a:buNone/>
-              <a:tabLst>
-                <a:tab pos="6705432" algn="r"/>
-              </a:tabLst>
-              <a:defRPr sz="1100" b="0">
-                <a:solidFill>
-                  <a:srgbClr val="BBBCBC"/>
-                </a:solidFill>
-              </a:defRPr>
-            </a:lvl1pPr>
-            <a:lvl2pPr marL="0" indent="0">
-              <a:spcBef>
-                <a:spcPts val="600"/>
-              </a:spcBef>
-              <a:spcAft>
-                <a:spcPts val="600"/>
-              </a:spcAft>
-              <a:buClrTx/>
-              <a:buSzPct val="100000"/>
-              <a:buFont typeface="Arial"/>
-              <a:buNone/>
-              <a:tabLst>
-                <a:tab pos="6705432" algn="r"/>
-              </a:tabLst>
-              <a:defRPr sz="1200" b="1"/>
-            </a:lvl2pPr>
-            <a:lvl3pPr marL="180000" indent="-180000">
-              <a:spcBef>
-                <a:spcPts val="600"/>
-              </a:spcBef>
-              <a:spcAft>
-                <a:spcPts val="600"/>
-              </a:spcAft>
-              <a:buClrTx/>
-              <a:buSzPct val="100000"/>
-              <a:buFont typeface="Arial" panose="020B0604020202020204" pitchFamily="34" charset="0"/>
-              <a:buChar char="•"/>
-              <a:tabLst>
-                <a:tab pos="6705432" algn="r"/>
-              </a:tabLst>
-              <a:defRPr sz="1200"/>
-            </a:lvl3pPr>
-            <a:lvl4pPr marL="360000" indent="-180000">
-              <a:spcBef>
-                <a:spcPts val="600"/>
-              </a:spcBef>
-              <a:spcAft>
-                <a:spcPts val="600"/>
-              </a:spcAft>
-              <a:buClrTx/>
-              <a:buSzPct val="100000"/>
-              <a:buFont typeface="Verdana" panose="020B0604030504040204" pitchFamily="34" charset="0"/>
-              <a:buChar char="−"/>
-              <a:tabLst>
-                <a:tab pos="6705432" algn="r"/>
-              </a:tabLst>
-              <a:defRPr sz="1200" baseline="0"/>
-            </a:lvl4pPr>
-            <a:lvl5pPr marL="540000" indent="-180000" defTabSz="1064657">
-              <a:spcBef>
-                <a:spcPts val="600"/>
-              </a:spcBef>
-              <a:spcAft>
-                <a:spcPts val="600"/>
-              </a:spcAft>
-              <a:buClrTx/>
-              <a:buSzPct val="100000"/>
-              <a:buFont typeface="Arial" panose="020B0604020202020204" pitchFamily="34" charset="0"/>
-              <a:buChar char="•"/>
-              <a:tabLst>
-                <a:tab pos="6705432" algn="r"/>
-              </a:tabLst>
-              <a:defRPr sz="1200" baseline="0"/>
-            </a:lvl5pPr>
-            <a:lvl6pPr marL="710382" indent="-235194">
-              <a:spcBef>
-                <a:spcPts val="0"/>
-              </a:spcBef>
-              <a:spcAft>
-                <a:spcPts val="1333"/>
-              </a:spcAft>
-              <a:buFont typeface="Verdana" panose="020B0604030504040204" pitchFamily="34" charset="0"/>
-              <a:buChar char="−"/>
-              <a:defRPr sz="1600" baseline="0"/>
-            </a:lvl6pPr>
-            <a:lvl7pPr marL="710382" indent="-235194">
-              <a:spcBef>
-                <a:spcPts val="0"/>
-              </a:spcBef>
-              <a:spcAft>
-                <a:spcPts val="1333"/>
-              </a:spcAft>
-              <a:buFont typeface="Verdana" panose="020B0604030504040204" pitchFamily="34" charset="0"/>
-              <a:buChar char="−"/>
-              <a:defRPr sz="1600"/>
-            </a:lvl7pPr>
-            <a:lvl8pPr marL="710382" indent="-235194">
-              <a:spcBef>
-                <a:spcPts val="0"/>
-              </a:spcBef>
-              <a:spcAft>
-                <a:spcPts val="1333"/>
-              </a:spcAft>
-              <a:buFont typeface="Verdana" panose="020B0604030504040204" pitchFamily="34" charset="0"/>
-              <a:buChar char="−"/>
-              <a:defRPr sz="1600" baseline="0"/>
-            </a:lvl8pPr>
-            <a:lvl9pPr marL="710382" indent="-235194">
-              <a:spcBef>
-                <a:spcPts val="0"/>
-              </a:spcBef>
-              <a:spcAft>
-                <a:spcPts val="1333"/>
-              </a:spcAft>
-              <a:buFont typeface="Verdana" panose="020B0604030504040204" pitchFamily="34" charset="0"/>
-              <a:buChar char="−"/>
-              <a:defRPr sz="1600" baseline="0"/>
-            </a:lvl9pPr>
-          </a:lstStyle>
-          <a:p>
-            <a:r>
-              <a:rPr lang="en-US" sz="1200" dirty="0">
-                <a:solidFill>
-                  <a:schemeClr val="tx1"/>
-                </a:solidFill>
-              </a:rPr>
-              <a:t>Progress Status</a:t>
-            </a:r>
-          </a:p>
-        </p:txBody>
-      </p:sp>
-      <p:sp>
-        <p:nvSpPr>
-          <p:cNvPr id="73" name="Text Placeholder 5">
-            <a:hlinkClick r:id="" action="ppaction://noaction"/>
-            <a:extLst>
-              <a:ext uri="{FF2B5EF4-FFF2-40B4-BE49-F238E27FC236}">
-                <a16:creationId xmlns:a16="http://schemas.microsoft.com/office/drawing/2014/main" id="{9675C305-837E-6E45-B27E-10DDCED9D49B}"/>
-              </a:ext>
-            </a:extLst>
-          </p:cNvPr>
-          <p:cNvSpPr txBox="1">
-            <a:spLocks/>
-          </p:cNvSpPr>
-          <p:nvPr/>
-        </p:nvSpPr>
-        <p:spPr>
-          <a:xfrm>
-            <a:off x="10318115" y="3763809"/>
-            <a:ext cx="1724660" cy="184666"/>
-          </a:xfrm>
-          <a:prstGeom prst="rect">
-            <a:avLst/>
-          </a:prstGeom>
-        </p:spPr>
-        <p:txBody>
-          <a:bodyPr vert="horz" wrap="square" lIns="0" tIns="0" rIns="0" bIns="0" rtlCol="0">
-            <a:spAutoFit/>
-          </a:bodyPr>
-          <a:lstStyle>
-            <a:defPPr>
-              <a:defRPr lang="en-US"/>
-            </a:defPPr>
-            <a:lvl1pPr indent="0">
-              <a:spcBef>
-                <a:spcPts val="600"/>
-              </a:spcBef>
-              <a:spcAft>
-                <a:spcPts val="0"/>
-              </a:spcAft>
-              <a:buSzPct val="100000"/>
-              <a:buFont typeface="Arial" panose="020B0604020202020204" pitchFamily="34" charset="0"/>
-              <a:buNone/>
-              <a:tabLst>
-                <a:tab pos="6705432" algn="r"/>
-              </a:tabLst>
-              <a:defRPr sz="1100" b="0">
-                <a:solidFill>
-                  <a:srgbClr val="BBBCBC"/>
-                </a:solidFill>
-              </a:defRPr>
-            </a:lvl1pPr>
-            <a:lvl2pPr marL="0" indent="0">
-              <a:spcBef>
-                <a:spcPts val="600"/>
-              </a:spcBef>
-              <a:spcAft>
-                <a:spcPts val="600"/>
-              </a:spcAft>
-              <a:buClrTx/>
-              <a:buSzPct val="100000"/>
-              <a:buFont typeface="Arial"/>
-              <a:buNone/>
-              <a:tabLst>
-                <a:tab pos="6705432" algn="r"/>
-              </a:tabLst>
-              <a:defRPr sz="1200" b="1"/>
-            </a:lvl2pPr>
-            <a:lvl3pPr marL="180000" indent="-180000">
-              <a:spcBef>
-                <a:spcPts val="600"/>
-              </a:spcBef>
-              <a:spcAft>
-                <a:spcPts val="600"/>
-              </a:spcAft>
-              <a:buClrTx/>
-              <a:buSzPct val="100000"/>
-              <a:buFont typeface="Arial" panose="020B0604020202020204" pitchFamily="34" charset="0"/>
-              <a:buChar char="•"/>
-              <a:tabLst>
-                <a:tab pos="6705432" algn="r"/>
-              </a:tabLst>
-              <a:defRPr sz="1200"/>
-            </a:lvl3pPr>
-            <a:lvl4pPr marL="360000" indent="-180000">
-              <a:spcBef>
-                <a:spcPts val="600"/>
-              </a:spcBef>
-              <a:spcAft>
-                <a:spcPts val="600"/>
-              </a:spcAft>
-              <a:buClrTx/>
-              <a:buSzPct val="100000"/>
-              <a:buFont typeface="Verdana" panose="020B0604030504040204" pitchFamily="34" charset="0"/>
-              <a:buChar char="−"/>
-              <a:tabLst>
-                <a:tab pos="6705432" algn="r"/>
-              </a:tabLst>
-              <a:defRPr sz="1200" baseline="0"/>
-            </a:lvl4pPr>
-            <a:lvl5pPr marL="540000" indent="-180000" defTabSz="1064657">
-              <a:spcBef>
-                <a:spcPts val="600"/>
-              </a:spcBef>
-              <a:spcAft>
-                <a:spcPts val="600"/>
-              </a:spcAft>
-              <a:buClrTx/>
-              <a:buSzPct val="100000"/>
-              <a:buFont typeface="Arial" panose="020B0604020202020204" pitchFamily="34" charset="0"/>
-              <a:buChar char="•"/>
-              <a:tabLst>
-                <a:tab pos="6705432" algn="r"/>
-              </a:tabLst>
-              <a:defRPr sz="1200" baseline="0"/>
-            </a:lvl5pPr>
-            <a:lvl6pPr marL="710382" indent="-235194">
-              <a:spcBef>
-                <a:spcPts val="0"/>
-              </a:spcBef>
-              <a:spcAft>
-                <a:spcPts val="1333"/>
-              </a:spcAft>
-              <a:buFont typeface="Verdana" panose="020B0604030504040204" pitchFamily="34" charset="0"/>
-              <a:buChar char="−"/>
-              <a:defRPr sz="1600" baseline="0"/>
-            </a:lvl6pPr>
-            <a:lvl7pPr marL="710382" indent="-235194">
-              <a:spcBef>
-                <a:spcPts val="0"/>
-              </a:spcBef>
-              <a:spcAft>
-                <a:spcPts val="1333"/>
-              </a:spcAft>
-              <a:buFont typeface="Verdana" panose="020B0604030504040204" pitchFamily="34" charset="0"/>
-              <a:buChar char="−"/>
-              <a:defRPr sz="1600"/>
-            </a:lvl7pPr>
-            <a:lvl8pPr marL="710382" indent="-235194">
-              <a:spcBef>
-                <a:spcPts val="0"/>
-              </a:spcBef>
-              <a:spcAft>
-                <a:spcPts val="1333"/>
-              </a:spcAft>
-              <a:buFont typeface="Verdana" panose="020B0604030504040204" pitchFamily="34" charset="0"/>
-              <a:buChar char="−"/>
-              <a:defRPr sz="1600" baseline="0"/>
-            </a:lvl8pPr>
-            <a:lvl9pPr marL="710382" indent="-235194">
-              <a:spcBef>
-                <a:spcPts val="0"/>
-              </a:spcBef>
-              <a:spcAft>
-                <a:spcPts val="1333"/>
-              </a:spcAft>
-              <a:buFont typeface="Verdana" panose="020B0604030504040204" pitchFamily="34" charset="0"/>
-              <a:buChar char="−"/>
-              <a:defRPr sz="1600" baseline="0"/>
-            </a:lvl9pPr>
-          </a:lstStyle>
-          <a:p>
-            <a:r>
-              <a:rPr lang="en-US" sz="1200" dirty="0">
-                <a:solidFill>
-                  <a:schemeClr val="tx1"/>
-                </a:solidFill>
-              </a:rPr>
-              <a:t>Findings</a:t>
-            </a:r>
-          </a:p>
-        </p:txBody>
-      </p:sp>
-      <p:sp>
-        <p:nvSpPr>
-          <p:cNvPr id="74" name="Text Placeholder 5">
-            <a:hlinkClick r:id="rId7" action="ppaction://hlinksldjump"/>
-            <a:extLst>
-              <a:ext uri="{FF2B5EF4-FFF2-40B4-BE49-F238E27FC236}">
-                <a16:creationId xmlns:a16="http://schemas.microsoft.com/office/drawing/2014/main" id="{77125265-A48F-9246-A633-D90A24EB20F4}"/>
-              </a:ext>
-            </a:extLst>
-          </p:cNvPr>
-          <p:cNvSpPr txBox="1">
-            <a:spLocks/>
-          </p:cNvSpPr>
-          <p:nvPr/>
-        </p:nvSpPr>
-        <p:spPr>
-          <a:xfrm>
-            <a:off x="10318115" y="3427804"/>
-            <a:ext cx="1724660" cy="184666"/>
-          </a:xfrm>
-          <a:prstGeom prst="rect">
-            <a:avLst/>
-          </a:prstGeom>
-        </p:spPr>
-        <p:txBody>
-          <a:bodyPr vert="horz" wrap="square" lIns="0" tIns="0" rIns="0" bIns="0" rtlCol="0">
-            <a:spAutoFit/>
-          </a:bodyPr>
-          <a:lstStyle>
-            <a:defPPr>
-              <a:defRPr lang="en-US"/>
-            </a:defPPr>
-            <a:lvl1pPr indent="0">
-              <a:spcBef>
-                <a:spcPts val="600"/>
-              </a:spcBef>
-              <a:spcAft>
-                <a:spcPts val="0"/>
-              </a:spcAft>
-              <a:buSzPct val="100000"/>
-              <a:buFont typeface="Arial" panose="020B0604020202020204" pitchFamily="34" charset="0"/>
-              <a:buNone/>
-              <a:tabLst>
-                <a:tab pos="6705432" algn="r"/>
-              </a:tabLst>
-              <a:defRPr sz="1100" b="0">
-                <a:solidFill>
-                  <a:srgbClr val="BBBCBC"/>
-                </a:solidFill>
-              </a:defRPr>
-            </a:lvl1pPr>
-            <a:lvl2pPr marL="0" indent="0">
-              <a:spcBef>
-                <a:spcPts val="600"/>
-              </a:spcBef>
-              <a:spcAft>
-                <a:spcPts val="600"/>
-              </a:spcAft>
-              <a:buClrTx/>
-              <a:buSzPct val="100000"/>
-              <a:buFont typeface="Arial"/>
-              <a:buNone/>
-              <a:tabLst>
-                <a:tab pos="6705432" algn="r"/>
-              </a:tabLst>
-              <a:defRPr sz="1200" b="1"/>
-            </a:lvl2pPr>
-            <a:lvl3pPr marL="180000" indent="-180000">
-              <a:spcBef>
-                <a:spcPts val="600"/>
-              </a:spcBef>
-              <a:spcAft>
-                <a:spcPts val="600"/>
-              </a:spcAft>
-              <a:buClrTx/>
-              <a:buSzPct val="100000"/>
-              <a:buFont typeface="Arial" panose="020B0604020202020204" pitchFamily="34" charset="0"/>
-              <a:buChar char="•"/>
-              <a:tabLst>
-                <a:tab pos="6705432" algn="r"/>
-              </a:tabLst>
-              <a:defRPr sz="1200"/>
-            </a:lvl3pPr>
-            <a:lvl4pPr marL="360000" indent="-180000">
-              <a:spcBef>
-                <a:spcPts val="600"/>
-              </a:spcBef>
-              <a:spcAft>
-                <a:spcPts val="600"/>
-              </a:spcAft>
-              <a:buClrTx/>
-              <a:buSzPct val="100000"/>
-              <a:buFont typeface="Verdana" panose="020B0604030504040204" pitchFamily="34" charset="0"/>
-              <a:buChar char="−"/>
-              <a:tabLst>
-                <a:tab pos="6705432" algn="r"/>
-              </a:tabLst>
-              <a:defRPr sz="1200" baseline="0"/>
-            </a:lvl4pPr>
-            <a:lvl5pPr marL="540000" indent="-180000" defTabSz="1064657">
-              <a:spcBef>
-                <a:spcPts val="600"/>
-              </a:spcBef>
-              <a:spcAft>
-                <a:spcPts val="600"/>
-              </a:spcAft>
-              <a:buClrTx/>
-              <a:buSzPct val="100000"/>
-              <a:buFont typeface="Arial" panose="020B0604020202020204" pitchFamily="34" charset="0"/>
-              <a:buChar char="•"/>
-              <a:tabLst>
-                <a:tab pos="6705432" algn="r"/>
-              </a:tabLst>
-              <a:defRPr sz="1200" baseline="0"/>
-            </a:lvl5pPr>
-            <a:lvl6pPr marL="710382" indent="-235194">
-              <a:spcBef>
-                <a:spcPts val="0"/>
-              </a:spcBef>
-              <a:spcAft>
-                <a:spcPts val="1333"/>
-              </a:spcAft>
-              <a:buFont typeface="Verdana" panose="020B0604030504040204" pitchFamily="34" charset="0"/>
-              <a:buChar char="−"/>
-              <a:defRPr sz="1600" baseline="0"/>
-            </a:lvl6pPr>
-            <a:lvl7pPr marL="710382" indent="-235194">
-              <a:spcBef>
-                <a:spcPts val="0"/>
-              </a:spcBef>
-              <a:spcAft>
-                <a:spcPts val="1333"/>
-              </a:spcAft>
-              <a:buFont typeface="Verdana" panose="020B0604030504040204" pitchFamily="34" charset="0"/>
-              <a:buChar char="−"/>
-              <a:defRPr sz="1600"/>
-            </a:lvl7pPr>
-            <a:lvl8pPr marL="710382" indent="-235194">
-              <a:spcBef>
-                <a:spcPts val="0"/>
-              </a:spcBef>
-              <a:spcAft>
-                <a:spcPts val="1333"/>
-              </a:spcAft>
-              <a:buFont typeface="Verdana" panose="020B0604030504040204" pitchFamily="34" charset="0"/>
-              <a:buChar char="−"/>
-              <a:defRPr sz="1600" baseline="0"/>
-            </a:lvl8pPr>
-            <a:lvl9pPr marL="710382" indent="-235194">
-              <a:spcBef>
-                <a:spcPts val="0"/>
-              </a:spcBef>
-              <a:spcAft>
-                <a:spcPts val="1333"/>
-              </a:spcAft>
-              <a:buFont typeface="Verdana" panose="020B0604030504040204" pitchFamily="34" charset="0"/>
-              <a:buChar char="−"/>
-              <a:defRPr sz="1600" baseline="0"/>
-            </a:lvl9pPr>
-          </a:lstStyle>
-          <a:p>
-            <a:r>
-              <a:rPr lang="en-US" sz="1200" dirty="0">
-                <a:solidFill>
-                  <a:schemeClr val="tx1"/>
-                </a:solidFill>
-              </a:rPr>
-              <a:t>Metric Visualization</a:t>
-            </a:r>
-          </a:p>
-        </p:txBody>
-      </p:sp>
-      <p:sp>
-        <p:nvSpPr>
-          <p:cNvPr id="77" name="Text Placeholder 5">
-            <a:hlinkClick r:id="" action="ppaction://noaction"/>
-            <a:extLst>
-              <a:ext uri="{FF2B5EF4-FFF2-40B4-BE49-F238E27FC236}">
-                <a16:creationId xmlns:a16="http://schemas.microsoft.com/office/drawing/2014/main" id="{670D3B1F-08E1-0643-8D9A-3943F5D38B52}"/>
-              </a:ext>
-            </a:extLst>
-          </p:cNvPr>
-          <p:cNvSpPr txBox="1">
-            <a:spLocks/>
-          </p:cNvSpPr>
-          <p:nvPr/>
-        </p:nvSpPr>
-        <p:spPr>
-          <a:xfrm>
-            <a:off x="10318115" y="4115901"/>
-            <a:ext cx="1724660" cy="184666"/>
-          </a:xfrm>
-          <a:prstGeom prst="rect">
-            <a:avLst/>
-          </a:prstGeom>
-        </p:spPr>
-        <p:txBody>
-          <a:bodyPr vert="horz" wrap="square" lIns="0" tIns="0" rIns="0" bIns="0" rtlCol="0">
-            <a:spAutoFit/>
-          </a:bodyPr>
-          <a:lstStyle>
-            <a:defPPr>
-              <a:defRPr lang="en-US"/>
-            </a:defPPr>
-            <a:lvl1pPr indent="0">
-              <a:spcBef>
-                <a:spcPts val="600"/>
-              </a:spcBef>
-              <a:spcAft>
-                <a:spcPts val="0"/>
-              </a:spcAft>
-              <a:buSzPct val="100000"/>
-              <a:buFont typeface="Arial" panose="020B0604020202020204" pitchFamily="34" charset="0"/>
-              <a:buNone/>
-              <a:tabLst>
-                <a:tab pos="6705432" algn="r"/>
-              </a:tabLst>
-              <a:defRPr sz="1100" b="0">
-                <a:solidFill>
-                  <a:srgbClr val="BBBCBC"/>
-                </a:solidFill>
-              </a:defRPr>
-            </a:lvl1pPr>
-            <a:lvl2pPr marL="0" indent="0">
-              <a:spcBef>
-                <a:spcPts val="600"/>
-              </a:spcBef>
-              <a:spcAft>
-                <a:spcPts val="600"/>
-              </a:spcAft>
-              <a:buClrTx/>
-              <a:buSzPct val="100000"/>
-              <a:buFont typeface="Arial"/>
-              <a:buNone/>
-              <a:tabLst>
-                <a:tab pos="6705432" algn="r"/>
-              </a:tabLst>
-              <a:defRPr sz="1200" b="1"/>
-            </a:lvl2pPr>
-            <a:lvl3pPr marL="180000" indent="-180000">
-              <a:spcBef>
-                <a:spcPts val="600"/>
-              </a:spcBef>
-              <a:spcAft>
-                <a:spcPts val="600"/>
-              </a:spcAft>
-              <a:buClrTx/>
-              <a:buSzPct val="100000"/>
-              <a:buFont typeface="Arial" panose="020B0604020202020204" pitchFamily="34" charset="0"/>
-              <a:buChar char="•"/>
-              <a:tabLst>
-                <a:tab pos="6705432" algn="r"/>
-              </a:tabLst>
-              <a:defRPr sz="1200"/>
-            </a:lvl3pPr>
-            <a:lvl4pPr marL="360000" indent="-180000">
-              <a:spcBef>
-                <a:spcPts val="600"/>
-              </a:spcBef>
-              <a:spcAft>
-                <a:spcPts val="600"/>
-              </a:spcAft>
-              <a:buClrTx/>
-              <a:buSzPct val="100000"/>
-              <a:buFont typeface="Verdana" panose="020B0604030504040204" pitchFamily="34" charset="0"/>
-              <a:buChar char="−"/>
-              <a:tabLst>
-                <a:tab pos="6705432" algn="r"/>
-              </a:tabLst>
-              <a:defRPr sz="1200" baseline="0"/>
-            </a:lvl4pPr>
-            <a:lvl5pPr marL="540000" indent="-180000" defTabSz="1064657">
-              <a:spcBef>
-                <a:spcPts val="600"/>
-              </a:spcBef>
-              <a:spcAft>
-                <a:spcPts val="600"/>
-              </a:spcAft>
-              <a:buClrTx/>
-              <a:buSzPct val="100000"/>
-              <a:buFont typeface="Arial" panose="020B0604020202020204" pitchFamily="34" charset="0"/>
-              <a:buChar char="•"/>
-              <a:tabLst>
-                <a:tab pos="6705432" algn="r"/>
-              </a:tabLst>
-              <a:defRPr sz="1200" baseline="0"/>
-            </a:lvl5pPr>
-            <a:lvl6pPr marL="710382" indent="-235194">
-              <a:spcBef>
-                <a:spcPts val="0"/>
-              </a:spcBef>
-              <a:spcAft>
-                <a:spcPts val="1333"/>
-              </a:spcAft>
-              <a:buFont typeface="Verdana" panose="020B0604030504040204" pitchFamily="34" charset="0"/>
-              <a:buChar char="−"/>
-              <a:defRPr sz="1600" baseline="0"/>
-            </a:lvl6pPr>
-            <a:lvl7pPr marL="710382" indent="-235194">
-              <a:spcBef>
-                <a:spcPts val="0"/>
-              </a:spcBef>
-              <a:spcAft>
-                <a:spcPts val="1333"/>
-              </a:spcAft>
-              <a:buFont typeface="Verdana" panose="020B0604030504040204" pitchFamily="34" charset="0"/>
-              <a:buChar char="−"/>
-              <a:defRPr sz="1600"/>
-            </a:lvl7pPr>
-            <a:lvl8pPr marL="710382" indent="-235194">
-              <a:spcBef>
-                <a:spcPts val="0"/>
-              </a:spcBef>
-              <a:spcAft>
-                <a:spcPts val="1333"/>
-              </a:spcAft>
-              <a:buFont typeface="Verdana" panose="020B0604030504040204" pitchFamily="34" charset="0"/>
-              <a:buChar char="−"/>
-              <a:defRPr sz="1600" baseline="0"/>
-            </a:lvl8pPr>
-            <a:lvl9pPr marL="710382" indent="-235194">
-              <a:spcBef>
-                <a:spcPts val="0"/>
-              </a:spcBef>
-              <a:spcAft>
-                <a:spcPts val="1333"/>
-              </a:spcAft>
-              <a:buFont typeface="Verdana" panose="020B0604030504040204" pitchFamily="34" charset="0"/>
-              <a:buChar char="−"/>
-              <a:defRPr sz="1600" baseline="0"/>
-            </a:lvl9pPr>
-          </a:lstStyle>
-          <a:p>
-            <a:r>
-              <a:rPr lang="en-US" sz="1200" dirty="0">
-                <a:solidFill>
-                  <a:schemeClr val="tx1"/>
-                </a:solidFill>
-              </a:rPr>
-              <a:t>Next Steps</a:t>
-            </a:r>
-          </a:p>
-        </p:txBody>
-      </p:sp>
-      <p:sp>
-        <p:nvSpPr>
           <p:cNvPr id="19" name="Text Placeholder 3">
             <a:extLst>
               <a:ext uri="{FF2B5EF4-FFF2-40B4-BE49-F238E27FC236}">
@@ -31304,7 +30145,7 @@
         <p:spPr>
           <a:xfrm>
             <a:off x="5625688" y="1333677"/>
-            <a:ext cx="4449965" cy="430887"/>
+            <a:ext cx="4449965" cy="215444"/>
           </a:xfrm>
           <a:prstGeom prst="rect">
             <a:avLst/>
@@ -31314,7 +30155,7 @@
           </a:ln>
           <a:extLst>
             <a:ext uri="{C572A759-6A51-4108-AA02-DFA0A04FC94B}">
-              <ma14:wrappingTextBoxFlag xmlns="" xmlns:ma14="http://schemas.microsoft.com/office/mac/drawingml/2011/main" val="1"/>
+              <ma14:wrappingTextBoxFlag xmlns:ma14="http://schemas.microsoft.com/office/mac/drawingml/2011/main" xmlns="" val="1"/>
             </a:ext>
           </a:extLst>
         </p:spPr>
@@ -31337,13 +30178,8 @@
               <a:rPr lang="en-US" sz="1400" b="1" spc="300" dirty="0">
                 <a:latin typeface="+mn-lt"/>
               </a:rPr>
-              <a:t>RELATED WORKS</a:t>
+              <a:t>Methods Used</a:t>
             </a:r>
-          </a:p>
-          <a:p>
-            <a:endParaRPr lang="en-US" sz="1400" b="1" spc="300" dirty="0">
-              <a:latin typeface="+mn-lt"/>
-            </a:endParaRPr>
           </a:p>
         </p:txBody>
       </p:sp>
@@ -31390,207 +30226,1958 @@
           </a:fontRef>
         </p:style>
       </p:cxnSp>
+      <mc:AlternateContent xmlns:mc="http://schemas.openxmlformats.org/markup-compatibility/2006">
+        <mc:Choice xmlns:a14="http://schemas.microsoft.com/office/drawing/2010/main" Requires="a14">
+          <p:sp>
+            <p:nvSpPr>
+              <p:cNvPr id="25" name="Rectangle 24">
+                <a:extLst>
+                  <a:ext uri="{FF2B5EF4-FFF2-40B4-BE49-F238E27FC236}">
+                    <a16:creationId xmlns:a16="http://schemas.microsoft.com/office/drawing/2014/main" id="{229A1357-D7E6-E143-89FF-CA20963EB498}"/>
+                  </a:ext>
+                </a:extLst>
+              </p:cNvPr>
+              <p:cNvSpPr/>
+              <p:nvPr/>
+            </p:nvSpPr>
+            <p:spPr>
+              <a:xfrm>
+                <a:off x="5611856" y="1812318"/>
+                <a:ext cx="4161250" cy="4244495"/>
+              </a:xfrm>
+              <a:prstGeom prst="rect">
+                <a:avLst/>
+              </a:prstGeom>
+            </p:spPr>
+            <p:txBody>
+              <a:bodyPr wrap="square" lIns="0" tIns="0" rIns="0" bIns="0">
+                <a:spAutoFit/>
+              </a:bodyPr>
+              <a:lstStyle/>
+              <a:p>
+                <a:pPr marL="228600" lvl="0" indent="-228600" defTabSz="914400">
+                  <a:buFont typeface="+mj-lt"/>
+                  <a:buAutoNum type="arabicPeriod"/>
+                  <a:defRPr/>
+                </a:pPr>
+                <a:r>
+                  <a:rPr lang="en-CA" sz="1400" b="1" dirty="0"/>
+                  <a:t>Collaborative Filtering:</a:t>
+                </a:r>
+              </a:p>
+              <a:p>
+                <a:pPr marL="263525" lvl="1" defTabSz="914400">
+                  <a:buClrTx/>
+                  <a:buSzTx/>
+                  <a:buNone/>
+                  <a:defRPr/>
+                </a:pPr>
+                <a:endParaRPr lang="en-CA" sz="1400" dirty="0"/>
+              </a:p>
+              <a:p>
+                <a:pPr marL="549275" lvl="1" indent="-285750" defTabSz="914400">
+                  <a:buClrTx/>
+                  <a:buSzTx/>
+                  <a:defRPr/>
+                </a:pPr>
+                <a:r>
+                  <a:rPr lang="en-US" sz="1400" dirty="0"/>
+                  <a:t>In user-based collaborative ﬁltering, we are trying to calculate the predicted rating </a:t>
+                </a:r>
+                <a14:m>
+                  <m:oMath xmlns:m="http://schemas.openxmlformats.org/officeDocument/2006/math">
+                    <m:sSub>
+                      <m:sSubPr>
+                        <m:ctrlPr>
+                          <a:rPr lang="en-CA" sz="1400" b="0" i="1" smtClean="0">
+                            <a:latin typeface="Cambria Math" panose="02040503050406030204" pitchFamily="18" charset="0"/>
+                          </a:rPr>
+                        </m:ctrlPr>
+                      </m:sSubPr>
+                      <m:e>
+                        <m:acc>
+                          <m:accPr>
+                            <m:chr m:val="̂"/>
+                            <m:ctrlPr>
+                              <a:rPr lang="en-CA" sz="1400" b="0" i="1" smtClean="0">
+                                <a:latin typeface="Cambria Math" panose="02040503050406030204" pitchFamily="18" charset="0"/>
+                              </a:rPr>
+                            </m:ctrlPr>
+                          </m:accPr>
+                          <m:e>
+                            <m:r>
+                              <a:rPr lang="en-CA" sz="1400" b="0" i="1" smtClean="0">
+                                <a:latin typeface="Cambria Math" panose="02040503050406030204" pitchFamily="18" charset="0"/>
+                              </a:rPr>
+                              <m:t>𝑟</m:t>
+                            </m:r>
+                          </m:e>
+                        </m:acc>
+                      </m:e>
+                      <m:sub>
+                        <m:r>
+                          <a:rPr lang="en-CA" sz="1400" b="0" i="1" smtClean="0">
+                            <a:latin typeface="Cambria Math" panose="02040503050406030204" pitchFamily="18" charset="0"/>
+                          </a:rPr>
+                          <m:t>𝑢</m:t>
+                        </m:r>
+                        <m:r>
+                          <a:rPr lang="en-CA" sz="1400" b="0" i="1" smtClean="0">
+                            <a:latin typeface="Cambria Math" panose="02040503050406030204" pitchFamily="18" charset="0"/>
+                          </a:rPr>
+                          <m:t>,</m:t>
+                        </m:r>
+                        <m:r>
+                          <a:rPr lang="en-CA" sz="1400" b="0" i="1" smtClean="0">
+                            <a:latin typeface="Cambria Math" panose="02040503050406030204" pitchFamily="18" charset="0"/>
+                          </a:rPr>
+                          <m:t>𝑖</m:t>
+                        </m:r>
+                      </m:sub>
+                    </m:sSub>
+                  </m:oMath>
+                </a14:m>
+                <a:r>
+                  <a:rPr lang="en-US" sz="1400" dirty="0"/>
+                  <a:t> of a user u for a particular item </a:t>
+                </a:r>
+                <a14:m>
+                  <m:oMath xmlns:m="http://schemas.openxmlformats.org/officeDocument/2006/math">
+                    <m:r>
+                      <a:rPr lang="en-CA" sz="1400" b="0" i="1" smtClean="0">
+                        <a:latin typeface="Cambria Math" panose="02040503050406030204" pitchFamily="18" charset="0"/>
+                      </a:rPr>
+                      <m:t>𝑖</m:t>
+                    </m:r>
+                  </m:oMath>
+                </a14:m>
+                <a:r>
+                  <a:rPr lang="en-US" sz="1400" dirty="0"/>
+                  <a:t>. </a:t>
+                </a:r>
+                <a:endParaRPr lang="en-CA" sz="1400" i="1" dirty="0"/>
+              </a:p>
+              <a:p>
+                <a:pPr marL="263525" lvl="1" defTabSz="914400">
+                  <a:buClrTx/>
+                  <a:buSzTx/>
+                  <a:buNone/>
+                  <a:defRPr/>
+                </a:pPr>
+                <a:endParaRPr lang="en-CA" sz="1400" i="1" dirty="0"/>
+              </a:p>
+              <a:p>
+                <a:pPr marL="549275" lvl="1" indent="-285750" defTabSz="914400">
+                  <a:buClrTx/>
+                  <a:buSzTx/>
+                  <a:defRPr/>
+                </a:pPr>
+                <a14:m>
+                  <m:oMath xmlns:m="http://schemas.openxmlformats.org/officeDocument/2006/math">
+                    <m:sSub>
+                      <m:sSubPr>
+                        <m:ctrlPr>
+                          <a:rPr lang="en-CA" sz="1400" i="1">
+                            <a:latin typeface="Cambria Math" panose="02040503050406030204" pitchFamily="18" charset="0"/>
+                          </a:rPr>
+                        </m:ctrlPr>
+                      </m:sSubPr>
+                      <m:e>
+                        <m:acc>
+                          <m:accPr>
+                            <m:chr m:val="̂"/>
+                            <m:ctrlPr>
+                              <a:rPr lang="en-CA" sz="1400" i="1">
+                                <a:latin typeface="Cambria Math" panose="02040503050406030204" pitchFamily="18" charset="0"/>
+                              </a:rPr>
+                            </m:ctrlPr>
+                          </m:accPr>
+                          <m:e>
+                            <m:r>
+                              <a:rPr lang="en-CA" sz="1400" i="1">
+                                <a:latin typeface="Cambria Math" panose="02040503050406030204" pitchFamily="18" charset="0"/>
+                              </a:rPr>
+                              <m:t>𝑟</m:t>
+                            </m:r>
+                          </m:e>
+                        </m:acc>
+                      </m:e>
+                      <m:sub>
+                        <m:r>
+                          <a:rPr lang="en-CA" sz="1400" i="1">
+                            <a:latin typeface="Cambria Math" panose="02040503050406030204" pitchFamily="18" charset="0"/>
+                          </a:rPr>
+                          <m:t>𝑢</m:t>
+                        </m:r>
+                        <m:r>
+                          <a:rPr lang="en-CA" sz="1400" i="1">
+                            <a:latin typeface="Cambria Math" panose="02040503050406030204" pitchFamily="18" charset="0"/>
+                          </a:rPr>
+                          <m:t>,</m:t>
+                        </m:r>
+                        <m:r>
+                          <a:rPr lang="en-CA" sz="1400" i="1">
+                            <a:latin typeface="Cambria Math" panose="02040503050406030204" pitchFamily="18" charset="0"/>
+                          </a:rPr>
+                          <m:t>𝑖</m:t>
+                        </m:r>
+                      </m:sub>
+                    </m:sSub>
+                    <m:r>
+                      <a:rPr lang="en-CA" sz="1400" i="1" smtClean="0">
+                        <a:latin typeface="Cambria Math" panose="02040503050406030204" pitchFamily="18" charset="0"/>
+                      </a:rPr>
+                      <m:t>=</m:t>
+                    </m:r>
+                    <m:sSub>
+                      <m:sSubPr>
+                        <m:ctrlPr>
+                          <a:rPr lang="en-CA" sz="1400" b="0" i="1" smtClean="0">
+                            <a:latin typeface="Cambria Math" panose="02040503050406030204" pitchFamily="18" charset="0"/>
+                          </a:rPr>
+                        </m:ctrlPr>
+                      </m:sSubPr>
+                      <m:e>
+                        <m:acc>
+                          <m:accPr>
+                            <m:chr m:val="̅"/>
+                            <m:ctrlPr>
+                              <a:rPr lang="en-CA" sz="1400" i="1" smtClean="0">
+                                <a:latin typeface="Cambria Math" panose="02040503050406030204" pitchFamily="18" charset="0"/>
+                              </a:rPr>
+                            </m:ctrlPr>
+                          </m:accPr>
+                          <m:e>
+                            <m:r>
+                              <a:rPr lang="en-CA" sz="1400" b="0" i="1" smtClean="0">
+                                <a:latin typeface="Cambria Math" panose="02040503050406030204" pitchFamily="18" charset="0"/>
+                              </a:rPr>
+                              <m:t>𝑟</m:t>
+                            </m:r>
+                          </m:e>
+                        </m:acc>
+                      </m:e>
+                      <m:sub>
+                        <m:r>
+                          <a:rPr lang="en-CA" sz="1400" b="0" i="1" smtClean="0">
+                            <a:latin typeface="Cambria Math" panose="02040503050406030204" pitchFamily="18" charset="0"/>
+                          </a:rPr>
+                          <m:t>𝑢</m:t>
+                        </m:r>
+                      </m:sub>
+                    </m:sSub>
+                    <m:r>
+                      <a:rPr lang="en-CA" sz="1400" b="0" i="0" smtClean="0">
+                        <a:latin typeface="Cambria Math" panose="02040503050406030204" pitchFamily="18" charset="0"/>
+                      </a:rPr>
+                      <m:t>+</m:t>
+                    </m:r>
+                    <m:r>
+                      <m:rPr>
+                        <m:sty m:val="p"/>
+                      </m:rPr>
+                      <a:rPr lang="en-CA" sz="1400" b="0" i="0" smtClean="0">
+                        <a:latin typeface="Cambria Math" panose="02040503050406030204" pitchFamily="18" charset="0"/>
+                      </a:rPr>
+                      <m:t>k</m:t>
+                    </m:r>
+                    <m:r>
+                      <a:rPr lang="en-CA" sz="1400" b="0" i="0" smtClean="0">
+                        <a:latin typeface="Cambria Math" panose="02040503050406030204" pitchFamily="18" charset="0"/>
+                      </a:rPr>
+                      <m:t> </m:t>
+                    </m:r>
+                    <m:nary>
+                      <m:naryPr>
+                        <m:chr m:val="∑"/>
+                        <m:ctrlPr>
+                          <a:rPr lang="en-CA" sz="1400" b="0" i="1" smtClean="0">
+                            <a:latin typeface="Cambria Math" panose="02040503050406030204" pitchFamily="18" charset="0"/>
+                          </a:rPr>
+                        </m:ctrlPr>
+                      </m:naryPr>
+                      <m:sub>
+                        <m:r>
+                          <m:rPr>
+                            <m:brk m:alnAt="23"/>
+                          </m:rPr>
+                          <a:rPr lang="en-CA" sz="1400" b="0" i="1" smtClean="0">
+                            <a:latin typeface="Cambria Math" panose="02040503050406030204" pitchFamily="18" charset="0"/>
+                          </a:rPr>
+                          <m:t>𝑗</m:t>
+                        </m:r>
+                        <m:r>
+                          <a:rPr lang="en-CA" sz="1400" b="0" i="1" smtClean="0">
+                            <a:latin typeface="Cambria Math" panose="02040503050406030204" pitchFamily="18" charset="0"/>
+                          </a:rPr>
+                          <m:t>=1</m:t>
+                        </m:r>
+                      </m:sub>
+                      <m:sup>
+                        <m:r>
+                          <a:rPr lang="en-CA" sz="1400" b="0" i="1" smtClean="0">
+                            <a:latin typeface="Cambria Math" panose="02040503050406030204" pitchFamily="18" charset="0"/>
+                          </a:rPr>
+                          <m:t>𝑛</m:t>
+                        </m:r>
+                      </m:sup>
+                      <m:e>
+                        <m:r>
+                          <a:rPr lang="en-CA" sz="1400" b="0" i="1" smtClean="0">
+                            <a:latin typeface="Cambria Math" panose="02040503050406030204" pitchFamily="18" charset="0"/>
+                          </a:rPr>
+                          <m:t>𝑠𝑖𝑚</m:t>
+                        </m:r>
+                        <m:r>
+                          <a:rPr lang="en-CA" sz="1400" b="0" i="1" smtClean="0">
+                            <a:latin typeface="Cambria Math" panose="02040503050406030204" pitchFamily="18" charset="0"/>
+                          </a:rPr>
+                          <m:t>(</m:t>
+                        </m:r>
+                        <m:r>
+                          <a:rPr lang="en-CA" sz="1400" b="0" i="1" smtClean="0">
+                            <a:latin typeface="Cambria Math" panose="02040503050406030204" pitchFamily="18" charset="0"/>
+                          </a:rPr>
+                          <m:t>𝑢</m:t>
+                        </m:r>
+                        <m:r>
+                          <a:rPr lang="en-CA" sz="1400" b="0" i="1" smtClean="0">
+                            <a:latin typeface="Cambria Math" panose="02040503050406030204" pitchFamily="18" charset="0"/>
+                          </a:rPr>
+                          <m:t>,</m:t>
+                        </m:r>
+                        <m:r>
+                          <a:rPr lang="en-CA" sz="1400" b="0" i="1" smtClean="0">
+                            <a:latin typeface="Cambria Math" panose="02040503050406030204" pitchFamily="18" charset="0"/>
+                          </a:rPr>
+                          <m:t>𝑗</m:t>
+                        </m:r>
+                        <m:r>
+                          <a:rPr lang="en-CA" sz="1400" b="0" i="1" smtClean="0">
+                            <a:latin typeface="Cambria Math" panose="02040503050406030204" pitchFamily="18" charset="0"/>
+                          </a:rPr>
+                          <m:t>)(</m:t>
+                        </m:r>
+                        <m:sSub>
+                          <m:sSubPr>
+                            <m:ctrlPr>
+                              <a:rPr lang="en-CA" sz="1400" b="0" i="1" smtClean="0">
+                                <a:latin typeface="Cambria Math" panose="02040503050406030204" pitchFamily="18" charset="0"/>
+                              </a:rPr>
+                            </m:ctrlPr>
+                          </m:sSubPr>
+                          <m:e>
+                            <m:r>
+                              <a:rPr lang="en-CA" sz="1400" b="0" i="1" smtClean="0">
+                                <a:latin typeface="Cambria Math" panose="02040503050406030204" pitchFamily="18" charset="0"/>
+                              </a:rPr>
+                              <m:t>𝑟</m:t>
+                            </m:r>
+                          </m:e>
+                          <m:sub>
+                            <m:r>
+                              <a:rPr lang="en-CA" sz="1400" b="0" i="1" smtClean="0">
+                                <a:latin typeface="Cambria Math" panose="02040503050406030204" pitchFamily="18" charset="0"/>
+                              </a:rPr>
+                              <m:t>𝑗</m:t>
+                            </m:r>
+                            <m:r>
+                              <a:rPr lang="en-CA" sz="1400" b="0" i="1" smtClean="0">
+                                <a:latin typeface="Cambria Math" panose="02040503050406030204" pitchFamily="18" charset="0"/>
+                              </a:rPr>
+                              <m:t>,</m:t>
+                            </m:r>
+                            <m:r>
+                              <a:rPr lang="en-CA" sz="1400" b="0" i="1" smtClean="0">
+                                <a:latin typeface="Cambria Math" panose="02040503050406030204" pitchFamily="18" charset="0"/>
+                              </a:rPr>
+                              <m:t>𝑖</m:t>
+                            </m:r>
+                          </m:sub>
+                        </m:sSub>
+                        <m:r>
+                          <a:rPr lang="en-CA" sz="1400" b="0" i="1" smtClean="0">
+                            <a:latin typeface="Cambria Math" panose="02040503050406030204" pitchFamily="18" charset="0"/>
+                          </a:rPr>
+                          <m:t> − </m:t>
+                        </m:r>
+                      </m:e>
+                    </m:nary>
+                  </m:oMath>
+                </a14:m>
+                <a:r>
+                  <a:rPr lang="en-CA" sz="1400" dirty="0"/>
+                  <a:t> </a:t>
+                </a:r>
+                <a14:m>
+                  <m:oMath xmlns:m="http://schemas.openxmlformats.org/officeDocument/2006/math">
+                    <m:sSub>
+                      <m:sSubPr>
+                        <m:ctrlPr>
+                          <a:rPr lang="en-CA" sz="1400" i="1">
+                            <a:latin typeface="Cambria Math" panose="02040503050406030204" pitchFamily="18" charset="0"/>
+                          </a:rPr>
+                        </m:ctrlPr>
+                      </m:sSubPr>
+                      <m:e>
+                        <m:acc>
+                          <m:accPr>
+                            <m:chr m:val="̅"/>
+                            <m:ctrlPr>
+                              <a:rPr lang="en-CA" sz="1400" i="1">
+                                <a:latin typeface="Cambria Math" panose="02040503050406030204" pitchFamily="18" charset="0"/>
+                              </a:rPr>
+                            </m:ctrlPr>
+                          </m:accPr>
+                          <m:e>
+                            <m:r>
+                              <a:rPr lang="en-CA" sz="1400" i="1">
+                                <a:latin typeface="Cambria Math" panose="02040503050406030204" pitchFamily="18" charset="0"/>
+                              </a:rPr>
+                              <m:t>𝑟</m:t>
+                            </m:r>
+                          </m:e>
+                        </m:acc>
+                      </m:e>
+                      <m:sub>
+                        <m:r>
+                          <a:rPr lang="en-CA" sz="1400" b="0" i="1" smtClean="0">
+                            <a:latin typeface="Cambria Math" panose="02040503050406030204" pitchFamily="18" charset="0"/>
+                          </a:rPr>
+                          <m:t>𝑗</m:t>
+                        </m:r>
+                      </m:sub>
+                    </m:sSub>
+                    <m:r>
+                      <a:rPr lang="en-CA" sz="1400" b="0" i="1" smtClean="0">
+                        <a:latin typeface="Cambria Math" panose="02040503050406030204" pitchFamily="18" charset="0"/>
+                      </a:rPr>
+                      <m:t>) ,</m:t>
+                    </m:r>
+                  </m:oMath>
+                </a14:m>
+                <a:endParaRPr lang="en-CA" sz="1400" b="0" i="1" dirty="0">
+                  <a:latin typeface="Cambria Math" panose="02040503050406030204" pitchFamily="18" charset="0"/>
+                </a:endParaRPr>
+              </a:p>
+              <a:p>
+                <a:pPr marL="263525" lvl="1" defTabSz="914400">
+                  <a:buClrTx/>
+                  <a:buSzTx/>
+                  <a:buNone/>
+                  <a:defRPr/>
+                </a:pPr>
+                <a:r>
+                  <a:rPr lang="en-CA" sz="1400" b="0" dirty="0"/>
+                  <a:t>      </a:t>
+                </a:r>
+                <a14:m>
+                  <m:oMath xmlns:m="http://schemas.openxmlformats.org/officeDocument/2006/math">
+                    <m:r>
+                      <a:rPr lang="en-CA" sz="1400" b="0" i="1" smtClean="0">
+                        <a:latin typeface="Cambria Math" panose="02040503050406030204" pitchFamily="18" charset="0"/>
+                      </a:rPr>
+                      <m:t>𝑤h𝑒𝑟𝑒</m:t>
+                    </m:r>
+                    <m:r>
+                      <a:rPr lang="en-CA" sz="1400" b="0" i="1" smtClean="0">
+                        <a:latin typeface="Cambria Math" panose="02040503050406030204" pitchFamily="18" charset="0"/>
+                      </a:rPr>
+                      <m:t> </m:t>
+                    </m:r>
+                    <m:sSub>
+                      <m:sSubPr>
+                        <m:ctrlPr>
+                          <a:rPr lang="en-CA" sz="1400" i="1">
+                            <a:latin typeface="Cambria Math" panose="02040503050406030204" pitchFamily="18" charset="0"/>
+                          </a:rPr>
+                        </m:ctrlPr>
+                      </m:sSubPr>
+                      <m:e>
+                        <m:acc>
+                          <m:accPr>
+                            <m:chr m:val="̅"/>
+                            <m:ctrlPr>
+                              <a:rPr lang="en-CA" sz="1400" i="1">
+                                <a:latin typeface="Cambria Math" panose="02040503050406030204" pitchFamily="18" charset="0"/>
+                              </a:rPr>
+                            </m:ctrlPr>
+                          </m:accPr>
+                          <m:e>
+                            <m:r>
+                              <a:rPr lang="en-CA" sz="1400" i="1">
+                                <a:latin typeface="Cambria Math" panose="02040503050406030204" pitchFamily="18" charset="0"/>
+                              </a:rPr>
+                              <m:t>𝑟</m:t>
+                            </m:r>
+                          </m:e>
+                        </m:acc>
+                      </m:e>
+                      <m:sub>
+                        <m:r>
+                          <a:rPr lang="en-CA" sz="1400" i="1">
+                            <a:latin typeface="Cambria Math" panose="02040503050406030204" pitchFamily="18" charset="0"/>
+                          </a:rPr>
+                          <m:t>𝑢</m:t>
+                        </m:r>
+                      </m:sub>
+                    </m:sSub>
+                    <m:r>
+                      <a:rPr lang="en-CA" sz="1400" b="0" i="1" smtClean="0">
+                        <a:latin typeface="Cambria Math" panose="02040503050406030204" pitchFamily="18" charset="0"/>
+                      </a:rPr>
+                      <m:t>=</m:t>
+                    </m:r>
+                    <m:f>
+                      <m:fPr>
+                        <m:ctrlPr>
+                          <a:rPr lang="en-CA" sz="1400" b="0" i="1" smtClean="0">
+                            <a:latin typeface="Cambria Math" panose="02040503050406030204" pitchFamily="18" charset="0"/>
+                          </a:rPr>
+                        </m:ctrlPr>
+                      </m:fPr>
+                      <m:num>
+                        <m:r>
+                          <a:rPr lang="en-CA" sz="1400" b="0" i="1" smtClean="0">
+                            <a:latin typeface="Cambria Math" panose="02040503050406030204" pitchFamily="18" charset="0"/>
+                          </a:rPr>
+                          <m:t>1</m:t>
+                        </m:r>
+                      </m:num>
+                      <m:den>
+                        <m:sSub>
+                          <m:sSubPr>
+                            <m:ctrlPr>
+                              <a:rPr lang="en-CA" sz="1400" b="0" i="1" smtClean="0">
+                                <a:latin typeface="Cambria Math" panose="02040503050406030204" pitchFamily="18" charset="0"/>
+                              </a:rPr>
+                            </m:ctrlPr>
+                          </m:sSubPr>
+                          <m:e>
+                            <m:r>
+                              <a:rPr lang="en-CA" sz="1400" b="0" i="1" smtClean="0">
+                                <a:latin typeface="Cambria Math" panose="02040503050406030204" pitchFamily="18" charset="0"/>
+                              </a:rPr>
+                              <m:t>𝐼</m:t>
+                            </m:r>
+                          </m:e>
+                          <m:sub>
+                            <m:r>
+                              <a:rPr lang="en-CA" sz="1400" b="0" i="1" smtClean="0">
+                                <a:latin typeface="Cambria Math" panose="02040503050406030204" pitchFamily="18" charset="0"/>
+                              </a:rPr>
+                              <m:t>𝑢</m:t>
+                            </m:r>
+                          </m:sub>
+                        </m:sSub>
+                      </m:den>
+                    </m:f>
+                    <m:nary>
+                      <m:naryPr>
+                        <m:chr m:val="∑"/>
+                        <m:supHide m:val="on"/>
+                        <m:ctrlPr>
+                          <a:rPr lang="en-CA" sz="1400" b="0" i="1" smtClean="0">
+                            <a:latin typeface="Cambria Math" panose="02040503050406030204" pitchFamily="18" charset="0"/>
+                          </a:rPr>
+                        </m:ctrlPr>
+                      </m:naryPr>
+                      <m:sub>
+                        <m:r>
+                          <m:rPr>
+                            <m:brk m:alnAt="7"/>
+                          </m:rPr>
+                          <a:rPr lang="en-CA" sz="1400" b="0" i="1" smtClean="0">
+                            <a:latin typeface="Cambria Math" panose="02040503050406030204" pitchFamily="18" charset="0"/>
+                          </a:rPr>
+                          <m:t>𝑗</m:t>
+                        </m:r>
+                        <m:r>
+                          <a:rPr lang="en-CA" sz="1400" b="0" i="1" smtClean="0">
+                            <a:latin typeface="Cambria Math" panose="02040503050406030204" pitchFamily="18" charset="0"/>
+                            <a:ea typeface="Cambria Math" panose="02040503050406030204" pitchFamily="18" charset="0"/>
+                          </a:rPr>
+                          <m:t>∈</m:t>
+                        </m:r>
+                        <m:sSub>
+                          <m:sSubPr>
+                            <m:ctrlPr>
+                              <a:rPr lang="en-CA" sz="1400" i="1">
+                                <a:latin typeface="Cambria Math" panose="02040503050406030204" pitchFamily="18" charset="0"/>
+                              </a:rPr>
+                            </m:ctrlPr>
+                          </m:sSubPr>
+                          <m:e>
+                            <m:r>
+                              <a:rPr lang="en-CA" sz="1400" i="1">
+                                <a:latin typeface="Cambria Math" panose="02040503050406030204" pitchFamily="18" charset="0"/>
+                              </a:rPr>
+                              <m:t>𝐼</m:t>
+                            </m:r>
+                          </m:e>
+                          <m:sub>
+                            <m:r>
+                              <a:rPr lang="en-CA" sz="1400" i="1">
+                                <a:latin typeface="Cambria Math" panose="02040503050406030204" pitchFamily="18" charset="0"/>
+                              </a:rPr>
+                              <m:t>𝑢</m:t>
+                            </m:r>
+                          </m:sub>
+                        </m:sSub>
+                      </m:sub>
+                      <m:sup/>
+                      <m:e>
+                        <m:sSub>
+                          <m:sSubPr>
+                            <m:ctrlPr>
+                              <a:rPr lang="en-CA" sz="1400" i="1">
+                                <a:latin typeface="Cambria Math" panose="02040503050406030204" pitchFamily="18" charset="0"/>
+                              </a:rPr>
+                            </m:ctrlPr>
+                          </m:sSubPr>
+                          <m:e>
+                            <m:r>
+                              <a:rPr lang="en-CA" sz="1400" i="1">
+                                <a:latin typeface="Cambria Math" panose="02040503050406030204" pitchFamily="18" charset="0"/>
+                              </a:rPr>
+                              <m:t>𝑟</m:t>
+                            </m:r>
+                          </m:e>
+                          <m:sub>
+                            <m:r>
+                              <a:rPr lang="en-CA" sz="1400" i="1">
+                                <a:latin typeface="Cambria Math" panose="02040503050406030204" pitchFamily="18" charset="0"/>
+                              </a:rPr>
+                              <m:t>𝑗</m:t>
+                            </m:r>
+                            <m:r>
+                              <a:rPr lang="en-CA" sz="1400" i="1">
+                                <a:latin typeface="Cambria Math" panose="02040503050406030204" pitchFamily="18" charset="0"/>
+                              </a:rPr>
+                              <m:t>,</m:t>
+                            </m:r>
+                            <m:r>
+                              <a:rPr lang="en-CA" sz="1400" i="1">
+                                <a:latin typeface="Cambria Math" panose="02040503050406030204" pitchFamily="18" charset="0"/>
+                              </a:rPr>
+                              <m:t>𝑖</m:t>
+                            </m:r>
+                          </m:sub>
+                        </m:sSub>
+                      </m:e>
+                    </m:nary>
+                  </m:oMath>
+                </a14:m>
+                <a:endParaRPr lang="en-CA" sz="1400" dirty="0"/>
+              </a:p>
+              <a:p>
+                <a:pPr marL="263525" lvl="1" defTabSz="914400">
+                  <a:buClrTx/>
+                  <a:buSzTx/>
+                  <a:buNone/>
+                  <a:defRPr/>
+                </a:pPr>
+                <a:endParaRPr lang="en-US" sz="1400" dirty="0"/>
+              </a:p>
+              <a:p>
+                <a:pPr marL="228600" lvl="0" indent="-228600" defTabSz="914400">
+                  <a:buFont typeface="+mj-lt"/>
+                  <a:buAutoNum type="arabicPeriod"/>
+                  <a:defRPr/>
+                </a:pPr>
+                <a:r>
+                  <a:rPr lang="en-CA" sz="1400" b="1" dirty="0"/>
+                  <a:t>Frequent Itemset</a:t>
+                </a:r>
+              </a:p>
+              <a:p>
+                <a:pPr lvl="0" defTabSz="914400">
+                  <a:defRPr/>
+                </a:pPr>
+                <a:endParaRPr lang="en-US" sz="1400" b="1" dirty="0"/>
+              </a:p>
+              <a:p>
+                <a:pPr marL="549275" lvl="1" indent="-285750" defTabSz="914400">
+                  <a:buClrTx/>
+                  <a:buSzTx/>
+                  <a:defRPr/>
+                </a:pPr>
+                <a:r>
+                  <a:rPr lang="en-US" sz="1400" dirty="0"/>
+                  <a:t>Find sets of items that appear together “frequently” in baskets with a minimum support and confidence to be qualify as "frequent"</a:t>
+                </a:r>
+                <a:endParaRPr lang="en-CA" sz="1400" i="1" dirty="0"/>
+              </a:p>
+              <a:p>
+                <a:pPr marL="263525" lvl="1" defTabSz="914400">
+                  <a:buClrTx/>
+                  <a:buSzTx/>
+                  <a:buNone/>
+                  <a:defRPr/>
+                </a:pPr>
+                <a:endParaRPr lang="en-CA" sz="1400" i="1" dirty="0"/>
+              </a:p>
+              <a:p>
+                <a:pPr marL="549275" lvl="1" indent="-285750" defTabSz="914400">
+                  <a:buClrTx/>
+                  <a:buSzTx/>
+                  <a:defRPr/>
+                </a:pPr>
+                <a:r>
+                  <a:rPr lang="en-CA" sz="1400" dirty="0"/>
+                  <a:t>Association Rules</a:t>
+                </a:r>
+              </a:p>
+              <a:p>
+                <a:pPr marL="549275" lvl="1" indent="-285750" defTabSz="914400">
+                  <a:buClrTx/>
+                  <a:buSzTx/>
+                  <a:defRPr/>
+                </a:pPr>
+                <a:endParaRPr lang="en-CA" sz="1400" dirty="0"/>
+              </a:p>
+              <a:p>
+                <a:pPr marL="549275" lvl="1" indent="-285750" defTabSz="914400">
+                  <a:buClrTx/>
+                  <a:buSzTx/>
+                  <a:defRPr/>
+                </a:pPr>
+                <a:endParaRPr lang="en-CA" sz="1400" dirty="0"/>
+              </a:p>
+            </p:txBody>
+          </p:sp>
+        </mc:Choice>
+        <mc:Fallback>
+          <p:sp>
+            <p:nvSpPr>
+              <p:cNvPr id="25" name="Rectangle 24">
+                <a:extLst>
+                  <a:ext uri="{FF2B5EF4-FFF2-40B4-BE49-F238E27FC236}">
+                    <a16:creationId xmlns:a16="http://schemas.microsoft.com/office/drawing/2014/main" id="{229A1357-D7E6-E143-89FF-CA20963EB498}"/>
+                  </a:ext>
+                </a:extLst>
+              </p:cNvPr>
+              <p:cNvSpPr>
+                <a:spLocks noRot="1" noChangeAspect="1" noMove="1" noResize="1" noEditPoints="1" noAdjustHandles="1" noChangeArrowheads="1" noChangeShapeType="1" noTextEdit="1"/>
+              </p:cNvSpPr>
+              <p:nvPr/>
+            </p:nvSpPr>
+            <p:spPr>
+              <a:xfrm>
+                <a:off x="5611856" y="1812318"/>
+                <a:ext cx="4161250" cy="4244495"/>
+              </a:xfrm>
+              <a:prstGeom prst="rect">
+                <a:avLst/>
+              </a:prstGeom>
+              <a:blipFill>
+                <a:blip r:embed="rId7"/>
+                <a:stretch>
+                  <a:fillRect l="-2493" t="-1291" r="-3079"/>
+                </a:stretch>
+              </a:blipFill>
+            </p:spPr>
+            <p:txBody>
+              <a:bodyPr/>
+              <a:lstStyle/>
+              <a:p>
+                <a:r>
+                  <a:rPr lang="en-CA">
+                    <a:noFill/>
+                  </a:rPr>
+                  <a:t> </a:t>
+                </a:r>
+              </a:p>
+            </p:txBody>
+          </p:sp>
+        </mc:Fallback>
+      </mc:AlternateContent>
       <p:sp>
         <p:nvSpPr>
-          <p:cNvPr id="25" name="Rectangle 24">
+          <p:cNvPr id="17" name="Text Placeholder 5">
+            <a:hlinkClick r:id="" action="ppaction://noaction"/>
             <a:extLst>
               <a:ext uri="{FF2B5EF4-FFF2-40B4-BE49-F238E27FC236}">
-                <a16:creationId xmlns:a16="http://schemas.microsoft.com/office/drawing/2014/main" id="{229A1357-D7E6-E143-89FF-CA20963EB498}"/>
+                <a16:creationId xmlns:a16="http://schemas.microsoft.com/office/drawing/2014/main" id="{28940DA9-8E78-4E6D-88CA-FF84D8D7693E}"/>
               </a:ext>
             </a:extLst>
           </p:cNvPr>
-          <p:cNvSpPr/>
+          <p:cNvSpPr txBox="1">
+            <a:spLocks/>
+          </p:cNvSpPr>
           <p:nvPr/>
         </p:nvSpPr>
         <p:spPr>
           <a:xfrm>
-            <a:off x="5611856" y="1812318"/>
-            <a:ext cx="4161250" cy="4739759"/>
+            <a:off x="10318115" y="2908773"/>
+            <a:ext cx="1724660" cy="369332"/>
           </a:xfrm>
           <a:prstGeom prst="rect">
             <a:avLst/>
           </a:prstGeom>
         </p:spPr>
         <p:txBody>
-          <a:bodyPr wrap="square" lIns="0" tIns="0" rIns="0" bIns="0">
+          <a:bodyPr vert="horz" wrap="square" lIns="0" tIns="0" rIns="0" bIns="0" rtlCol="0">
             <a:spAutoFit/>
           </a:bodyPr>
-          <a:lstStyle/>
+          <a:lstStyle>
+            <a:defPPr>
+              <a:defRPr lang="en-US"/>
+            </a:defPPr>
+            <a:lvl1pPr indent="0">
+              <a:spcBef>
+                <a:spcPts val="600"/>
+              </a:spcBef>
+              <a:spcAft>
+                <a:spcPts val="0"/>
+              </a:spcAft>
+              <a:buSzPct val="100000"/>
+              <a:buFont typeface="Arial" panose="020B0604020202020204" pitchFamily="34" charset="0"/>
+              <a:buNone/>
+              <a:tabLst>
+                <a:tab pos="6705432" algn="r"/>
+              </a:tabLst>
+              <a:defRPr sz="1100" b="0">
+                <a:solidFill>
+                  <a:srgbClr val="BBBCBC"/>
+                </a:solidFill>
+              </a:defRPr>
+            </a:lvl1pPr>
+            <a:lvl2pPr marL="0" indent="0">
+              <a:spcBef>
+                <a:spcPts val="600"/>
+              </a:spcBef>
+              <a:spcAft>
+                <a:spcPts val="600"/>
+              </a:spcAft>
+              <a:buClrTx/>
+              <a:buSzPct val="100000"/>
+              <a:buFont typeface="Arial"/>
+              <a:buNone/>
+              <a:tabLst>
+                <a:tab pos="6705432" algn="r"/>
+              </a:tabLst>
+              <a:defRPr sz="1200" b="1"/>
+            </a:lvl2pPr>
+            <a:lvl3pPr marL="180000" indent="-180000">
+              <a:spcBef>
+                <a:spcPts val="600"/>
+              </a:spcBef>
+              <a:spcAft>
+                <a:spcPts val="600"/>
+              </a:spcAft>
+              <a:buClrTx/>
+              <a:buSzPct val="100000"/>
+              <a:buFont typeface="Arial" panose="020B0604020202020204" pitchFamily="34" charset="0"/>
+              <a:buChar char="•"/>
+              <a:tabLst>
+                <a:tab pos="6705432" algn="r"/>
+              </a:tabLst>
+              <a:defRPr sz="1200"/>
+            </a:lvl3pPr>
+            <a:lvl4pPr marL="360000" indent="-180000">
+              <a:spcBef>
+                <a:spcPts val="600"/>
+              </a:spcBef>
+              <a:spcAft>
+                <a:spcPts val="600"/>
+              </a:spcAft>
+              <a:buClrTx/>
+              <a:buSzPct val="100000"/>
+              <a:buFont typeface="Verdana" panose="020B0604030504040204" pitchFamily="34" charset="0"/>
+              <a:buChar char="−"/>
+              <a:tabLst>
+                <a:tab pos="6705432" algn="r"/>
+              </a:tabLst>
+              <a:defRPr sz="1200" baseline="0"/>
+            </a:lvl4pPr>
+            <a:lvl5pPr marL="540000" indent="-180000" defTabSz="1064657">
+              <a:spcBef>
+                <a:spcPts val="600"/>
+              </a:spcBef>
+              <a:spcAft>
+                <a:spcPts val="600"/>
+              </a:spcAft>
+              <a:buClrTx/>
+              <a:buSzPct val="100000"/>
+              <a:buFont typeface="Arial" panose="020B0604020202020204" pitchFamily="34" charset="0"/>
+              <a:buChar char="•"/>
+              <a:tabLst>
+                <a:tab pos="6705432" algn="r"/>
+              </a:tabLst>
+              <a:defRPr sz="1200" baseline="0"/>
+            </a:lvl5pPr>
+            <a:lvl6pPr marL="710382" indent="-235194">
+              <a:spcBef>
+                <a:spcPts val="0"/>
+              </a:spcBef>
+              <a:spcAft>
+                <a:spcPts val="1333"/>
+              </a:spcAft>
+              <a:buFont typeface="Verdana" panose="020B0604030504040204" pitchFamily="34" charset="0"/>
+              <a:buChar char="−"/>
+              <a:defRPr sz="1600" baseline="0"/>
+            </a:lvl6pPr>
+            <a:lvl7pPr marL="710382" indent="-235194">
+              <a:spcBef>
+                <a:spcPts val="0"/>
+              </a:spcBef>
+              <a:spcAft>
+                <a:spcPts val="1333"/>
+              </a:spcAft>
+              <a:buFont typeface="Verdana" panose="020B0604030504040204" pitchFamily="34" charset="0"/>
+              <a:buChar char="−"/>
+              <a:defRPr sz="1600"/>
+            </a:lvl7pPr>
+            <a:lvl8pPr marL="710382" indent="-235194">
+              <a:spcBef>
+                <a:spcPts val="0"/>
+              </a:spcBef>
+              <a:spcAft>
+                <a:spcPts val="1333"/>
+              </a:spcAft>
+              <a:buFont typeface="Verdana" panose="020B0604030504040204" pitchFamily="34" charset="0"/>
+              <a:buChar char="−"/>
+              <a:defRPr sz="1600" baseline="0"/>
+            </a:lvl8pPr>
+            <a:lvl9pPr marL="710382" indent="-235194">
+              <a:spcBef>
+                <a:spcPts val="0"/>
+              </a:spcBef>
+              <a:spcAft>
+                <a:spcPts val="1333"/>
+              </a:spcAft>
+              <a:buFont typeface="Verdana" panose="020B0604030504040204" pitchFamily="34" charset="0"/>
+              <a:buChar char="−"/>
+              <a:defRPr sz="1600" baseline="0"/>
+            </a:lvl9pPr>
+          </a:lstStyle>
           <a:p>
-            <a:pPr marL="228600" lvl="0" indent="-228600" defTabSz="914400">
-              <a:buFont typeface="+mj-lt"/>
-              <a:buAutoNum type="arabicPeriod"/>
-              <a:defRPr/>
-            </a:pPr>
             <a:r>
-              <a:rPr lang="en-CA" sz="1400" b="1" dirty="0"/>
-              <a:t>Using location for personalized POI recommendations in mobile environments:</a:t>
+              <a:rPr lang="en-US" sz="1200" dirty="0">
+                <a:solidFill>
+                  <a:schemeClr val="tx1"/>
+                </a:solidFill>
+              </a:rPr>
+              <a:t>Time &amp; Effort Consumption</a:t>
             </a:r>
           </a:p>
+        </p:txBody>
+      </p:sp>
+      <p:sp>
+        <p:nvSpPr>
+          <p:cNvPr id="18" name="Text Placeholder 5">
+            <a:hlinkClick r:id="" action="ppaction://noaction"/>
+            <a:extLst>
+              <a:ext uri="{FF2B5EF4-FFF2-40B4-BE49-F238E27FC236}">
+                <a16:creationId xmlns:a16="http://schemas.microsoft.com/office/drawing/2014/main" id="{3B312DE4-B0A9-460D-BBF8-F62E6725A38F}"/>
+              </a:ext>
+            </a:extLst>
+          </p:cNvPr>
+          <p:cNvSpPr txBox="1">
+            <a:spLocks/>
+          </p:cNvSpPr>
+          <p:nvPr/>
+        </p:nvSpPr>
+        <p:spPr>
+          <a:xfrm>
+            <a:off x="10318114" y="1716090"/>
+            <a:ext cx="1769109" cy="184666"/>
+          </a:xfrm>
+          <a:prstGeom prst="rect">
+            <a:avLst/>
+          </a:prstGeom>
+        </p:spPr>
+        <p:txBody>
+          <a:bodyPr vert="horz" wrap="square" lIns="0" tIns="0" rIns="0" bIns="0" rtlCol="0">
+            <a:spAutoFit/>
+          </a:bodyPr>
+          <a:lstStyle>
+            <a:defPPr>
+              <a:defRPr lang="de-DE"/>
+            </a:defPPr>
+            <a:lvl1pPr indent="0">
+              <a:spcBef>
+                <a:spcPts val="600"/>
+              </a:spcBef>
+              <a:spcAft>
+                <a:spcPts val="0"/>
+              </a:spcAft>
+              <a:buSzPct val="100000"/>
+              <a:buFont typeface="Arial" panose="020B0604020202020204" pitchFamily="34" charset="0"/>
+              <a:buNone/>
+              <a:tabLst>
+                <a:tab pos="6705432" algn="r"/>
+              </a:tabLst>
+              <a:defRPr sz="1200" b="0"/>
+            </a:lvl1pPr>
+            <a:lvl2pPr marL="0" indent="0">
+              <a:spcBef>
+                <a:spcPts val="600"/>
+              </a:spcBef>
+              <a:spcAft>
+                <a:spcPts val="600"/>
+              </a:spcAft>
+              <a:buClrTx/>
+              <a:buFont typeface="Arial"/>
+              <a:buNone/>
+              <a:tabLst>
+                <a:tab pos="6705432" algn="r"/>
+              </a:tabLst>
+              <a:defRPr sz="1200" b="1"/>
+            </a:lvl2pPr>
+            <a:lvl3pPr marL="180000" indent="-180000">
+              <a:spcBef>
+                <a:spcPts val="600"/>
+              </a:spcBef>
+              <a:spcAft>
+                <a:spcPts val="600"/>
+              </a:spcAft>
+              <a:buClrTx/>
+              <a:buSzPct val="100000"/>
+              <a:buFont typeface="Arial" panose="020B0604020202020204" pitchFamily="34" charset="0"/>
+              <a:buChar char="•"/>
+              <a:tabLst>
+                <a:tab pos="6705432" algn="r"/>
+              </a:tabLst>
+              <a:defRPr sz="1200"/>
+            </a:lvl3pPr>
+            <a:lvl4pPr marL="360000" indent="-180000">
+              <a:spcBef>
+                <a:spcPts val="600"/>
+              </a:spcBef>
+              <a:spcAft>
+                <a:spcPts val="600"/>
+              </a:spcAft>
+              <a:buClrTx/>
+              <a:buSzPct val="100000"/>
+              <a:buFont typeface="Verdana" panose="020B0604030504040204" pitchFamily="34" charset="0"/>
+              <a:buChar char="−"/>
+              <a:tabLst>
+                <a:tab pos="6705432" algn="r"/>
+              </a:tabLst>
+              <a:defRPr sz="1200" baseline="0"/>
+            </a:lvl4pPr>
+            <a:lvl5pPr marL="540000" indent="-180000" defTabSz="1064657">
+              <a:spcBef>
+                <a:spcPts val="600"/>
+              </a:spcBef>
+              <a:spcAft>
+                <a:spcPts val="600"/>
+              </a:spcAft>
+              <a:buClrTx/>
+              <a:buSzPct val="100000"/>
+              <a:buFont typeface="Arial" panose="020B0604020202020204" pitchFamily="34" charset="0"/>
+              <a:buChar char="•"/>
+              <a:tabLst>
+                <a:tab pos="6705432" algn="r"/>
+              </a:tabLst>
+              <a:defRPr baseline="0"/>
+            </a:lvl5pPr>
+            <a:lvl6pPr marL="710382" indent="-235194">
+              <a:spcBef>
+                <a:spcPts val="0"/>
+              </a:spcBef>
+              <a:spcAft>
+                <a:spcPts val="1333"/>
+              </a:spcAft>
+              <a:buFont typeface="Verdana" panose="020B0604030504040204" pitchFamily="34" charset="0"/>
+              <a:buChar char="−"/>
+              <a:defRPr sz="1600" baseline="0"/>
+            </a:lvl6pPr>
+            <a:lvl7pPr marL="710382" indent="-235194">
+              <a:spcBef>
+                <a:spcPts val="0"/>
+              </a:spcBef>
+              <a:spcAft>
+                <a:spcPts val="1333"/>
+              </a:spcAft>
+              <a:buFont typeface="Verdana" panose="020B0604030504040204" pitchFamily="34" charset="0"/>
+              <a:buChar char="−"/>
+              <a:defRPr sz="1600"/>
+            </a:lvl7pPr>
+            <a:lvl8pPr marL="710382" indent="-235194">
+              <a:spcBef>
+                <a:spcPts val="0"/>
+              </a:spcBef>
+              <a:spcAft>
+                <a:spcPts val="1333"/>
+              </a:spcAft>
+              <a:buFont typeface="Verdana" panose="020B0604030504040204" pitchFamily="34" charset="0"/>
+              <a:buChar char="−"/>
+              <a:defRPr sz="1600" baseline="0"/>
+            </a:lvl8pPr>
+            <a:lvl9pPr marL="710382" indent="-235194">
+              <a:spcBef>
+                <a:spcPts val="0"/>
+              </a:spcBef>
+              <a:spcAft>
+                <a:spcPts val="1333"/>
+              </a:spcAft>
+              <a:buFont typeface="Verdana" panose="020B0604030504040204" pitchFamily="34" charset="0"/>
+              <a:buChar char="−"/>
+              <a:defRPr sz="1600" baseline="0"/>
+            </a:lvl9pPr>
+          </a:lstStyle>
           <a:p>
-            <a:pPr marL="263525" lvl="1" defTabSz="914400">
-              <a:buClrTx/>
-              <a:buSzTx/>
-              <a:buNone/>
-              <a:defRPr/>
-            </a:pPr>
-            <a:endParaRPr lang="en-CA" sz="1400" dirty="0"/>
-          </a:p>
-          <a:p>
-            <a:pPr marL="549275" lvl="1" indent="-285750" defTabSz="914400">
-              <a:buClrTx/>
-              <a:buSzTx/>
-              <a:defRPr/>
-            </a:pPr>
             <a:r>
-              <a:rPr lang="en-CA" sz="1400" dirty="0"/>
-              <a:t>By </a:t>
-            </a:r>
-            <a:r>
-              <a:rPr lang="en-CA" sz="1400" i="1" dirty="0" err="1"/>
-              <a:t>Tzvetan</a:t>
-            </a:r>
-            <a:r>
-              <a:rPr lang="en-CA" sz="1400" i="1" dirty="0"/>
-              <a:t> </a:t>
-            </a:r>
-            <a:r>
-              <a:rPr lang="en-CA" sz="1400" i="1" dirty="0" err="1"/>
-              <a:t>Horozov</a:t>
-            </a:r>
-            <a:r>
-              <a:rPr lang="en-CA" sz="1400" i="1" dirty="0"/>
-              <a:t>, Nitya Narasimhan, </a:t>
-            </a:r>
-            <a:r>
-              <a:rPr lang="en-CA" sz="1400" i="1" dirty="0" err="1"/>
-              <a:t>Venu</a:t>
-            </a:r>
-            <a:r>
-              <a:rPr lang="en-CA" sz="1400" i="1" dirty="0"/>
-              <a:t> Vasudevan</a:t>
+              <a:rPr lang="en-US" dirty="0"/>
+              <a:t>Project Overview	</a:t>
             </a:r>
           </a:p>
+        </p:txBody>
+      </p:sp>
+      <p:sp>
+        <p:nvSpPr>
+          <p:cNvPr id="20" name="Text Placeholder 5">
+            <a:hlinkClick r:id="rId8" action="ppaction://hlinksldjump"/>
+            <a:extLst>
+              <a:ext uri="{FF2B5EF4-FFF2-40B4-BE49-F238E27FC236}">
+                <a16:creationId xmlns:a16="http://schemas.microsoft.com/office/drawing/2014/main" id="{DC3B6B65-D375-48B5-B2F2-412A62DAAD81}"/>
+              </a:ext>
+            </a:extLst>
+          </p:cNvPr>
+          <p:cNvSpPr txBox="1">
+            <a:spLocks/>
+          </p:cNvSpPr>
+          <p:nvPr/>
+        </p:nvSpPr>
+        <p:spPr>
+          <a:xfrm>
+            <a:off x="10318115" y="2052096"/>
+            <a:ext cx="1724660" cy="184666"/>
+          </a:xfrm>
+          <a:prstGeom prst="rect">
+            <a:avLst/>
+          </a:prstGeom>
+        </p:spPr>
+        <p:txBody>
+          <a:bodyPr vert="horz" wrap="square" lIns="0" tIns="0" rIns="0" bIns="0" rtlCol="0">
+            <a:spAutoFit/>
+          </a:bodyPr>
+          <a:lstStyle>
+            <a:defPPr>
+              <a:defRPr lang="de-DE"/>
+            </a:defPPr>
+            <a:lvl1pPr indent="0">
+              <a:spcBef>
+                <a:spcPts val="600"/>
+              </a:spcBef>
+              <a:spcAft>
+                <a:spcPts val="0"/>
+              </a:spcAft>
+              <a:buSzPct val="100000"/>
+              <a:buFont typeface="Arial" panose="020B0604020202020204" pitchFamily="34" charset="0"/>
+              <a:buNone/>
+              <a:tabLst>
+                <a:tab pos="6705432" algn="r"/>
+              </a:tabLst>
+              <a:defRPr sz="1200" b="1">
+                <a:solidFill>
+                  <a:schemeClr val="accent1"/>
+                </a:solidFill>
+              </a:defRPr>
+            </a:lvl1pPr>
+            <a:lvl2pPr marL="0" indent="0">
+              <a:spcBef>
+                <a:spcPts val="600"/>
+              </a:spcBef>
+              <a:spcAft>
+                <a:spcPts val="600"/>
+              </a:spcAft>
+              <a:buClrTx/>
+              <a:buFont typeface="Arial"/>
+              <a:buNone/>
+              <a:tabLst>
+                <a:tab pos="6705432" algn="r"/>
+              </a:tabLst>
+              <a:defRPr sz="1200" b="1"/>
+            </a:lvl2pPr>
+            <a:lvl3pPr marL="180000" indent="-180000">
+              <a:spcBef>
+                <a:spcPts val="600"/>
+              </a:spcBef>
+              <a:spcAft>
+                <a:spcPts val="600"/>
+              </a:spcAft>
+              <a:buClrTx/>
+              <a:buSzPct val="100000"/>
+              <a:buFont typeface="Arial" panose="020B0604020202020204" pitchFamily="34" charset="0"/>
+              <a:buChar char="•"/>
+              <a:tabLst>
+                <a:tab pos="6705432" algn="r"/>
+              </a:tabLst>
+              <a:defRPr sz="1200"/>
+            </a:lvl3pPr>
+            <a:lvl4pPr marL="360000" indent="-180000">
+              <a:spcBef>
+                <a:spcPts val="600"/>
+              </a:spcBef>
+              <a:spcAft>
+                <a:spcPts val="600"/>
+              </a:spcAft>
+              <a:buClrTx/>
+              <a:buSzPct val="100000"/>
+              <a:buFont typeface="Verdana" panose="020B0604030504040204" pitchFamily="34" charset="0"/>
+              <a:buChar char="−"/>
+              <a:tabLst>
+                <a:tab pos="6705432" algn="r"/>
+              </a:tabLst>
+              <a:defRPr sz="1200" baseline="0"/>
+            </a:lvl4pPr>
+            <a:lvl5pPr marL="540000" indent="-180000" defTabSz="1064657">
+              <a:spcBef>
+                <a:spcPts val="600"/>
+              </a:spcBef>
+              <a:spcAft>
+                <a:spcPts val="600"/>
+              </a:spcAft>
+              <a:buClrTx/>
+              <a:buSzPct val="100000"/>
+              <a:buFont typeface="Arial" panose="020B0604020202020204" pitchFamily="34" charset="0"/>
+              <a:buChar char="•"/>
+              <a:tabLst>
+                <a:tab pos="6705432" algn="r"/>
+              </a:tabLst>
+              <a:defRPr baseline="0"/>
+            </a:lvl5pPr>
+            <a:lvl6pPr marL="710382" indent="-235194">
+              <a:spcBef>
+                <a:spcPts val="0"/>
+              </a:spcBef>
+              <a:spcAft>
+                <a:spcPts val="1333"/>
+              </a:spcAft>
+              <a:buFont typeface="Verdana" panose="020B0604030504040204" pitchFamily="34" charset="0"/>
+              <a:buChar char="−"/>
+              <a:defRPr sz="1600" baseline="0"/>
+            </a:lvl6pPr>
+            <a:lvl7pPr marL="710382" indent="-235194">
+              <a:spcBef>
+                <a:spcPts val="0"/>
+              </a:spcBef>
+              <a:spcAft>
+                <a:spcPts val="1333"/>
+              </a:spcAft>
+              <a:buFont typeface="Verdana" panose="020B0604030504040204" pitchFamily="34" charset="0"/>
+              <a:buChar char="−"/>
+              <a:defRPr sz="1600"/>
+            </a:lvl7pPr>
+            <a:lvl8pPr marL="710382" indent="-235194">
+              <a:spcBef>
+                <a:spcPts val="0"/>
+              </a:spcBef>
+              <a:spcAft>
+                <a:spcPts val="1333"/>
+              </a:spcAft>
+              <a:buFont typeface="Verdana" panose="020B0604030504040204" pitchFamily="34" charset="0"/>
+              <a:buChar char="−"/>
+              <a:defRPr sz="1600" baseline="0"/>
+            </a:lvl8pPr>
+            <a:lvl9pPr marL="710382" indent="-235194">
+              <a:spcBef>
+                <a:spcPts val="0"/>
+              </a:spcBef>
+              <a:spcAft>
+                <a:spcPts val="1333"/>
+              </a:spcAft>
+              <a:buFont typeface="Verdana" panose="020B0604030504040204" pitchFamily="34" charset="0"/>
+              <a:buChar char="−"/>
+              <a:defRPr sz="1600" baseline="0"/>
+            </a:lvl9pPr>
+          </a:lstStyle>
           <a:p>
-            <a:pPr marL="263525" lvl="1" defTabSz="914400">
-              <a:buClrTx/>
-              <a:buSzTx/>
-              <a:buNone/>
-              <a:defRPr/>
-            </a:pPr>
-            <a:endParaRPr lang="en-CA" sz="1400" i="1" dirty="0"/>
-          </a:p>
-          <a:p>
-            <a:pPr marL="549275" lvl="1" indent="-285750" defTabSz="914400">
-              <a:buClrTx/>
-              <a:buSzTx/>
-              <a:defRPr/>
-            </a:pPr>
             <a:r>
-              <a:rPr lang="en-CA" sz="1400" dirty="0"/>
-              <a:t>Discussion of </a:t>
-            </a:r>
-            <a:r>
-              <a:rPr lang="en-CA" sz="1400" dirty="0" err="1"/>
-              <a:t>GeoWhiz</a:t>
-            </a:r>
-            <a:r>
-              <a:rPr lang="en-CA" sz="1400" dirty="0"/>
-              <a:t>, a real-world deployment of our restaurant recommender system for location-based points of interest (POI).</a:t>
+              <a:rPr lang="en-US" dirty="0"/>
+              <a:t>Dataset &amp; Methods Used</a:t>
             </a:r>
           </a:p>
+        </p:txBody>
+      </p:sp>
+      <p:sp>
+        <p:nvSpPr>
+          <p:cNvPr id="21" name="Text Placeholder 5">
+            <a:hlinkClick r:id="rId9" action="ppaction://hlinksldjump"/>
+            <a:extLst>
+              <a:ext uri="{FF2B5EF4-FFF2-40B4-BE49-F238E27FC236}">
+                <a16:creationId xmlns:a16="http://schemas.microsoft.com/office/drawing/2014/main" id="{F765E697-2AB7-4E9D-A75D-BDBBEE2EEA01}"/>
+              </a:ext>
+            </a:extLst>
+          </p:cNvPr>
+          <p:cNvSpPr txBox="1">
+            <a:spLocks/>
+          </p:cNvSpPr>
+          <p:nvPr/>
+        </p:nvSpPr>
+        <p:spPr>
+          <a:xfrm>
+            <a:off x="10318115" y="2572768"/>
+            <a:ext cx="1724660" cy="184666"/>
+          </a:xfrm>
+          <a:prstGeom prst="rect">
+            <a:avLst/>
+          </a:prstGeom>
+        </p:spPr>
+        <p:txBody>
+          <a:bodyPr vert="horz" wrap="square" lIns="0" tIns="0" rIns="0" bIns="0" rtlCol="0">
+            <a:spAutoFit/>
+          </a:bodyPr>
+          <a:lstStyle>
+            <a:defPPr>
+              <a:defRPr lang="en-US"/>
+            </a:defPPr>
+            <a:lvl1pPr indent="0">
+              <a:spcBef>
+                <a:spcPts val="600"/>
+              </a:spcBef>
+              <a:spcAft>
+                <a:spcPts val="0"/>
+              </a:spcAft>
+              <a:buSzPct val="100000"/>
+              <a:buFont typeface="Arial" panose="020B0604020202020204" pitchFamily="34" charset="0"/>
+              <a:buNone/>
+              <a:tabLst>
+                <a:tab pos="6705432" algn="r"/>
+              </a:tabLst>
+              <a:defRPr sz="1100" b="0">
+                <a:solidFill>
+                  <a:srgbClr val="BBBCBC"/>
+                </a:solidFill>
+              </a:defRPr>
+            </a:lvl1pPr>
+            <a:lvl2pPr marL="0" indent="0">
+              <a:spcBef>
+                <a:spcPts val="600"/>
+              </a:spcBef>
+              <a:spcAft>
+                <a:spcPts val="600"/>
+              </a:spcAft>
+              <a:buClrTx/>
+              <a:buSzPct val="100000"/>
+              <a:buFont typeface="Arial"/>
+              <a:buNone/>
+              <a:tabLst>
+                <a:tab pos="6705432" algn="r"/>
+              </a:tabLst>
+              <a:defRPr sz="1200" b="1"/>
+            </a:lvl2pPr>
+            <a:lvl3pPr marL="180000" indent="-180000">
+              <a:spcBef>
+                <a:spcPts val="600"/>
+              </a:spcBef>
+              <a:spcAft>
+                <a:spcPts val="600"/>
+              </a:spcAft>
+              <a:buClrTx/>
+              <a:buSzPct val="100000"/>
+              <a:buFont typeface="Arial" panose="020B0604020202020204" pitchFamily="34" charset="0"/>
+              <a:buChar char="•"/>
+              <a:tabLst>
+                <a:tab pos="6705432" algn="r"/>
+              </a:tabLst>
+              <a:defRPr sz="1200"/>
+            </a:lvl3pPr>
+            <a:lvl4pPr marL="360000" indent="-180000">
+              <a:spcBef>
+                <a:spcPts val="600"/>
+              </a:spcBef>
+              <a:spcAft>
+                <a:spcPts val="600"/>
+              </a:spcAft>
+              <a:buClrTx/>
+              <a:buSzPct val="100000"/>
+              <a:buFont typeface="Verdana" panose="020B0604030504040204" pitchFamily="34" charset="0"/>
+              <a:buChar char="−"/>
+              <a:tabLst>
+                <a:tab pos="6705432" algn="r"/>
+              </a:tabLst>
+              <a:defRPr sz="1200" baseline="0"/>
+            </a:lvl4pPr>
+            <a:lvl5pPr marL="540000" indent="-180000" defTabSz="1064657">
+              <a:spcBef>
+                <a:spcPts val="600"/>
+              </a:spcBef>
+              <a:spcAft>
+                <a:spcPts val="600"/>
+              </a:spcAft>
+              <a:buClrTx/>
+              <a:buSzPct val="100000"/>
+              <a:buFont typeface="Arial" panose="020B0604020202020204" pitchFamily="34" charset="0"/>
+              <a:buChar char="•"/>
+              <a:tabLst>
+                <a:tab pos="6705432" algn="r"/>
+              </a:tabLst>
+              <a:defRPr sz="1200" baseline="0"/>
+            </a:lvl5pPr>
+            <a:lvl6pPr marL="710382" indent="-235194">
+              <a:spcBef>
+                <a:spcPts val="0"/>
+              </a:spcBef>
+              <a:spcAft>
+                <a:spcPts val="1333"/>
+              </a:spcAft>
+              <a:buFont typeface="Verdana" panose="020B0604030504040204" pitchFamily="34" charset="0"/>
+              <a:buChar char="−"/>
+              <a:defRPr sz="1600" baseline="0"/>
+            </a:lvl6pPr>
+            <a:lvl7pPr marL="710382" indent="-235194">
+              <a:spcBef>
+                <a:spcPts val="0"/>
+              </a:spcBef>
+              <a:spcAft>
+                <a:spcPts val="1333"/>
+              </a:spcAft>
+              <a:buFont typeface="Verdana" panose="020B0604030504040204" pitchFamily="34" charset="0"/>
+              <a:buChar char="−"/>
+              <a:defRPr sz="1600"/>
+            </a:lvl7pPr>
+            <a:lvl8pPr marL="710382" indent="-235194">
+              <a:spcBef>
+                <a:spcPts val="0"/>
+              </a:spcBef>
+              <a:spcAft>
+                <a:spcPts val="1333"/>
+              </a:spcAft>
+              <a:buFont typeface="Verdana" panose="020B0604030504040204" pitchFamily="34" charset="0"/>
+              <a:buChar char="−"/>
+              <a:defRPr sz="1600" baseline="0"/>
+            </a:lvl8pPr>
+            <a:lvl9pPr marL="710382" indent="-235194">
+              <a:spcBef>
+                <a:spcPts val="0"/>
+              </a:spcBef>
+              <a:spcAft>
+                <a:spcPts val="1333"/>
+              </a:spcAft>
+              <a:buFont typeface="Verdana" panose="020B0604030504040204" pitchFamily="34" charset="0"/>
+              <a:buChar char="−"/>
+              <a:defRPr sz="1600" baseline="0"/>
+            </a:lvl9pPr>
+          </a:lstStyle>
           <a:p>
-            <a:pPr marL="263525" lvl="1" defTabSz="914400">
-              <a:buClrTx/>
-              <a:buSzTx/>
-              <a:buNone/>
-              <a:defRPr/>
-            </a:pPr>
-            <a:endParaRPr lang="en-US" sz="1400" dirty="0"/>
-          </a:p>
-          <a:p>
-            <a:pPr marL="228600" lvl="0" indent="-228600" defTabSz="914400">
-              <a:buFont typeface="+mj-lt"/>
-              <a:buAutoNum type="arabicPeriod"/>
-              <a:defRPr/>
-            </a:pPr>
             <a:r>
-              <a:rPr lang="en-CA" sz="1400" b="1" dirty="0"/>
-              <a:t>Collaborative Filtering using Weighted </a:t>
-            </a:r>
-            <a:r>
-              <a:rPr lang="en-CA" sz="1400" b="1" dirty="0" err="1"/>
-              <a:t>BiPartite</a:t>
-            </a:r>
-            <a:r>
-              <a:rPr lang="en-CA" sz="1400" b="1" dirty="0"/>
-              <a:t> Graph Projection - A Recommendation System for Yelp</a:t>
-            </a:r>
-            <a:endParaRPr lang="en-US" sz="1400" b="1" dirty="0"/>
-          </a:p>
-          <a:p>
-            <a:pPr marL="228600" lvl="0" indent="-228600" defTabSz="914400">
-              <a:buFont typeface="+mj-lt"/>
-              <a:buAutoNum type="arabicPeriod"/>
-              <a:defRPr/>
-            </a:pPr>
-            <a:endParaRPr lang="en-US" sz="1400" b="1" dirty="0"/>
-          </a:p>
-          <a:p>
-            <a:pPr marL="549275" lvl="1" indent="-285750" defTabSz="914400">
-              <a:buClrTx/>
-              <a:buSzTx/>
-              <a:defRPr/>
-            </a:pPr>
-            <a:r>
-              <a:rPr lang="en-CA" sz="1400" dirty="0"/>
-              <a:t>By </a:t>
-            </a:r>
-            <a:r>
-              <a:rPr lang="en-CA" sz="1400" i="1" dirty="0" err="1"/>
-              <a:t>Sumedh</a:t>
-            </a:r>
-            <a:r>
-              <a:rPr lang="en-CA" sz="1400" i="1" dirty="0"/>
-              <a:t> Sawant</a:t>
+              <a:rPr lang="en-US" sz="1200" dirty="0">
+                <a:solidFill>
+                  <a:schemeClr val="tx1"/>
+                </a:solidFill>
+              </a:rPr>
+              <a:t>Progress Status</a:t>
             </a:r>
           </a:p>
+        </p:txBody>
+      </p:sp>
+      <p:sp>
+        <p:nvSpPr>
+          <p:cNvPr id="22" name="Text Placeholder 5">
+            <a:hlinkClick r:id="" action="ppaction://noaction"/>
+            <a:extLst>
+              <a:ext uri="{FF2B5EF4-FFF2-40B4-BE49-F238E27FC236}">
+                <a16:creationId xmlns:a16="http://schemas.microsoft.com/office/drawing/2014/main" id="{41B45975-DCBA-470C-A8ED-BD6B029DA969}"/>
+              </a:ext>
+            </a:extLst>
+          </p:cNvPr>
+          <p:cNvSpPr txBox="1">
+            <a:spLocks/>
+          </p:cNvSpPr>
+          <p:nvPr/>
+        </p:nvSpPr>
+        <p:spPr>
+          <a:xfrm>
+            <a:off x="10318115" y="3779143"/>
+            <a:ext cx="1724660" cy="184666"/>
+          </a:xfrm>
+          <a:prstGeom prst="rect">
+            <a:avLst/>
+          </a:prstGeom>
+        </p:spPr>
+        <p:txBody>
+          <a:bodyPr vert="horz" wrap="square" lIns="0" tIns="0" rIns="0" bIns="0" rtlCol="0">
+            <a:spAutoFit/>
+          </a:bodyPr>
+          <a:lstStyle>
+            <a:defPPr>
+              <a:defRPr lang="en-US"/>
+            </a:defPPr>
+            <a:lvl1pPr indent="0">
+              <a:spcBef>
+                <a:spcPts val="600"/>
+              </a:spcBef>
+              <a:spcAft>
+                <a:spcPts val="0"/>
+              </a:spcAft>
+              <a:buSzPct val="100000"/>
+              <a:buFont typeface="Arial" panose="020B0604020202020204" pitchFamily="34" charset="0"/>
+              <a:buNone/>
+              <a:tabLst>
+                <a:tab pos="6705432" algn="r"/>
+              </a:tabLst>
+              <a:defRPr sz="1100" b="0">
+                <a:solidFill>
+                  <a:srgbClr val="BBBCBC"/>
+                </a:solidFill>
+              </a:defRPr>
+            </a:lvl1pPr>
+            <a:lvl2pPr marL="0" indent="0">
+              <a:spcBef>
+                <a:spcPts val="600"/>
+              </a:spcBef>
+              <a:spcAft>
+                <a:spcPts val="600"/>
+              </a:spcAft>
+              <a:buClrTx/>
+              <a:buSzPct val="100000"/>
+              <a:buFont typeface="Arial"/>
+              <a:buNone/>
+              <a:tabLst>
+                <a:tab pos="6705432" algn="r"/>
+              </a:tabLst>
+              <a:defRPr sz="1200" b="1"/>
+            </a:lvl2pPr>
+            <a:lvl3pPr marL="180000" indent="-180000">
+              <a:spcBef>
+                <a:spcPts val="600"/>
+              </a:spcBef>
+              <a:spcAft>
+                <a:spcPts val="600"/>
+              </a:spcAft>
+              <a:buClrTx/>
+              <a:buSzPct val="100000"/>
+              <a:buFont typeface="Arial" panose="020B0604020202020204" pitchFamily="34" charset="0"/>
+              <a:buChar char="•"/>
+              <a:tabLst>
+                <a:tab pos="6705432" algn="r"/>
+              </a:tabLst>
+              <a:defRPr sz="1200"/>
+            </a:lvl3pPr>
+            <a:lvl4pPr marL="360000" indent="-180000">
+              <a:spcBef>
+                <a:spcPts val="600"/>
+              </a:spcBef>
+              <a:spcAft>
+                <a:spcPts val="600"/>
+              </a:spcAft>
+              <a:buClrTx/>
+              <a:buSzPct val="100000"/>
+              <a:buFont typeface="Verdana" panose="020B0604030504040204" pitchFamily="34" charset="0"/>
+              <a:buChar char="−"/>
+              <a:tabLst>
+                <a:tab pos="6705432" algn="r"/>
+              </a:tabLst>
+              <a:defRPr sz="1200" baseline="0"/>
+            </a:lvl4pPr>
+            <a:lvl5pPr marL="540000" indent="-180000" defTabSz="1064657">
+              <a:spcBef>
+                <a:spcPts val="600"/>
+              </a:spcBef>
+              <a:spcAft>
+                <a:spcPts val="600"/>
+              </a:spcAft>
+              <a:buClrTx/>
+              <a:buSzPct val="100000"/>
+              <a:buFont typeface="Arial" panose="020B0604020202020204" pitchFamily="34" charset="0"/>
+              <a:buChar char="•"/>
+              <a:tabLst>
+                <a:tab pos="6705432" algn="r"/>
+              </a:tabLst>
+              <a:defRPr sz="1200" baseline="0"/>
+            </a:lvl5pPr>
+            <a:lvl6pPr marL="710382" indent="-235194">
+              <a:spcBef>
+                <a:spcPts val="0"/>
+              </a:spcBef>
+              <a:spcAft>
+                <a:spcPts val="1333"/>
+              </a:spcAft>
+              <a:buFont typeface="Verdana" panose="020B0604030504040204" pitchFamily="34" charset="0"/>
+              <a:buChar char="−"/>
+              <a:defRPr sz="1600" baseline="0"/>
+            </a:lvl6pPr>
+            <a:lvl7pPr marL="710382" indent="-235194">
+              <a:spcBef>
+                <a:spcPts val="0"/>
+              </a:spcBef>
+              <a:spcAft>
+                <a:spcPts val="1333"/>
+              </a:spcAft>
+              <a:buFont typeface="Verdana" panose="020B0604030504040204" pitchFamily="34" charset="0"/>
+              <a:buChar char="−"/>
+              <a:defRPr sz="1600"/>
+            </a:lvl7pPr>
+            <a:lvl8pPr marL="710382" indent="-235194">
+              <a:spcBef>
+                <a:spcPts val="0"/>
+              </a:spcBef>
+              <a:spcAft>
+                <a:spcPts val="1333"/>
+              </a:spcAft>
+              <a:buFont typeface="Verdana" panose="020B0604030504040204" pitchFamily="34" charset="0"/>
+              <a:buChar char="−"/>
+              <a:defRPr sz="1600" baseline="0"/>
+            </a:lvl8pPr>
+            <a:lvl9pPr marL="710382" indent="-235194">
+              <a:spcBef>
+                <a:spcPts val="0"/>
+              </a:spcBef>
+              <a:spcAft>
+                <a:spcPts val="1333"/>
+              </a:spcAft>
+              <a:buFont typeface="Verdana" panose="020B0604030504040204" pitchFamily="34" charset="0"/>
+              <a:buChar char="−"/>
+              <a:defRPr sz="1600" baseline="0"/>
+            </a:lvl9pPr>
+          </a:lstStyle>
           <a:p>
-            <a:pPr marL="549275" lvl="1" indent="-285750" defTabSz="914400">
-              <a:buClrTx/>
-              <a:buSzTx/>
-              <a:defRPr/>
-            </a:pPr>
-            <a:endParaRPr lang="en-CA" sz="1400" i="1" dirty="0"/>
-          </a:p>
-          <a:p>
-            <a:pPr marL="549275" lvl="1" indent="-285750" defTabSz="914400">
-              <a:buClrTx/>
-              <a:buSzTx/>
-              <a:defRPr/>
-            </a:pPr>
             <a:r>
-              <a:rPr lang="en-CA" sz="1400" dirty="0"/>
-              <a:t>Recommendation system on the Yelp Dataset Challenge dataset using the network-based-inference collaborative filtering algorithm</a:t>
+              <a:rPr lang="en-US" sz="1200" dirty="0">
+                <a:solidFill>
+                  <a:schemeClr val="tx1"/>
+                </a:solidFill>
+              </a:rPr>
+              <a:t>Findings</a:t>
             </a:r>
           </a:p>
+        </p:txBody>
+      </p:sp>
+      <p:sp>
+        <p:nvSpPr>
+          <p:cNvPr id="26" name="Text Placeholder 5">
+            <a:hlinkClick r:id="rId9" action="ppaction://hlinksldjump"/>
+            <a:extLst>
+              <a:ext uri="{FF2B5EF4-FFF2-40B4-BE49-F238E27FC236}">
+                <a16:creationId xmlns:a16="http://schemas.microsoft.com/office/drawing/2014/main" id="{45C3E173-229A-4437-80A6-409B3AFD7527}"/>
+              </a:ext>
+            </a:extLst>
+          </p:cNvPr>
+          <p:cNvSpPr txBox="1">
+            <a:spLocks/>
+          </p:cNvSpPr>
+          <p:nvPr/>
+        </p:nvSpPr>
+        <p:spPr>
+          <a:xfrm>
+            <a:off x="10318115" y="3443138"/>
+            <a:ext cx="1724660" cy="184666"/>
+          </a:xfrm>
+          <a:prstGeom prst="rect">
+            <a:avLst/>
+          </a:prstGeom>
+        </p:spPr>
+        <p:txBody>
+          <a:bodyPr vert="horz" wrap="square" lIns="0" tIns="0" rIns="0" bIns="0" rtlCol="0">
+            <a:spAutoFit/>
+          </a:bodyPr>
+          <a:lstStyle>
+            <a:defPPr>
+              <a:defRPr lang="en-US"/>
+            </a:defPPr>
+            <a:lvl1pPr indent="0">
+              <a:spcBef>
+                <a:spcPts val="600"/>
+              </a:spcBef>
+              <a:spcAft>
+                <a:spcPts val="0"/>
+              </a:spcAft>
+              <a:buSzPct val="100000"/>
+              <a:buFont typeface="Arial" panose="020B0604020202020204" pitchFamily="34" charset="0"/>
+              <a:buNone/>
+              <a:tabLst>
+                <a:tab pos="6705432" algn="r"/>
+              </a:tabLst>
+              <a:defRPr sz="1100" b="0">
+                <a:solidFill>
+                  <a:srgbClr val="BBBCBC"/>
+                </a:solidFill>
+              </a:defRPr>
+            </a:lvl1pPr>
+            <a:lvl2pPr marL="0" indent="0">
+              <a:spcBef>
+                <a:spcPts val="600"/>
+              </a:spcBef>
+              <a:spcAft>
+                <a:spcPts val="600"/>
+              </a:spcAft>
+              <a:buClrTx/>
+              <a:buSzPct val="100000"/>
+              <a:buFont typeface="Arial"/>
+              <a:buNone/>
+              <a:tabLst>
+                <a:tab pos="6705432" algn="r"/>
+              </a:tabLst>
+              <a:defRPr sz="1200" b="1"/>
+            </a:lvl2pPr>
+            <a:lvl3pPr marL="180000" indent="-180000">
+              <a:spcBef>
+                <a:spcPts val="600"/>
+              </a:spcBef>
+              <a:spcAft>
+                <a:spcPts val="600"/>
+              </a:spcAft>
+              <a:buClrTx/>
+              <a:buSzPct val="100000"/>
+              <a:buFont typeface="Arial" panose="020B0604020202020204" pitchFamily="34" charset="0"/>
+              <a:buChar char="•"/>
+              <a:tabLst>
+                <a:tab pos="6705432" algn="r"/>
+              </a:tabLst>
+              <a:defRPr sz="1200"/>
+            </a:lvl3pPr>
+            <a:lvl4pPr marL="360000" indent="-180000">
+              <a:spcBef>
+                <a:spcPts val="600"/>
+              </a:spcBef>
+              <a:spcAft>
+                <a:spcPts val="600"/>
+              </a:spcAft>
+              <a:buClrTx/>
+              <a:buSzPct val="100000"/>
+              <a:buFont typeface="Verdana" panose="020B0604030504040204" pitchFamily="34" charset="0"/>
+              <a:buChar char="−"/>
+              <a:tabLst>
+                <a:tab pos="6705432" algn="r"/>
+              </a:tabLst>
+              <a:defRPr sz="1200" baseline="0"/>
+            </a:lvl4pPr>
+            <a:lvl5pPr marL="540000" indent="-180000" defTabSz="1064657">
+              <a:spcBef>
+                <a:spcPts val="600"/>
+              </a:spcBef>
+              <a:spcAft>
+                <a:spcPts val="600"/>
+              </a:spcAft>
+              <a:buClrTx/>
+              <a:buSzPct val="100000"/>
+              <a:buFont typeface="Arial" panose="020B0604020202020204" pitchFamily="34" charset="0"/>
+              <a:buChar char="•"/>
+              <a:tabLst>
+                <a:tab pos="6705432" algn="r"/>
+              </a:tabLst>
+              <a:defRPr sz="1200" baseline="0"/>
+            </a:lvl5pPr>
+            <a:lvl6pPr marL="710382" indent="-235194">
+              <a:spcBef>
+                <a:spcPts val="0"/>
+              </a:spcBef>
+              <a:spcAft>
+                <a:spcPts val="1333"/>
+              </a:spcAft>
+              <a:buFont typeface="Verdana" panose="020B0604030504040204" pitchFamily="34" charset="0"/>
+              <a:buChar char="−"/>
+              <a:defRPr sz="1600" baseline="0"/>
+            </a:lvl6pPr>
+            <a:lvl7pPr marL="710382" indent="-235194">
+              <a:spcBef>
+                <a:spcPts val="0"/>
+              </a:spcBef>
+              <a:spcAft>
+                <a:spcPts val="1333"/>
+              </a:spcAft>
+              <a:buFont typeface="Verdana" panose="020B0604030504040204" pitchFamily="34" charset="0"/>
+              <a:buChar char="−"/>
+              <a:defRPr sz="1600"/>
+            </a:lvl7pPr>
+            <a:lvl8pPr marL="710382" indent="-235194">
+              <a:spcBef>
+                <a:spcPts val="0"/>
+              </a:spcBef>
+              <a:spcAft>
+                <a:spcPts val="1333"/>
+              </a:spcAft>
+              <a:buFont typeface="Verdana" panose="020B0604030504040204" pitchFamily="34" charset="0"/>
+              <a:buChar char="−"/>
+              <a:defRPr sz="1600" baseline="0"/>
+            </a:lvl8pPr>
+            <a:lvl9pPr marL="710382" indent="-235194">
+              <a:spcBef>
+                <a:spcPts val="0"/>
+              </a:spcBef>
+              <a:spcAft>
+                <a:spcPts val="1333"/>
+              </a:spcAft>
+              <a:buFont typeface="Verdana" panose="020B0604030504040204" pitchFamily="34" charset="0"/>
+              <a:buChar char="−"/>
+              <a:defRPr sz="1600" baseline="0"/>
+            </a:lvl9pPr>
+          </a:lstStyle>
           <a:p>
-            <a:pPr marL="549275" lvl="1" indent="-285750" defTabSz="914400">
+            <a:r>
+              <a:rPr lang="en-US" sz="1200" dirty="0">
+                <a:solidFill>
+                  <a:schemeClr val="tx1"/>
+                </a:solidFill>
+              </a:rPr>
+              <a:t>Metric Visualization</a:t>
+            </a:r>
+          </a:p>
+        </p:txBody>
+      </p:sp>
+      <p:sp>
+        <p:nvSpPr>
+          <p:cNvPr id="27" name="Text Placeholder 5">
+            <a:hlinkClick r:id="" action="ppaction://noaction"/>
+            <a:extLst>
+              <a:ext uri="{FF2B5EF4-FFF2-40B4-BE49-F238E27FC236}">
+                <a16:creationId xmlns:a16="http://schemas.microsoft.com/office/drawing/2014/main" id="{54C3F704-7C5B-4CA7-9532-976F0345006E}"/>
+              </a:ext>
+            </a:extLst>
+          </p:cNvPr>
+          <p:cNvSpPr txBox="1">
+            <a:spLocks/>
+          </p:cNvSpPr>
+          <p:nvPr/>
+        </p:nvSpPr>
+        <p:spPr>
+          <a:xfrm>
+            <a:off x="10318115" y="4131235"/>
+            <a:ext cx="1724660" cy="184666"/>
+          </a:xfrm>
+          <a:prstGeom prst="rect">
+            <a:avLst/>
+          </a:prstGeom>
+        </p:spPr>
+        <p:txBody>
+          <a:bodyPr vert="horz" wrap="square" lIns="0" tIns="0" rIns="0" bIns="0" rtlCol="0">
+            <a:spAutoFit/>
+          </a:bodyPr>
+          <a:lstStyle>
+            <a:defPPr>
+              <a:defRPr lang="en-US"/>
+            </a:defPPr>
+            <a:lvl1pPr indent="0">
+              <a:spcBef>
+                <a:spcPts val="600"/>
+              </a:spcBef>
+              <a:spcAft>
+                <a:spcPts val="0"/>
+              </a:spcAft>
+              <a:buSzPct val="100000"/>
+              <a:buFont typeface="Arial" panose="020B0604020202020204" pitchFamily="34" charset="0"/>
+              <a:buNone/>
+              <a:tabLst>
+                <a:tab pos="6705432" algn="r"/>
+              </a:tabLst>
+              <a:defRPr sz="1100" b="0">
+                <a:solidFill>
+                  <a:srgbClr val="BBBCBC"/>
+                </a:solidFill>
+              </a:defRPr>
+            </a:lvl1pPr>
+            <a:lvl2pPr marL="0" indent="0">
+              <a:spcBef>
+                <a:spcPts val="600"/>
+              </a:spcBef>
+              <a:spcAft>
+                <a:spcPts val="600"/>
+              </a:spcAft>
               <a:buClrTx/>
-              <a:buSzTx/>
-              <a:defRPr/>
-            </a:pPr>
-            <a:endParaRPr lang="en-CA" sz="1400" dirty="0"/>
-          </a:p>
+              <a:buSzPct val="100000"/>
+              <a:buFont typeface="Arial"/>
+              <a:buNone/>
+              <a:tabLst>
+                <a:tab pos="6705432" algn="r"/>
+              </a:tabLst>
+              <a:defRPr sz="1200" b="1"/>
+            </a:lvl2pPr>
+            <a:lvl3pPr marL="180000" indent="-180000">
+              <a:spcBef>
+                <a:spcPts val="600"/>
+              </a:spcBef>
+              <a:spcAft>
+                <a:spcPts val="600"/>
+              </a:spcAft>
+              <a:buClrTx/>
+              <a:buSzPct val="100000"/>
+              <a:buFont typeface="Arial" panose="020B0604020202020204" pitchFamily="34" charset="0"/>
+              <a:buChar char="•"/>
+              <a:tabLst>
+                <a:tab pos="6705432" algn="r"/>
+              </a:tabLst>
+              <a:defRPr sz="1200"/>
+            </a:lvl3pPr>
+            <a:lvl4pPr marL="360000" indent="-180000">
+              <a:spcBef>
+                <a:spcPts val="600"/>
+              </a:spcBef>
+              <a:spcAft>
+                <a:spcPts val="600"/>
+              </a:spcAft>
+              <a:buClrTx/>
+              <a:buSzPct val="100000"/>
+              <a:buFont typeface="Verdana" panose="020B0604030504040204" pitchFamily="34" charset="0"/>
+              <a:buChar char="−"/>
+              <a:tabLst>
+                <a:tab pos="6705432" algn="r"/>
+              </a:tabLst>
+              <a:defRPr sz="1200" baseline="0"/>
+            </a:lvl4pPr>
+            <a:lvl5pPr marL="540000" indent="-180000" defTabSz="1064657">
+              <a:spcBef>
+                <a:spcPts val="600"/>
+              </a:spcBef>
+              <a:spcAft>
+                <a:spcPts val="600"/>
+              </a:spcAft>
+              <a:buClrTx/>
+              <a:buSzPct val="100000"/>
+              <a:buFont typeface="Arial" panose="020B0604020202020204" pitchFamily="34" charset="0"/>
+              <a:buChar char="•"/>
+              <a:tabLst>
+                <a:tab pos="6705432" algn="r"/>
+              </a:tabLst>
+              <a:defRPr sz="1200" baseline="0"/>
+            </a:lvl5pPr>
+            <a:lvl6pPr marL="710382" indent="-235194">
+              <a:spcBef>
+                <a:spcPts val="0"/>
+              </a:spcBef>
+              <a:spcAft>
+                <a:spcPts val="1333"/>
+              </a:spcAft>
+              <a:buFont typeface="Verdana" panose="020B0604030504040204" pitchFamily="34" charset="0"/>
+              <a:buChar char="−"/>
+              <a:defRPr sz="1600" baseline="0"/>
+            </a:lvl6pPr>
+            <a:lvl7pPr marL="710382" indent="-235194">
+              <a:spcBef>
+                <a:spcPts val="0"/>
+              </a:spcBef>
+              <a:spcAft>
+                <a:spcPts val="1333"/>
+              </a:spcAft>
+              <a:buFont typeface="Verdana" panose="020B0604030504040204" pitchFamily="34" charset="0"/>
+              <a:buChar char="−"/>
+              <a:defRPr sz="1600"/>
+            </a:lvl7pPr>
+            <a:lvl8pPr marL="710382" indent="-235194">
+              <a:spcBef>
+                <a:spcPts val="0"/>
+              </a:spcBef>
+              <a:spcAft>
+                <a:spcPts val="1333"/>
+              </a:spcAft>
+              <a:buFont typeface="Verdana" panose="020B0604030504040204" pitchFamily="34" charset="0"/>
+              <a:buChar char="−"/>
+              <a:defRPr sz="1600" baseline="0"/>
+            </a:lvl8pPr>
+            <a:lvl9pPr marL="710382" indent="-235194">
+              <a:spcBef>
+                <a:spcPts val="0"/>
+              </a:spcBef>
+              <a:spcAft>
+                <a:spcPts val="1333"/>
+              </a:spcAft>
+              <a:buFont typeface="Verdana" panose="020B0604030504040204" pitchFamily="34" charset="0"/>
+              <a:buChar char="−"/>
+              <a:defRPr sz="1600" baseline="0"/>
+            </a:lvl9pPr>
+          </a:lstStyle>
           <a:p>
-            <a:pPr marL="549275" lvl="1" indent="-285750" defTabSz="914400">
-              <a:buClrTx/>
-              <a:buSzTx/>
-              <a:defRPr/>
-            </a:pPr>
             <a:r>
-              <a:rPr lang="en-CA" sz="1400" dirty="0"/>
-              <a:t>Same Yelp dataset was used (2013 version)</a:t>
+              <a:rPr lang="en-US" sz="1200" dirty="0">
+                <a:solidFill>
+                  <a:schemeClr val="tx1"/>
+                </a:solidFill>
+              </a:rPr>
+              <a:t>Next Steps</a:t>
             </a:r>
           </a:p>
         </p:txBody>
@@ -31653,7 +32240,7 @@
           <a:p>
             <a:r>
               <a:rPr lang="en-US" dirty="0"/>
-              <a:t>Key Information Security Metrics</a:t>
+              <a:t>Algorithms &amp; App Results</a:t>
             </a:r>
           </a:p>
         </p:txBody>
@@ -31686,1324 +32273,11 @@
           <a:p>
             <a:r>
               <a:rPr lang="en-US" dirty="0"/>
-              <a:t>First Priority Metrics (1/2)</a:t>
+              <a:t>Algorithms &amp; Results</a:t>
             </a:r>
           </a:p>
         </p:txBody>
       </p:sp>
-      <p:graphicFrame>
-        <p:nvGraphicFramePr>
-          <p:cNvPr id="5" name="Table 4">
-            <a:extLst>
-              <a:ext uri="{FF2B5EF4-FFF2-40B4-BE49-F238E27FC236}">
-                <a16:creationId xmlns:a16="http://schemas.microsoft.com/office/drawing/2014/main" id="{E68249C6-8E79-6547-8DE5-EB078D4D2F55}"/>
-              </a:ext>
-            </a:extLst>
-          </p:cNvPr>
-          <p:cNvGraphicFramePr>
-            <a:graphicFrameLocks noGrp="1"/>
-          </p:cNvGraphicFramePr>
-          <p:nvPr>
-            <p:extLst>
-              <p:ext uri="{D42A27DB-BD31-4B8C-83A1-F6EECF244321}">
-                <p14:modId xmlns:p14="http://schemas.microsoft.com/office/powerpoint/2010/main" val="1143659290"/>
-              </p:ext>
-            </p:extLst>
-          </p:nvPr>
-        </p:nvGraphicFramePr>
-        <p:xfrm>
-          <a:off x="504001" y="1506760"/>
-          <a:ext cx="9486667" cy="3119472"/>
-        </p:xfrm>
-        <a:graphic>
-          <a:graphicData uri="http://schemas.openxmlformats.org/drawingml/2006/table">
-            <a:tbl>
-              <a:tblPr>
-                <a:tableStyleId>{2D5ABB26-0587-4C30-8999-92F81FD0307C}</a:tableStyleId>
-              </a:tblPr>
-              <a:tblGrid>
-                <a:gridCol w="1020962">
-                  <a:extLst>
-                    <a:ext uri="{9D8B030D-6E8A-4147-A177-3AD203B41FA5}">
-                      <a16:colId xmlns:a16="http://schemas.microsoft.com/office/drawing/2014/main" val="223442563"/>
-                    </a:ext>
-                  </a:extLst>
-                </a:gridCol>
-                <a:gridCol w="1875858">
-                  <a:extLst>
-                    <a:ext uri="{9D8B030D-6E8A-4147-A177-3AD203B41FA5}">
-                      <a16:colId xmlns:a16="http://schemas.microsoft.com/office/drawing/2014/main" val="2764059221"/>
-                    </a:ext>
-                  </a:extLst>
-                </a:gridCol>
-                <a:gridCol w="2471925">
-                  <a:extLst>
-                    <a:ext uri="{9D8B030D-6E8A-4147-A177-3AD203B41FA5}">
-                      <a16:colId xmlns:a16="http://schemas.microsoft.com/office/drawing/2014/main" val="3587916648"/>
-                    </a:ext>
-                  </a:extLst>
-                </a:gridCol>
-                <a:gridCol w="3135787">
-                  <a:extLst>
-                    <a:ext uri="{9D8B030D-6E8A-4147-A177-3AD203B41FA5}">
-                      <a16:colId xmlns:a16="http://schemas.microsoft.com/office/drawing/2014/main" val="54579375"/>
-                    </a:ext>
-                  </a:extLst>
-                </a:gridCol>
-                <a:gridCol w="982135">
-                  <a:extLst>
-                    <a:ext uri="{9D8B030D-6E8A-4147-A177-3AD203B41FA5}">
-                      <a16:colId xmlns:a16="http://schemas.microsoft.com/office/drawing/2014/main" val="3090614442"/>
-                    </a:ext>
-                  </a:extLst>
-                </a:gridCol>
-              </a:tblGrid>
-              <a:tr h="0">
-                <a:tc>
-                  <a:txBody>
-                    <a:bodyPr/>
-                    <a:lstStyle/>
-                    <a:p>
-                      <a:r>
-                        <a:rPr lang="en-US" sz="1400" b="1" u="none" strike="noStrike" kern="1200" dirty="0">
-                          <a:solidFill>
-                            <a:schemeClr val="tx1"/>
-                          </a:solidFill>
-                          <a:effectLst/>
-                          <a:latin typeface="+mn-lt"/>
-                          <a:ea typeface="+mn-ea"/>
-                          <a:cs typeface="+mn-cs"/>
-                        </a:rPr>
-                        <a:t>ID</a:t>
-                      </a:r>
-                    </a:p>
-                  </a:txBody>
-                  <a:tcPr>
-                    <a:solidFill>
-                      <a:srgbClr val="FFC000"/>
-                    </a:solidFill>
-                  </a:tcPr>
-                </a:tc>
-                <a:tc>
-                  <a:txBody>
-                    <a:bodyPr/>
-                    <a:lstStyle/>
-                    <a:p>
-                      <a:pPr algn="l" rtl="0" fontAlgn="ctr"/>
-                      <a:r>
-                        <a:rPr lang="en-CA" sz="1400" b="1" u="none" strike="noStrike" kern="1200" dirty="0">
-                          <a:solidFill>
-                            <a:schemeClr val="tx1"/>
-                          </a:solidFill>
-                          <a:effectLst/>
-                          <a:latin typeface="+mn-lt"/>
-                          <a:ea typeface="+mn-ea"/>
-                          <a:cs typeface="+mn-cs"/>
-                        </a:rPr>
-                        <a:t>METRIC NAME</a:t>
-                      </a:r>
-                    </a:p>
-                  </a:txBody>
-                  <a:tcPr marL="3416" marR="3416" marT="3416" marB="0" anchor="ctr">
-                    <a:solidFill>
-                      <a:srgbClr val="FFC000"/>
-                    </a:solidFill>
-                  </a:tcPr>
-                </a:tc>
-                <a:tc>
-                  <a:txBody>
-                    <a:bodyPr/>
-                    <a:lstStyle/>
-                    <a:p>
-                      <a:pPr algn="l" rtl="0" fontAlgn="ctr"/>
-                      <a:r>
-                        <a:rPr lang="en-CA" sz="1400" b="1" u="none" strike="noStrike" kern="1200" dirty="0">
-                          <a:solidFill>
-                            <a:schemeClr val="tx1"/>
-                          </a:solidFill>
-                          <a:effectLst/>
-                          <a:latin typeface="+mn-lt"/>
-                          <a:ea typeface="+mn-ea"/>
-                          <a:cs typeface="+mn-cs"/>
-                        </a:rPr>
-                        <a:t>DIMENSIONS</a:t>
-                      </a:r>
-                    </a:p>
-                  </a:txBody>
-                  <a:tcPr marL="3416" marR="3416" marT="3416" marB="0" anchor="ctr">
-                    <a:solidFill>
-                      <a:srgbClr val="FFC000"/>
-                    </a:solidFill>
-                  </a:tcPr>
-                </a:tc>
-                <a:tc>
-                  <a:txBody>
-                    <a:bodyPr/>
-                    <a:lstStyle/>
-                    <a:p>
-                      <a:pPr algn="l" rtl="0" fontAlgn="ctr"/>
-                      <a:r>
-                        <a:rPr lang="en-CA" sz="1400" b="1" u="none" strike="noStrike" kern="1200" dirty="0">
-                          <a:solidFill>
-                            <a:schemeClr val="tx1"/>
-                          </a:solidFill>
-                          <a:effectLst/>
-                          <a:latin typeface="+mn-lt"/>
-                          <a:ea typeface="+mn-ea"/>
-                          <a:cs typeface="+mn-cs"/>
-                        </a:rPr>
-                        <a:t>PURPOSE</a:t>
-                      </a:r>
-                    </a:p>
-                  </a:txBody>
-                  <a:tcPr marL="3416" marR="3416" marT="3416" marB="0" anchor="ctr">
-                    <a:solidFill>
-                      <a:srgbClr val="FFC000"/>
-                    </a:solidFill>
-                  </a:tcPr>
-                </a:tc>
-                <a:tc>
-                  <a:txBody>
-                    <a:bodyPr/>
-                    <a:lstStyle/>
-                    <a:p>
-                      <a:r>
-                        <a:rPr lang="en-CA" sz="1400" b="1" u="none" strike="noStrike" kern="1200" dirty="0">
-                          <a:solidFill>
-                            <a:schemeClr val="tx1"/>
-                          </a:solidFill>
-                          <a:effectLst/>
-                          <a:latin typeface="+mn-lt"/>
-                          <a:ea typeface="+mn-ea"/>
-                          <a:cs typeface="+mn-cs"/>
-                        </a:rPr>
-                        <a:t>SOURCE</a:t>
-                      </a:r>
-                      <a:endParaRPr lang="en-US" sz="1400" b="1" u="none" strike="noStrike" kern="1200" dirty="0">
-                        <a:solidFill>
-                          <a:schemeClr val="tx1"/>
-                        </a:solidFill>
-                        <a:effectLst/>
-                        <a:latin typeface="+mn-lt"/>
-                        <a:ea typeface="+mn-ea"/>
-                        <a:cs typeface="+mn-cs"/>
-                      </a:endParaRPr>
-                    </a:p>
-                  </a:txBody>
-                  <a:tcPr>
-                    <a:solidFill>
-                      <a:srgbClr val="FFC000"/>
-                    </a:solidFill>
-                  </a:tcPr>
-                </a:tc>
-                <a:extLst>
-                  <a:ext uri="{0D108BD9-81ED-4DB2-BD59-A6C34878D82A}">
-                    <a16:rowId xmlns:a16="http://schemas.microsoft.com/office/drawing/2014/main" val="2061013328"/>
-                  </a:ext>
-                </a:extLst>
-              </a:tr>
-              <a:tr h="117276">
-                <a:tc rowSpan="3">
-                  <a:txBody>
-                    <a:bodyPr/>
-                    <a:lstStyle/>
-                    <a:p>
-                      <a:pPr algn="l" rtl="0" fontAlgn="ctr"/>
-                      <a:endParaRPr lang="en-CA" sz="1400" b="0" i="0" u="none" strike="noStrike" dirty="0">
-                        <a:solidFill>
-                          <a:srgbClr val="000000"/>
-                        </a:solidFill>
-                        <a:effectLst/>
-                        <a:latin typeface="Arial" panose="020B0604020202020204" pitchFamily="34" charset="0"/>
-                      </a:endParaRPr>
-                    </a:p>
-                  </a:txBody>
-                  <a:tcPr marL="3416" marR="3416" marT="3416" marB="0" anchor="ctr"/>
-                </a:tc>
-                <a:tc rowSpan="3">
-                  <a:txBody>
-                    <a:bodyPr/>
-                    <a:lstStyle/>
-                    <a:p>
-                      <a:pPr algn="l" rtl="0" fontAlgn="ctr"/>
-                      <a:endParaRPr lang="en-CA" sz="1400" b="0" i="0" u="none" strike="noStrike" dirty="0">
-                        <a:solidFill>
-                          <a:srgbClr val="000000"/>
-                        </a:solidFill>
-                        <a:effectLst/>
-                        <a:latin typeface="Arial" panose="020B0604020202020204" pitchFamily="34" charset="0"/>
-                      </a:endParaRPr>
-                    </a:p>
-                  </a:txBody>
-                  <a:tcPr marL="3416" marR="3416" marT="3416" marB="0" anchor="ctr"/>
-                </a:tc>
-                <a:tc rowSpan="3">
-                  <a:txBody>
-                    <a:bodyPr/>
-                    <a:lstStyle/>
-                    <a:p>
-                      <a:pPr algn="l" rtl="0" fontAlgn="ctr"/>
-                      <a:endParaRPr lang="en-CA" sz="1400" b="0" i="0" u="none" strike="noStrike" dirty="0">
-                        <a:solidFill>
-                          <a:srgbClr val="000000"/>
-                        </a:solidFill>
-                        <a:effectLst/>
-                        <a:latin typeface="Arial" panose="020B0604020202020204" pitchFamily="34" charset="0"/>
-                      </a:endParaRPr>
-                    </a:p>
-                  </a:txBody>
-                  <a:tcPr marL="3416" marR="3416" marT="3416" marB="0" anchor="ctr"/>
-                </a:tc>
-                <a:tc>
-                  <a:txBody>
-                    <a:bodyPr/>
-                    <a:lstStyle/>
-                    <a:p>
-                      <a:pPr algn="l" rtl="0" fontAlgn="ctr"/>
-                      <a:r>
-                        <a:rPr lang="en-CA" sz="1400" u="none" strike="noStrike">
-                          <a:effectLst/>
-                        </a:rPr>
-                        <a:t>• Ensuring all assets are under Security Control</a:t>
-                      </a:r>
-                      <a:endParaRPr lang="en-CA" sz="1400" b="0" i="0" u="none" strike="noStrike">
-                        <a:solidFill>
-                          <a:srgbClr val="000000"/>
-                        </a:solidFill>
-                        <a:effectLst/>
-                        <a:latin typeface="Arial" panose="020B0604020202020204" pitchFamily="34" charset="0"/>
-                      </a:endParaRPr>
-                    </a:p>
-                  </a:txBody>
-                  <a:tcPr marL="20499" marR="3416" marT="3416" marB="0" anchor="ctr"/>
-                </a:tc>
-                <a:tc>
-                  <a:txBody>
-                    <a:bodyPr/>
-                    <a:lstStyle/>
-                    <a:p>
-                      <a:pPr lvl="0" algn="l" rtl="0" fontAlgn="ctr"/>
-                      <a:r>
-                        <a:rPr lang="en-CA" sz="1400" u="none" strike="noStrike" dirty="0">
-                          <a:effectLst/>
-                        </a:rPr>
-                        <a:t> SIEM</a:t>
-                      </a:r>
-                      <a:endParaRPr lang="en-CA" sz="1400" b="0" i="0" u="none" strike="noStrike" dirty="0">
-                        <a:solidFill>
-                          <a:srgbClr val="000000"/>
-                        </a:solidFill>
-                        <a:effectLst/>
-                        <a:latin typeface="Arial" panose="020B0604020202020204" pitchFamily="34" charset="0"/>
-                      </a:endParaRPr>
-                    </a:p>
-                  </a:txBody>
-                  <a:tcPr marL="3416" marR="3416" marT="3416" marB="0" anchor="ctr"/>
-                </a:tc>
-                <a:extLst>
-                  <a:ext uri="{0D108BD9-81ED-4DB2-BD59-A6C34878D82A}">
-                    <a16:rowId xmlns:a16="http://schemas.microsoft.com/office/drawing/2014/main" val="3467421886"/>
-                  </a:ext>
-                </a:extLst>
-              </a:tr>
-              <a:tr h="71077">
-                <a:tc vMerge="1">
-                  <a:txBody>
-                    <a:bodyPr/>
-                    <a:lstStyle/>
-                    <a:p>
-                      <a:endParaRPr lang="en-US"/>
-                    </a:p>
-                  </a:txBody>
-                  <a:tcPr/>
-                </a:tc>
-                <a:tc vMerge="1">
-                  <a:txBody>
-                    <a:bodyPr/>
-                    <a:lstStyle/>
-                    <a:p>
-                      <a:endParaRPr lang="en-US"/>
-                    </a:p>
-                  </a:txBody>
-                  <a:tcPr/>
-                </a:tc>
-                <a:tc vMerge="1">
-                  <a:txBody>
-                    <a:bodyPr/>
-                    <a:lstStyle/>
-                    <a:p>
-                      <a:endParaRPr lang="en-US"/>
-                    </a:p>
-                  </a:txBody>
-                  <a:tcPr/>
-                </a:tc>
-                <a:tc>
-                  <a:txBody>
-                    <a:bodyPr/>
-                    <a:lstStyle/>
-                    <a:p>
-                      <a:pPr algn="l" rtl="0" fontAlgn="ctr"/>
-                      <a:r>
-                        <a:rPr lang="en-CA" sz="1400" u="none" strike="noStrike">
-                          <a:effectLst/>
-                        </a:rPr>
-                        <a:t> </a:t>
-                      </a:r>
-                      <a:endParaRPr lang="en-CA" sz="1400" b="0" i="0" u="none" strike="noStrike">
-                        <a:solidFill>
-                          <a:srgbClr val="000000"/>
-                        </a:solidFill>
-                        <a:effectLst/>
-                        <a:latin typeface="Arial" panose="020B0604020202020204" pitchFamily="34" charset="0"/>
-                      </a:endParaRPr>
-                    </a:p>
-                  </a:txBody>
-                  <a:tcPr marL="20499" marR="3416" marT="3416" marB="0" anchor="ctr"/>
-                </a:tc>
-                <a:tc>
-                  <a:txBody>
-                    <a:bodyPr/>
-                    <a:lstStyle/>
-                    <a:p>
-                      <a:pPr lvl="0" algn="l" rtl="0" fontAlgn="ctr"/>
-                      <a:r>
-                        <a:rPr lang="en-CA" sz="1400" u="none" strike="noStrike" dirty="0">
-                          <a:effectLst/>
-                        </a:rPr>
-                        <a:t> AV</a:t>
-                      </a:r>
-                      <a:endParaRPr lang="en-CA" sz="1400" b="0" i="0" u="none" strike="noStrike" dirty="0">
-                        <a:solidFill>
-                          <a:srgbClr val="000000"/>
-                        </a:solidFill>
-                        <a:effectLst/>
-                        <a:latin typeface="Arial" panose="020B0604020202020204" pitchFamily="34" charset="0"/>
-                      </a:endParaRPr>
-                    </a:p>
-                  </a:txBody>
-                  <a:tcPr marL="3416" marR="3416" marT="3416" marB="0" anchor="ctr"/>
-                </a:tc>
-                <a:extLst>
-                  <a:ext uri="{0D108BD9-81ED-4DB2-BD59-A6C34878D82A}">
-                    <a16:rowId xmlns:a16="http://schemas.microsoft.com/office/drawing/2014/main" val="68960968"/>
-                  </a:ext>
-                </a:extLst>
-              </a:tr>
-              <a:tr h="170583">
-                <a:tc vMerge="1">
-                  <a:txBody>
-                    <a:bodyPr/>
-                    <a:lstStyle/>
-                    <a:p>
-                      <a:endParaRPr lang="en-US"/>
-                    </a:p>
-                  </a:txBody>
-                  <a:tcPr/>
-                </a:tc>
-                <a:tc vMerge="1">
-                  <a:txBody>
-                    <a:bodyPr/>
-                    <a:lstStyle/>
-                    <a:p>
-                      <a:endParaRPr lang="en-US"/>
-                    </a:p>
-                  </a:txBody>
-                  <a:tcPr/>
-                </a:tc>
-                <a:tc vMerge="1">
-                  <a:txBody>
-                    <a:bodyPr/>
-                    <a:lstStyle/>
-                    <a:p>
-                      <a:endParaRPr lang="en-US"/>
-                    </a:p>
-                  </a:txBody>
-                  <a:tcPr/>
-                </a:tc>
-                <a:tc>
-                  <a:txBody>
-                    <a:bodyPr/>
-                    <a:lstStyle/>
-                    <a:p>
-                      <a:pPr algn="l" rtl="0" fontAlgn="ctr"/>
-                      <a:endParaRPr lang="en-CA" sz="1400" b="0" i="0" u="none" strike="noStrike" dirty="0">
-                        <a:solidFill>
-                          <a:srgbClr val="000000"/>
-                        </a:solidFill>
-                        <a:effectLst/>
-                        <a:latin typeface="Arial" panose="020B0604020202020204" pitchFamily="34" charset="0"/>
-                      </a:endParaRPr>
-                    </a:p>
-                  </a:txBody>
-                  <a:tcPr marL="20499" marR="3416" marT="3416" marB="0" anchor="ctr"/>
-                </a:tc>
-                <a:tc>
-                  <a:txBody>
-                    <a:bodyPr/>
-                    <a:lstStyle/>
-                    <a:p>
-                      <a:pPr lvl="0" algn="l" rtl="0" fontAlgn="ctr"/>
-                      <a:endParaRPr lang="en-CA" sz="1400" b="0" i="0" u="none" strike="noStrike" dirty="0">
-                        <a:solidFill>
-                          <a:srgbClr val="000000"/>
-                        </a:solidFill>
-                        <a:effectLst/>
-                        <a:latin typeface="Arial" panose="020B0604020202020204" pitchFamily="34" charset="0"/>
-                      </a:endParaRPr>
-                    </a:p>
-                  </a:txBody>
-                  <a:tcPr marL="3416" marR="3416" marT="3416" marB="0" anchor="ctr"/>
-                </a:tc>
-                <a:extLst>
-                  <a:ext uri="{0D108BD9-81ED-4DB2-BD59-A6C34878D82A}">
-                    <a16:rowId xmlns:a16="http://schemas.microsoft.com/office/drawing/2014/main" val="1071871057"/>
-                  </a:ext>
-                </a:extLst>
-              </a:tr>
-              <a:tr h="174137">
-                <a:tc rowSpan="3">
-                  <a:txBody>
-                    <a:bodyPr/>
-                    <a:lstStyle/>
-                    <a:p>
-                      <a:pPr algn="l" rtl="0" fontAlgn="ctr"/>
-                      <a:endParaRPr lang="en-CA" sz="1400" b="0" i="0" u="none" strike="noStrike" dirty="0">
-                        <a:solidFill>
-                          <a:srgbClr val="000000"/>
-                        </a:solidFill>
-                        <a:effectLst/>
-                        <a:latin typeface="Arial" panose="020B0604020202020204" pitchFamily="34" charset="0"/>
-                      </a:endParaRPr>
-                    </a:p>
-                  </a:txBody>
-                  <a:tcPr marL="3416" marR="3416" marT="3416" marB="0" anchor="ctr">
-                    <a:solidFill>
-                      <a:schemeClr val="bg2">
-                        <a:lumMod val="20000"/>
-                        <a:lumOff val="80000"/>
-                      </a:schemeClr>
-                    </a:solidFill>
-                  </a:tcPr>
-                </a:tc>
-                <a:tc rowSpan="3">
-                  <a:txBody>
-                    <a:bodyPr/>
-                    <a:lstStyle/>
-                    <a:p>
-                      <a:pPr algn="l" rtl="0" fontAlgn="ctr"/>
-                      <a:endParaRPr lang="en-CA" sz="1400" b="0" i="0" u="none" strike="noStrike" dirty="0">
-                        <a:solidFill>
-                          <a:srgbClr val="000000"/>
-                        </a:solidFill>
-                        <a:effectLst/>
-                        <a:latin typeface="Arial" panose="020B0604020202020204" pitchFamily="34" charset="0"/>
-                      </a:endParaRPr>
-                    </a:p>
-                  </a:txBody>
-                  <a:tcPr marL="3416" marR="3416" marT="3416" marB="0" anchor="ctr">
-                    <a:solidFill>
-                      <a:schemeClr val="bg2">
-                        <a:lumMod val="20000"/>
-                        <a:lumOff val="80000"/>
-                      </a:schemeClr>
-                    </a:solidFill>
-                  </a:tcPr>
-                </a:tc>
-                <a:tc rowSpan="3">
-                  <a:txBody>
-                    <a:bodyPr/>
-                    <a:lstStyle/>
-                    <a:p>
-                      <a:pPr algn="l" rtl="0" fontAlgn="ctr"/>
-                      <a:endParaRPr lang="en-CA" sz="1400" b="0" i="0" u="none" strike="noStrike" dirty="0">
-                        <a:solidFill>
-                          <a:srgbClr val="000000"/>
-                        </a:solidFill>
-                        <a:effectLst/>
-                        <a:latin typeface="Arial" panose="020B0604020202020204" pitchFamily="34" charset="0"/>
-                      </a:endParaRPr>
-                    </a:p>
-                  </a:txBody>
-                  <a:tcPr marL="3416" marR="3416" marT="3416" marB="0" anchor="ctr">
-                    <a:solidFill>
-                      <a:schemeClr val="bg2">
-                        <a:lumMod val="20000"/>
-                        <a:lumOff val="80000"/>
-                      </a:schemeClr>
-                    </a:solidFill>
-                  </a:tcPr>
-                </a:tc>
-                <a:tc>
-                  <a:txBody>
-                    <a:bodyPr/>
-                    <a:lstStyle/>
-                    <a:p>
-                      <a:pPr algn="l" rtl="0" fontAlgn="ctr"/>
-                      <a:endParaRPr lang="en-CA" sz="1400" b="0" i="0" u="none" strike="noStrike" dirty="0">
-                        <a:solidFill>
-                          <a:srgbClr val="000000"/>
-                        </a:solidFill>
-                        <a:effectLst/>
-                        <a:latin typeface="Arial" panose="020B0604020202020204" pitchFamily="34" charset="0"/>
-                      </a:endParaRPr>
-                    </a:p>
-                  </a:txBody>
-                  <a:tcPr marL="20499" marR="3416" marT="3416" marB="0" anchor="ctr">
-                    <a:solidFill>
-                      <a:schemeClr val="bg2">
-                        <a:lumMod val="20000"/>
-                        <a:lumOff val="80000"/>
-                      </a:schemeClr>
-                    </a:solidFill>
-                  </a:tcPr>
-                </a:tc>
-                <a:tc>
-                  <a:txBody>
-                    <a:bodyPr/>
-                    <a:lstStyle/>
-                    <a:p>
-                      <a:pPr lvl="0" algn="l" rtl="0" fontAlgn="ctr"/>
-                      <a:endParaRPr lang="en-CA" sz="1400" b="0" i="0" u="none" strike="noStrike" dirty="0">
-                        <a:solidFill>
-                          <a:srgbClr val="000000"/>
-                        </a:solidFill>
-                        <a:effectLst/>
-                        <a:latin typeface="Arial" panose="020B0604020202020204" pitchFamily="34" charset="0"/>
-                      </a:endParaRPr>
-                    </a:p>
-                  </a:txBody>
-                  <a:tcPr marL="3416" marR="3416" marT="3416" marB="0" anchor="ctr">
-                    <a:solidFill>
-                      <a:schemeClr val="bg2">
-                        <a:lumMod val="20000"/>
-                        <a:lumOff val="80000"/>
-                      </a:schemeClr>
-                    </a:solidFill>
-                  </a:tcPr>
-                </a:tc>
-                <a:extLst>
-                  <a:ext uri="{0D108BD9-81ED-4DB2-BD59-A6C34878D82A}">
-                    <a16:rowId xmlns:a16="http://schemas.microsoft.com/office/drawing/2014/main" val="1773219364"/>
-                  </a:ext>
-                </a:extLst>
-              </a:tr>
-              <a:tr h="71077">
-                <a:tc vMerge="1">
-                  <a:txBody>
-                    <a:bodyPr/>
-                    <a:lstStyle/>
-                    <a:p>
-                      <a:endParaRPr lang="en-US"/>
-                    </a:p>
-                  </a:txBody>
-                  <a:tcPr/>
-                </a:tc>
-                <a:tc vMerge="1">
-                  <a:txBody>
-                    <a:bodyPr/>
-                    <a:lstStyle/>
-                    <a:p>
-                      <a:endParaRPr lang="en-US"/>
-                    </a:p>
-                  </a:txBody>
-                  <a:tcPr/>
-                </a:tc>
-                <a:tc vMerge="1">
-                  <a:txBody>
-                    <a:bodyPr/>
-                    <a:lstStyle/>
-                    <a:p>
-                      <a:endParaRPr lang="en-US"/>
-                    </a:p>
-                  </a:txBody>
-                  <a:tcPr/>
-                </a:tc>
-                <a:tc>
-                  <a:txBody>
-                    <a:bodyPr/>
-                    <a:lstStyle/>
-                    <a:p>
-                      <a:pPr algn="l" rtl="0" fontAlgn="ctr"/>
-                      <a:endParaRPr lang="en-CA" sz="1400" b="0" i="0" u="none" strike="noStrike" dirty="0">
-                        <a:solidFill>
-                          <a:srgbClr val="000000"/>
-                        </a:solidFill>
-                        <a:effectLst/>
-                        <a:latin typeface="Arial" panose="020B0604020202020204" pitchFamily="34" charset="0"/>
-                      </a:endParaRPr>
-                    </a:p>
-                  </a:txBody>
-                  <a:tcPr marL="20499" marR="3416" marT="3416" marB="0" anchor="ctr">
-                    <a:solidFill>
-                      <a:schemeClr val="bg2">
-                        <a:lumMod val="20000"/>
-                        <a:lumOff val="80000"/>
-                      </a:schemeClr>
-                    </a:solidFill>
-                  </a:tcPr>
-                </a:tc>
-                <a:tc>
-                  <a:txBody>
-                    <a:bodyPr/>
-                    <a:lstStyle/>
-                    <a:p>
-                      <a:pPr lvl="0" algn="l" rtl="0" fontAlgn="ctr"/>
-                      <a:endParaRPr lang="en-CA" sz="1400" b="0" i="0" u="none" strike="noStrike" dirty="0">
-                        <a:solidFill>
-                          <a:srgbClr val="000000"/>
-                        </a:solidFill>
-                        <a:effectLst/>
-                        <a:latin typeface="Arial" panose="020B0604020202020204" pitchFamily="34" charset="0"/>
-                      </a:endParaRPr>
-                    </a:p>
-                  </a:txBody>
-                  <a:tcPr marL="3416" marR="3416" marT="3416" marB="0" anchor="ctr">
-                    <a:solidFill>
-                      <a:schemeClr val="bg2">
-                        <a:lumMod val="20000"/>
-                        <a:lumOff val="80000"/>
-                      </a:schemeClr>
-                    </a:solidFill>
-                  </a:tcPr>
-                </a:tc>
-                <a:extLst>
-                  <a:ext uri="{0D108BD9-81ED-4DB2-BD59-A6C34878D82A}">
-                    <a16:rowId xmlns:a16="http://schemas.microsoft.com/office/drawing/2014/main" val="71236109"/>
-                  </a:ext>
-                </a:extLst>
-              </a:tr>
-              <a:tr h="182430">
-                <a:tc vMerge="1">
-                  <a:txBody>
-                    <a:bodyPr/>
-                    <a:lstStyle/>
-                    <a:p>
-                      <a:endParaRPr lang="en-US"/>
-                    </a:p>
-                  </a:txBody>
-                  <a:tcPr/>
-                </a:tc>
-                <a:tc vMerge="1">
-                  <a:txBody>
-                    <a:bodyPr/>
-                    <a:lstStyle/>
-                    <a:p>
-                      <a:endParaRPr lang="en-US"/>
-                    </a:p>
-                  </a:txBody>
-                  <a:tcPr/>
-                </a:tc>
-                <a:tc vMerge="1">
-                  <a:txBody>
-                    <a:bodyPr/>
-                    <a:lstStyle/>
-                    <a:p>
-                      <a:endParaRPr lang="en-US"/>
-                    </a:p>
-                  </a:txBody>
-                  <a:tcPr/>
-                </a:tc>
-                <a:tc>
-                  <a:txBody>
-                    <a:bodyPr/>
-                    <a:lstStyle/>
-                    <a:p>
-                      <a:pPr algn="l" rtl="0" fontAlgn="ctr"/>
-                      <a:endParaRPr lang="en-CA" sz="1400" b="0" i="0" u="none" strike="noStrike" dirty="0">
-                        <a:solidFill>
-                          <a:srgbClr val="000000"/>
-                        </a:solidFill>
-                        <a:effectLst/>
-                        <a:latin typeface="Arial" panose="020B0604020202020204" pitchFamily="34" charset="0"/>
-                      </a:endParaRPr>
-                    </a:p>
-                  </a:txBody>
-                  <a:tcPr marL="20499" marR="3416" marT="3416" marB="0" anchor="ctr">
-                    <a:solidFill>
-                      <a:schemeClr val="bg2">
-                        <a:lumMod val="20000"/>
-                        <a:lumOff val="80000"/>
-                      </a:schemeClr>
-                    </a:solidFill>
-                  </a:tcPr>
-                </a:tc>
-                <a:tc>
-                  <a:txBody>
-                    <a:bodyPr/>
-                    <a:lstStyle/>
-                    <a:p>
-                      <a:pPr lvl="0" algn="l" rtl="0" fontAlgn="ctr"/>
-                      <a:endParaRPr lang="en-CA" sz="1400" b="0" i="0" u="none" strike="noStrike" dirty="0">
-                        <a:solidFill>
-                          <a:srgbClr val="000000"/>
-                        </a:solidFill>
-                        <a:effectLst/>
-                        <a:latin typeface="Arial" panose="020B0604020202020204" pitchFamily="34" charset="0"/>
-                      </a:endParaRPr>
-                    </a:p>
-                  </a:txBody>
-                  <a:tcPr marL="3416" marR="3416" marT="3416" marB="0" anchor="ctr">
-                    <a:solidFill>
-                      <a:schemeClr val="bg2">
-                        <a:lumMod val="20000"/>
-                        <a:lumOff val="80000"/>
-                      </a:schemeClr>
-                    </a:solidFill>
-                  </a:tcPr>
-                </a:tc>
-                <a:extLst>
-                  <a:ext uri="{0D108BD9-81ED-4DB2-BD59-A6C34878D82A}">
-                    <a16:rowId xmlns:a16="http://schemas.microsoft.com/office/drawing/2014/main" val="1488230523"/>
-                  </a:ext>
-                </a:extLst>
-              </a:tr>
-              <a:tr h="130375">
-                <a:tc rowSpan="3">
-                  <a:txBody>
-                    <a:bodyPr/>
-                    <a:lstStyle/>
-                    <a:p>
-                      <a:pPr algn="l" rtl="0" fontAlgn="ctr"/>
-                      <a:endParaRPr lang="en-CA" sz="1400" b="0" i="0" u="none" strike="noStrike">
-                        <a:solidFill>
-                          <a:srgbClr val="000000"/>
-                        </a:solidFill>
-                        <a:effectLst/>
-                        <a:latin typeface="Arial" panose="020B0604020202020204" pitchFamily="34" charset="0"/>
-                      </a:endParaRPr>
-                    </a:p>
-                  </a:txBody>
-                  <a:tcPr marL="3416" marR="3416" marT="3416" marB="0" anchor="ctr"/>
-                </a:tc>
-                <a:tc rowSpan="3">
-                  <a:txBody>
-                    <a:bodyPr/>
-                    <a:lstStyle/>
-                    <a:p>
-                      <a:pPr algn="l" rtl="0" fontAlgn="ctr"/>
-                      <a:endParaRPr lang="en-CA" sz="1400" b="0" i="0" u="none" strike="noStrike" dirty="0">
-                        <a:solidFill>
-                          <a:srgbClr val="000000"/>
-                        </a:solidFill>
-                        <a:effectLst/>
-                        <a:latin typeface="Arial" panose="020B0604020202020204" pitchFamily="34" charset="0"/>
-                      </a:endParaRPr>
-                    </a:p>
-                  </a:txBody>
-                  <a:tcPr marL="3416" marR="3416" marT="3416" marB="0" anchor="ctr"/>
-                </a:tc>
-                <a:tc rowSpan="3">
-                  <a:txBody>
-                    <a:bodyPr/>
-                    <a:lstStyle/>
-                    <a:p>
-                      <a:pPr algn="l" rtl="0" fontAlgn="ctr"/>
-                      <a:endParaRPr lang="en-CA" sz="1400" b="0" i="0" u="none" strike="noStrike" dirty="0">
-                        <a:solidFill>
-                          <a:srgbClr val="000000"/>
-                        </a:solidFill>
-                        <a:effectLst/>
-                        <a:latin typeface="Arial" panose="020B0604020202020204" pitchFamily="34" charset="0"/>
-                      </a:endParaRPr>
-                    </a:p>
-                  </a:txBody>
-                  <a:tcPr marL="3416" marR="3416" marT="3416" marB="0" anchor="ctr"/>
-                </a:tc>
-                <a:tc>
-                  <a:txBody>
-                    <a:bodyPr/>
-                    <a:lstStyle/>
-                    <a:p>
-                      <a:pPr algn="l" rtl="0" fontAlgn="ctr"/>
-                      <a:endParaRPr lang="en-CA" sz="1400" b="0" i="0" u="none" strike="noStrike" dirty="0">
-                        <a:solidFill>
-                          <a:srgbClr val="000000"/>
-                        </a:solidFill>
-                        <a:effectLst/>
-                        <a:latin typeface="Arial" panose="020B0604020202020204" pitchFamily="34" charset="0"/>
-                      </a:endParaRPr>
-                    </a:p>
-                  </a:txBody>
-                  <a:tcPr marL="20499" marR="3416" marT="3416" marB="0" anchor="ctr"/>
-                </a:tc>
-                <a:tc>
-                  <a:txBody>
-                    <a:bodyPr/>
-                    <a:lstStyle/>
-                    <a:p>
-                      <a:pPr lvl="0" algn="l" rtl="0" fontAlgn="ctr"/>
-                      <a:endParaRPr lang="en-CA" sz="1400" b="0" i="0" u="none" strike="noStrike" dirty="0">
-                        <a:solidFill>
-                          <a:srgbClr val="000000"/>
-                        </a:solidFill>
-                        <a:effectLst/>
-                        <a:latin typeface="Arial" panose="020B0604020202020204" pitchFamily="34" charset="0"/>
-                      </a:endParaRPr>
-                    </a:p>
-                  </a:txBody>
-                  <a:tcPr marL="3416" marR="3416" marT="3416" marB="0" anchor="ctr"/>
-                </a:tc>
-                <a:extLst>
-                  <a:ext uri="{0D108BD9-81ED-4DB2-BD59-A6C34878D82A}">
-                    <a16:rowId xmlns:a16="http://schemas.microsoft.com/office/drawing/2014/main" val="596645837"/>
-                  </a:ext>
-                </a:extLst>
-              </a:tr>
-              <a:tr h="118460">
-                <a:tc vMerge="1">
-                  <a:txBody>
-                    <a:bodyPr/>
-                    <a:lstStyle/>
-                    <a:p>
-                      <a:endParaRPr lang="en-US"/>
-                    </a:p>
-                  </a:txBody>
-                  <a:tcPr/>
-                </a:tc>
-                <a:tc vMerge="1">
-                  <a:txBody>
-                    <a:bodyPr/>
-                    <a:lstStyle/>
-                    <a:p>
-                      <a:endParaRPr lang="en-US"/>
-                    </a:p>
-                  </a:txBody>
-                  <a:tcPr/>
-                </a:tc>
-                <a:tc vMerge="1">
-                  <a:txBody>
-                    <a:bodyPr/>
-                    <a:lstStyle/>
-                    <a:p>
-                      <a:endParaRPr lang="en-US"/>
-                    </a:p>
-                  </a:txBody>
-                  <a:tcPr/>
-                </a:tc>
-                <a:tc>
-                  <a:txBody>
-                    <a:bodyPr/>
-                    <a:lstStyle/>
-                    <a:p>
-                      <a:pPr algn="l" rtl="0" fontAlgn="ctr"/>
-                      <a:endParaRPr lang="en-CA" sz="1400" b="0" i="0" u="none" strike="noStrike" dirty="0">
-                        <a:solidFill>
-                          <a:srgbClr val="000000"/>
-                        </a:solidFill>
-                        <a:effectLst/>
-                        <a:latin typeface="Arial" panose="020B0604020202020204" pitchFamily="34" charset="0"/>
-                      </a:endParaRPr>
-                    </a:p>
-                  </a:txBody>
-                  <a:tcPr marL="20499" marR="3416" marT="3416" marB="0" anchor="ctr"/>
-                </a:tc>
-                <a:tc>
-                  <a:txBody>
-                    <a:bodyPr/>
-                    <a:lstStyle/>
-                    <a:p>
-                      <a:pPr lvl="0" algn="l" rtl="0" fontAlgn="ctr"/>
-                      <a:endParaRPr lang="en-CA" sz="1400" b="0" i="0" u="none" strike="noStrike" dirty="0">
-                        <a:solidFill>
-                          <a:srgbClr val="000000"/>
-                        </a:solidFill>
-                        <a:effectLst/>
-                        <a:latin typeface="Arial" panose="020B0604020202020204" pitchFamily="34" charset="0"/>
-                      </a:endParaRPr>
-                    </a:p>
-                  </a:txBody>
-                  <a:tcPr marL="3416" marR="3416" marT="3416" marB="0" anchor="ctr"/>
-                </a:tc>
-                <a:extLst>
-                  <a:ext uri="{0D108BD9-81ED-4DB2-BD59-A6C34878D82A}">
-                    <a16:rowId xmlns:a16="http://schemas.microsoft.com/office/drawing/2014/main" val="1832164637"/>
-                  </a:ext>
-                </a:extLst>
-              </a:tr>
-              <a:tr h="75814">
-                <a:tc vMerge="1">
-                  <a:txBody>
-                    <a:bodyPr/>
-                    <a:lstStyle/>
-                    <a:p>
-                      <a:endParaRPr lang="en-US"/>
-                    </a:p>
-                  </a:txBody>
-                  <a:tcPr/>
-                </a:tc>
-                <a:tc vMerge="1">
-                  <a:txBody>
-                    <a:bodyPr/>
-                    <a:lstStyle/>
-                    <a:p>
-                      <a:endParaRPr lang="en-US"/>
-                    </a:p>
-                  </a:txBody>
-                  <a:tcPr/>
-                </a:tc>
-                <a:tc vMerge="1">
-                  <a:txBody>
-                    <a:bodyPr/>
-                    <a:lstStyle/>
-                    <a:p>
-                      <a:endParaRPr lang="en-US"/>
-                    </a:p>
-                  </a:txBody>
-                  <a:tcPr/>
-                </a:tc>
-                <a:tc>
-                  <a:txBody>
-                    <a:bodyPr/>
-                    <a:lstStyle/>
-                    <a:p>
-                      <a:pPr algn="l" rtl="0" fontAlgn="ctr"/>
-                      <a:endParaRPr lang="en-CA" sz="1400" b="0" i="0" u="none" strike="noStrike" dirty="0">
-                        <a:solidFill>
-                          <a:srgbClr val="000000"/>
-                        </a:solidFill>
-                        <a:effectLst/>
-                        <a:latin typeface="Arial" panose="020B0604020202020204" pitchFamily="34" charset="0"/>
-                      </a:endParaRPr>
-                    </a:p>
-                  </a:txBody>
-                  <a:tcPr marL="20499" marR="3416" marT="3416" marB="0" anchor="ctr"/>
-                </a:tc>
-                <a:tc>
-                  <a:txBody>
-                    <a:bodyPr/>
-                    <a:lstStyle/>
-                    <a:p>
-                      <a:pPr lvl="0" algn="l" fontAlgn="t"/>
-                      <a:endParaRPr lang="en-CA" sz="1400" b="0" i="0" u="none" strike="noStrike" dirty="0">
-                        <a:solidFill>
-                          <a:srgbClr val="000000"/>
-                        </a:solidFill>
-                        <a:effectLst/>
-                        <a:latin typeface="Calibri" panose="020F0502020204030204" pitchFamily="34" charset="0"/>
-                      </a:endParaRPr>
-                    </a:p>
-                  </a:txBody>
-                  <a:tcPr marL="3416" marR="3416" marT="3416" marB="0"/>
-                </a:tc>
-                <a:extLst>
-                  <a:ext uri="{0D108BD9-81ED-4DB2-BD59-A6C34878D82A}">
-                    <a16:rowId xmlns:a16="http://schemas.microsoft.com/office/drawing/2014/main" val="2215343546"/>
-                  </a:ext>
-                </a:extLst>
-              </a:tr>
-              <a:tr h="174137">
-                <a:tc rowSpan="3">
-                  <a:txBody>
-                    <a:bodyPr/>
-                    <a:lstStyle/>
-                    <a:p>
-                      <a:pPr algn="l" rtl="0" fontAlgn="ctr"/>
-                      <a:endParaRPr lang="en-CA" sz="1400" b="0" i="0" u="none" strike="noStrike" dirty="0">
-                        <a:solidFill>
-                          <a:srgbClr val="000000"/>
-                        </a:solidFill>
-                        <a:effectLst/>
-                        <a:latin typeface="Arial" panose="020B0604020202020204" pitchFamily="34" charset="0"/>
-                      </a:endParaRPr>
-                    </a:p>
-                  </a:txBody>
-                  <a:tcPr marL="3416" marR="3416" marT="3416" marB="0" anchor="ctr">
-                    <a:solidFill>
-                      <a:schemeClr val="bg2">
-                        <a:lumMod val="20000"/>
-                        <a:lumOff val="80000"/>
-                      </a:schemeClr>
-                    </a:solidFill>
-                  </a:tcPr>
-                </a:tc>
-                <a:tc rowSpan="3">
-                  <a:txBody>
-                    <a:bodyPr/>
-                    <a:lstStyle/>
-                    <a:p>
-                      <a:pPr algn="l" rtl="0" fontAlgn="ctr"/>
-                      <a:endParaRPr lang="en-CA" sz="1400" b="0" i="0" u="none" strike="noStrike" dirty="0">
-                        <a:solidFill>
-                          <a:srgbClr val="000000"/>
-                        </a:solidFill>
-                        <a:effectLst/>
-                        <a:latin typeface="Arial" panose="020B0604020202020204" pitchFamily="34" charset="0"/>
-                      </a:endParaRPr>
-                    </a:p>
-                  </a:txBody>
-                  <a:tcPr marL="3416" marR="3416" marT="3416" marB="0" anchor="ctr">
-                    <a:solidFill>
-                      <a:schemeClr val="bg2">
-                        <a:lumMod val="20000"/>
-                        <a:lumOff val="80000"/>
-                      </a:schemeClr>
-                    </a:solidFill>
-                  </a:tcPr>
-                </a:tc>
-                <a:tc rowSpan="3">
-                  <a:txBody>
-                    <a:bodyPr/>
-                    <a:lstStyle/>
-                    <a:p>
-                      <a:pPr algn="l" rtl="0" fontAlgn="ctr"/>
-                      <a:endParaRPr lang="en-CA" sz="1400" b="0" i="0" u="none" strike="noStrike" dirty="0">
-                        <a:solidFill>
-                          <a:srgbClr val="000000"/>
-                        </a:solidFill>
-                        <a:effectLst/>
-                        <a:latin typeface="Arial" panose="020B0604020202020204" pitchFamily="34" charset="0"/>
-                      </a:endParaRPr>
-                    </a:p>
-                  </a:txBody>
-                  <a:tcPr marL="3416" marR="3416" marT="3416" marB="0" anchor="ctr">
-                    <a:solidFill>
-                      <a:schemeClr val="bg2">
-                        <a:lumMod val="20000"/>
-                        <a:lumOff val="80000"/>
-                      </a:schemeClr>
-                    </a:solidFill>
-                  </a:tcPr>
-                </a:tc>
-                <a:tc>
-                  <a:txBody>
-                    <a:bodyPr/>
-                    <a:lstStyle/>
-                    <a:p>
-                      <a:pPr algn="l" rtl="0" fontAlgn="ctr"/>
-                      <a:endParaRPr lang="en-CA" sz="1400" b="0" i="0" u="none" strike="noStrike" dirty="0">
-                        <a:solidFill>
-                          <a:srgbClr val="000000"/>
-                        </a:solidFill>
-                        <a:effectLst/>
-                        <a:latin typeface="Arial" panose="020B0604020202020204" pitchFamily="34" charset="0"/>
-                      </a:endParaRPr>
-                    </a:p>
-                  </a:txBody>
-                  <a:tcPr marL="20499" marR="3416" marT="3416" marB="0" anchor="ctr">
-                    <a:solidFill>
-                      <a:schemeClr val="bg2">
-                        <a:lumMod val="20000"/>
-                        <a:lumOff val="80000"/>
-                      </a:schemeClr>
-                    </a:solidFill>
-                  </a:tcPr>
-                </a:tc>
-                <a:tc>
-                  <a:txBody>
-                    <a:bodyPr/>
-                    <a:lstStyle/>
-                    <a:p>
-                      <a:pPr lvl="0" algn="l" rtl="0" fontAlgn="ctr"/>
-                      <a:endParaRPr lang="en-CA" sz="1400" b="0" i="0" u="none" strike="noStrike" dirty="0">
-                        <a:solidFill>
-                          <a:srgbClr val="000000"/>
-                        </a:solidFill>
-                        <a:effectLst/>
-                        <a:latin typeface="Arial" panose="020B0604020202020204" pitchFamily="34" charset="0"/>
-                      </a:endParaRPr>
-                    </a:p>
-                  </a:txBody>
-                  <a:tcPr marL="3416" marR="3416" marT="3416" marB="0" anchor="ctr">
-                    <a:solidFill>
-                      <a:schemeClr val="bg2">
-                        <a:lumMod val="20000"/>
-                        <a:lumOff val="80000"/>
-                      </a:schemeClr>
-                    </a:solidFill>
-                  </a:tcPr>
-                </a:tc>
-                <a:extLst>
-                  <a:ext uri="{0D108BD9-81ED-4DB2-BD59-A6C34878D82A}">
-                    <a16:rowId xmlns:a16="http://schemas.microsoft.com/office/drawing/2014/main" val="1180947305"/>
-                  </a:ext>
-                </a:extLst>
-              </a:tr>
-              <a:tr h="82923">
-                <a:tc vMerge="1">
-                  <a:txBody>
-                    <a:bodyPr/>
-                    <a:lstStyle/>
-                    <a:p>
-                      <a:endParaRPr lang="en-US"/>
-                    </a:p>
-                  </a:txBody>
-                  <a:tcPr/>
-                </a:tc>
-                <a:tc vMerge="1">
-                  <a:txBody>
-                    <a:bodyPr/>
-                    <a:lstStyle/>
-                    <a:p>
-                      <a:endParaRPr lang="en-US"/>
-                    </a:p>
-                  </a:txBody>
-                  <a:tcPr/>
-                </a:tc>
-                <a:tc vMerge="1">
-                  <a:txBody>
-                    <a:bodyPr/>
-                    <a:lstStyle/>
-                    <a:p>
-                      <a:endParaRPr lang="en-US"/>
-                    </a:p>
-                  </a:txBody>
-                  <a:tcPr/>
-                </a:tc>
-                <a:tc>
-                  <a:txBody>
-                    <a:bodyPr/>
-                    <a:lstStyle/>
-                    <a:p>
-                      <a:pPr algn="l" rtl="0" fontAlgn="ctr"/>
-                      <a:endParaRPr lang="en-CA" sz="1400" b="0" i="0" u="none" strike="noStrike" dirty="0">
-                        <a:solidFill>
-                          <a:srgbClr val="000000"/>
-                        </a:solidFill>
-                        <a:effectLst/>
-                        <a:latin typeface="Arial" panose="020B0604020202020204" pitchFamily="34" charset="0"/>
-                      </a:endParaRPr>
-                    </a:p>
-                  </a:txBody>
-                  <a:tcPr marL="20499" marR="3416" marT="3416" marB="0" anchor="ctr">
-                    <a:solidFill>
-                      <a:schemeClr val="bg2">
-                        <a:lumMod val="20000"/>
-                        <a:lumOff val="80000"/>
-                      </a:schemeClr>
-                    </a:solidFill>
-                  </a:tcPr>
-                </a:tc>
-                <a:tc>
-                  <a:txBody>
-                    <a:bodyPr/>
-                    <a:lstStyle/>
-                    <a:p>
-                      <a:pPr lvl="0" algn="l" rtl="0" fontAlgn="ctr"/>
-                      <a:endParaRPr lang="en-CA" sz="1400" b="0" i="0" u="none" strike="noStrike" dirty="0">
-                        <a:solidFill>
-                          <a:srgbClr val="000000"/>
-                        </a:solidFill>
-                        <a:effectLst/>
-                        <a:latin typeface="Arial" panose="020B0604020202020204" pitchFamily="34" charset="0"/>
-                      </a:endParaRPr>
-                    </a:p>
-                  </a:txBody>
-                  <a:tcPr marL="3416" marR="3416" marT="3416" marB="0" anchor="ctr">
-                    <a:solidFill>
-                      <a:schemeClr val="bg2">
-                        <a:lumMod val="20000"/>
-                        <a:lumOff val="80000"/>
-                      </a:schemeClr>
-                    </a:solidFill>
-                  </a:tcPr>
-                </a:tc>
-                <a:extLst>
-                  <a:ext uri="{0D108BD9-81ED-4DB2-BD59-A6C34878D82A}">
-                    <a16:rowId xmlns:a16="http://schemas.microsoft.com/office/drawing/2014/main" val="105493556"/>
-                  </a:ext>
-                </a:extLst>
-              </a:tr>
-              <a:tr h="149261">
-                <a:tc vMerge="1">
-                  <a:txBody>
-                    <a:bodyPr/>
-                    <a:lstStyle/>
-                    <a:p>
-                      <a:endParaRPr lang="en-US"/>
-                    </a:p>
-                  </a:txBody>
-                  <a:tcPr/>
-                </a:tc>
-                <a:tc vMerge="1">
-                  <a:txBody>
-                    <a:bodyPr/>
-                    <a:lstStyle/>
-                    <a:p>
-                      <a:endParaRPr lang="en-US"/>
-                    </a:p>
-                  </a:txBody>
-                  <a:tcPr/>
-                </a:tc>
-                <a:tc vMerge="1">
-                  <a:txBody>
-                    <a:bodyPr/>
-                    <a:lstStyle/>
-                    <a:p>
-                      <a:endParaRPr lang="en-US"/>
-                    </a:p>
-                  </a:txBody>
-                  <a:tcPr/>
-                </a:tc>
-                <a:tc>
-                  <a:txBody>
-                    <a:bodyPr/>
-                    <a:lstStyle/>
-                    <a:p>
-                      <a:pPr algn="l" rtl="0" fontAlgn="ctr"/>
-                      <a:r>
-                        <a:rPr lang="en-CA" sz="1400" u="none" strike="noStrike" dirty="0">
-                          <a:effectLst/>
-                        </a:rPr>
-                        <a:t> </a:t>
-                      </a:r>
-                      <a:endParaRPr lang="en-CA" sz="1400" b="0" i="0" u="none" strike="noStrike" dirty="0">
-                        <a:solidFill>
-                          <a:srgbClr val="000000"/>
-                        </a:solidFill>
-                        <a:effectLst/>
-                        <a:latin typeface="Arial" panose="020B0604020202020204" pitchFamily="34" charset="0"/>
-                      </a:endParaRPr>
-                    </a:p>
-                  </a:txBody>
-                  <a:tcPr marL="20499" marR="3416" marT="3416" marB="0" anchor="ctr">
-                    <a:solidFill>
-                      <a:schemeClr val="bg2">
-                        <a:lumMod val="20000"/>
-                        <a:lumOff val="80000"/>
-                      </a:schemeClr>
-                    </a:solidFill>
-                  </a:tcPr>
-                </a:tc>
-                <a:tc>
-                  <a:txBody>
-                    <a:bodyPr/>
-                    <a:lstStyle/>
-                    <a:p>
-                      <a:pPr lvl="0" algn="l" fontAlgn="t"/>
-                      <a:r>
-                        <a:rPr lang="en-CA" sz="1400" u="none" strike="noStrike" dirty="0">
-                          <a:effectLst/>
-                        </a:rPr>
-                        <a:t> </a:t>
-                      </a:r>
-                      <a:endParaRPr lang="en-CA" sz="1400" b="0" i="0" u="none" strike="noStrike" dirty="0">
-                        <a:solidFill>
-                          <a:srgbClr val="000000"/>
-                        </a:solidFill>
-                        <a:effectLst/>
-                        <a:latin typeface="Calibri" panose="020F0502020204030204" pitchFamily="34" charset="0"/>
-                      </a:endParaRPr>
-                    </a:p>
-                  </a:txBody>
-                  <a:tcPr marL="3416" marR="3416" marT="3416" marB="0">
-                    <a:solidFill>
-                      <a:schemeClr val="bg2">
-                        <a:lumMod val="20000"/>
-                        <a:lumOff val="80000"/>
-                      </a:schemeClr>
-                    </a:solidFill>
-                  </a:tcPr>
-                </a:tc>
-                <a:extLst>
-                  <a:ext uri="{0D108BD9-81ED-4DB2-BD59-A6C34878D82A}">
-                    <a16:rowId xmlns:a16="http://schemas.microsoft.com/office/drawing/2014/main" val="3239876030"/>
-                  </a:ext>
-                </a:extLst>
-              </a:tr>
-            </a:tbl>
-          </a:graphicData>
-        </a:graphic>
-      </p:graphicFrame>
       <p:sp>
         <p:nvSpPr>
           <p:cNvPr id="6" name="Text Placeholder 5">
@@ -34212,6 +33486,788 @@
           </a:p>
         </p:txBody>
       </p:sp>
+      <p:graphicFrame>
+        <p:nvGraphicFramePr>
+          <p:cNvPr id="2" name="Table 1">
+            <a:extLst>
+              <a:ext uri="{FF2B5EF4-FFF2-40B4-BE49-F238E27FC236}">
+                <a16:creationId xmlns:a16="http://schemas.microsoft.com/office/drawing/2014/main" id="{C61928AA-7EE8-4F8D-AA4E-717573056F20}"/>
+              </a:ext>
+            </a:extLst>
+          </p:cNvPr>
+          <p:cNvGraphicFramePr>
+            <a:graphicFrameLocks noGrp="1"/>
+          </p:cNvGraphicFramePr>
+          <p:nvPr>
+            <p:extLst>
+              <p:ext uri="{D42A27DB-BD31-4B8C-83A1-F6EECF244321}">
+                <p14:modId xmlns:p14="http://schemas.microsoft.com/office/powerpoint/2010/main" val="1747738148"/>
+              </p:ext>
+            </p:extLst>
+          </p:nvPr>
+        </p:nvGraphicFramePr>
+        <p:xfrm>
+          <a:off x="503999" y="1496985"/>
+          <a:ext cx="9159463" cy="4917108"/>
+        </p:xfrm>
+        <a:graphic>
+          <a:graphicData uri="http://schemas.openxmlformats.org/drawingml/2006/table">
+            <a:tbl>
+              <a:tblPr>
+                <a:tableStyleId>{2D5ABB26-0587-4C30-8999-92F81FD0307C}</a:tableStyleId>
+              </a:tblPr>
+              <a:tblGrid>
+                <a:gridCol w="537150">
+                  <a:extLst>
+                    <a:ext uri="{9D8B030D-6E8A-4147-A177-3AD203B41FA5}">
+                      <a16:colId xmlns:a16="http://schemas.microsoft.com/office/drawing/2014/main" val="2182237645"/>
+                    </a:ext>
+                  </a:extLst>
+                </a:gridCol>
+                <a:gridCol w="4405032">
+                  <a:extLst>
+                    <a:ext uri="{9D8B030D-6E8A-4147-A177-3AD203B41FA5}">
+                      <a16:colId xmlns:a16="http://schemas.microsoft.com/office/drawing/2014/main" val="1283340500"/>
+                    </a:ext>
+                  </a:extLst>
+                </a:gridCol>
+                <a:gridCol w="4217281">
+                  <a:extLst>
+                    <a:ext uri="{9D8B030D-6E8A-4147-A177-3AD203B41FA5}">
+                      <a16:colId xmlns:a16="http://schemas.microsoft.com/office/drawing/2014/main" val="2874386777"/>
+                    </a:ext>
+                  </a:extLst>
+                </a:gridCol>
+              </a:tblGrid>
+              <a:tr h="0">
+                <a:tc>
+                  <a:txBody>
+                    <a:bodyPr/>
+                    <a:lstStyle/>
+                    <a:p>
+                      <a:r>
+                        <a:rPr lang="en-US" sz="1200" b="1" u="none" strike="noStrike" kern="1200" dirty="0">
+                          <a:solidFill>
+                            <a:schemeClr val="tx1"/>
+                          </a:solidFill>
+                          <a:effectLst/>
+                          <a:latin typeface="+mn-lt"/>
+                          <a:ea typeface="+mn-ea"/>
+                          <a:cs typeface="+mn-cs"/>
+                        </a:rPr>
+                        <a:t>SN</a:t>
+                      </a:r>
+                    </a:p>
+                  </a:txBody>
+                  <a:tcPr marL="156003" marR="156003" marT="78002" marB="78002">
+                    <a:solidFill>
+                      <a:srgbClr val="FFC000"/>
+                    </a:solidFill>
+                  </a:tcPr>
+                </a:tc>
+                <a:tc>
+                  <a:txBody>
+                    <a:bodyPr/>
+                    <a:lstStyle/>
+                    <a:p>
+                      <a:pPr algn="l" rtl="0" fontAlgn="ctr"/>
+                      <a:r>
+                        <a:rPr lang="en-CA" sz="1200" b="1" u="none" strike="noStrike" kern="1200" dirty="0">
+                          <a:solidFill>
+                            <a:schemeClr val="tx1"/>
+                          </a:solidFill>
+                          <a:effectLst/>
+                          <a:latin typeface="+mn-lt"/>
+                          <a:ea typeface="+mn-ea"/>
+                          <a:cs typeface="+mn-cs"/>
+                        </a:rPr>
+                        <a:t>Algorithms</a:t>
+                      </a:r>
+                    </a:p>
+                  </a:txBody>
+                  <a:tcPr marL="5828" marR="5828" marT="5828" marB="0" anchor="ctr">
+                    <a:solidFill>
+                      <a:srgbClr val="FFC000"/>
+                    </a:solidFill>
+                  </a:tcPr>
+                </a:tc>
+                <a:tc>
+                  <a:txBody>
+                    <a:bodyPr/>
+                    <a:lstStyle/>
+                    <a:p>
+                      <a:pPr algn="l" rtl="0" fontAlgn="ctr"/>
+                      <a:r>
+                        <a:rPr lang="en-CA" sz="1200" b="1" u="none" strike="noStrike" kern="1200" dirty="0">
+                          <a:solidFill>
+                            <a:schemeClr val="tx1"/>
+                          </a:solidFill>
+                          <a:effectLst/>
+                          <a:latin typeface="+mn-lt"/>
+                          <a:ea typeface="+mn-ea"/>
+                          <a:cs typeface="+mn-cs"/>
+                        </a:rPr>
+                        <a:t>Result</a:t>
+                      </a:r>
+                    </a:p>
+                  </a:txBody>
+                  <a:tcPr marL="5828" marR="5828" marT="5828" marB="0" anchor="ctr">
+                    <a:solidFill>
+                      <a:srgbClr val="FFC000"/>
+                    </a:solidFill>
+                  </a:tcPr>
+                </a:tc>
+                <a:extLst>
+                  <a:ext uri="{0D108BD9-81ED-4DB2-BD59-A6C34878D82A}">
+                    <a16:rowId xmlns:a16="http://schemas.microsoft.com/office/drawing/2014/main" val="2754745575"/>
+                  </a:ext>
+                </a:extLst>
+              </a:tr>
+              <a:tr h="989638">
+                <a:tc>
+                  <a:txBody>
+                    <a:bodyPr/>
+                    <a:lstStyle/>
+                    <a:p>
+                      <a:pPr algn="ctr" rtl="0" fontAlgn="ctr"/>
+                      <a:r>
+                        <a:rPr lang="en-CA" sz="1200" b="1" u="none" strike="noStrike" dirty="0">
+                          <a:effectLst/>
+                        </a:rPr>
+                        <a:t>Step 1</a:t>
+                      </a:r>
+                      <a:endParaRPr lang="en-CA" sz="1200" b="1" i="0" u="none" strike="noStrike" dirty="0">
+                        <a:solidFill>
+                          <a:srgbClr val="000000"/>
+                        </a:solidFill>
+                        <a:effectLst/>
+                        <a:latin typeface="Arial" panose="020B0604020202020204" pitchFamily="34" charset="0"/>
+                      </a:endParaRPr>
+                    </a:p>
+                  </a:txBody>
+                  <a:tcPr marL="5828" marR="5828" marT="5828" marB="0"/>
+                </a:tc>
+                <a:tc>
+                  <a:txBody>
+                    <a:bodyPr/>
+                    <a:lstStyle/>
+                    <a:p>
+                      <a:pPr marL="171450" indent="-171450" algn="l" rtl="0" fontAlgn="ctr">
+                        <a:buFont typeface="Arial" panose="020B0604020202020204" pitchFamily="34" charset="0"/>
+                        <a:buChar char="•"/>
+                      </a:pPr>
+                      <a:r>
+                        <a:rPr lang="en-CA" sz="1200" u="none" strike="noStrike" dirty="0">
+                          <a:effectLst/>
+                        </a:rPr>
+                        <a:t>In order to get a user with good history profile, we </a:t>
+                      </a:r>
+                      <a:r>
+                        <a:rPr lang="en-US" sz="1200" u="none" strike="noStrike" dirty="0">
+                          <a:effectLst/>
+                        </a:rPr>
+                        <a:t>sort top 100 users with the greatest number of reviews in Canada, then take 5 random users and select one.</a:t>
+                      </a:r>
+                      <a:endParaRPr lang="en-CA" sz="1200" b="0" i="0" u="none" strike="noStrike" dirty="0">
+                        <a:solidFill>
+                          <a:srgbClr val="000000"/>
+                        </a:solidFill>
+                        <a:effectLst/>
+                        <a:latin typeface="Arial" panose="020B0604020202020204" pitchFamily="34" charset="0"/>
+                      </a:endParaRPr>
+                    </a:p>
+                  </a:txBody>
+                  <a:tcPr marL="5828" marR="5828" marT="5828" marB="0"/>
+                </a:tc>
+                <a:tc>
+                  <a:txBody>
+                    <a:bodyPr/>
+                    <a:lstStyle/>
+                    <a:p>
+                      <a:pPr marL="171450" indent="-171450" algn="l" rtl="0" fontAlgn="ctr">
+                        <a:buFont typeface="Arial" panose="020B0604020202020204" pitchFamily="34" charset="0"/>
+                        <a:buChar char="•"/>
+                      </a:pPr>
+                      <a:r>
+                        <a:rPr lang="en-CA" sz="1200" b="0" i="0" u="none" strike="noStrike" dirty="0">
+                          <a:solidFill>
+                            <a:srgbClr val="000000"/>
+                          </a:solidFill>
+                          <a:effectLst/>
+                          <a:latin typeface="Arial" panose="020B0604020202020204" pitchFamily="34" charset="0"/>
+                        </a:rPr>
+                        <a:t>Top 100 users → → </a:t>
+                      </a:r>
+                      <a:r>
+                        <a:rPr lang="en-CA" sz="1200" b="1" i="0" u="none" strike="noStrike" dirty="0">
+                          <a:solidFill>
+                            <a:srgbClr val="000000"/>
+                          </a:solidFill>
+                          <a:effectLst/>
+                          <a:latin typeface="Arial" panose="020B0604020202020204" pitchFamily="34" charset="0"/>
+                        </a:rPr>
+                        <a:t>tWBLn4k1M7PLBtAtwAg73g</a:t>
+                      </a:r>
+                      <a:r>
+                        <a:rPr lang="en-CA" sz="1200" b="0" i="0" u="none" strike="noStrike" dirty="0">
+                          <a:solidFill>
+                            <a:srgbClr val="000000"/>
+                          </a:solidFill>
+                          <a:effectLst/>
+                          <a:latin typeface="Arial" panose="020B0604020202020204" pitchFamily="34" charset="0"/>
+                        </a:rPr>
+                        <a:t>  </a:t>
+                      </a:r>
+                    </a:p>
+                  </a:txBody>
+                  <a:tcPr marL="5828" marR="5828" marT="5828" marB="0"/>
+                </a:tc>
+                <a:extLst>
+                  <a:ext uri="{0D108BD9-81ED-4DB2-BD59-A6C34878D82A}">
+                    <a16:rowId xmlns:a16="http://schemas.microsoft.com/office/drawing/2014/main" val="4285483050"/>
+                  </a:ext>
+                </a:extLst>
+              </a:tr>
+              <a:tr h="979227">
+                <a:tc>
+                  <a:txBody>
+                    <a:bodyPr/>
+                    <a:lstStyle/>
+                    <a:p>
+                      <a:pPr algn="ctr" rtl="0" fontAlgn="ctr"/>
+                      <a:r>
+                        <a:rPr lang="en-CA" sz="1200" b="1" u="none" strike="noStrike" dirty="0">
+                          <a:effectLst/>
+                        </a:rPr>
+                        <a:t>Step 2</a:t>
+                      </a:r>
+                      <a:endParaRPr lang="en-CA" sz="1200" b="0" i="0" u="none" strike="noStrike" dirty="0">
+                        <a:solidFill>
+                          <a:srgbClr val="000000"/>
+                        </a:solidFill>
+                        <a:effectLst/>
+                        <a:latin typeface="Arial" panose="020B0604020202020204" pitchFamily="34" charset="0"/>
+                      </a:endParaRPr>
+                    </a:p>
+                  </a:txBody>
+                  <a:tcPr marL="5828" marR="5828" marT="5828" marB="0">
+                    <a:solidFill>
+                      <a:schemeClr val="bg2">
+                        <a:lumMod val="20000"/>
+                        <a:lumOff val="80000"/>
+                      </a:schemeClr>
+                    </a:solidFill>
+                  </a:tcPr>
+                </a:tc>
+                <a:tc>
+                  <a:txBody>
+                    <a:bodyPr/>
+                    <a:lstStyle/>
+                    <a:p>
+                      <a:pPr marL="171450" indent="-171450" algn="l" rtl="0" fontAlgn="ctr">
+                        <a:buFont typeface="Arial" panose="020B0604020202020204" pitchFamily="34" charset="0"/>
+                        <a:buChar char="•"/>
+                      </a:pPr>
+                      <a:r>
+                        <a:rPr lang="en-CA" sz="1200" u="none" strike="noStrike" dirty="0">
+                          <a:effectLst/>
+                        </a:rPr>
+                        <a:t>To make sure the user’s rating history and their restaurant choices are relevant, we find the base city AND top most reviewed postal codes of the user based on their rating history.</a:t>
+                      </a:r>
+                    </a:p>
+                    <a:p>
+                      <a:pPr marL="171450" indent="-171450" algn="l" rtl="0" fontAlgn="ctr">
+                        <a:buFont typeface="Arial" panose="020B0604020202020204" pitchFamily="34" charset="0"/>
+                        <a:buChar char="•"/>
+                      </a:pPr>
+                      <a:r>
+                        <a:rPr lang="en-CA" sz="1200" u="none" strike="noStrike" dirty="0">
+                          <a:effectLst/>
+                        </a:rPr>
+                        <a:t>We then prompt the user input their location (select one of the top postal codes)</a:t>
+                      </a:r>
+                      <a:r>
+                        <a:rPr lang="en-US" sz="1200" u="none" strike="noStrike" dirty="0">
+                          <a:effectLst/>
+                        </a:rPr>
+                        <a:t>.</a:t>
+                      </a:r>
+                      <a:endParaRPr lang="en-CA" sz="1200" b="0" i="0" u="none" strike="noStrike" dirty="0">
+                        <a:solidFill>
+                          <a:srgbClr val="000000"/>
+                        </a:solidFill>
+                        <a:effectLst/>
+                        <a:latin typeface="Arial" panose="020B0604020202020204" pitchFamily="34" charset="0"/>
+                      </a:endParaRPr>
+                    </a:p>
+                  </a:txBody>
+                  <a:tcPr marL="5828" marR="5828" marT="5828" marB="0">
+                    <a:solidFill>
+                      <a:schemeClr val="bg2">
+                        <a:lumMod val="20000"/>
+                        <a:lumOff val="80000"/>
+                      </a:schemeClr>
+                    </a:solidFill>
+                  </a:tcPr>
+                </a:tc>
+                <a:tc>
+                  <a:txBody>
+                    <a:bodyPr/>
+                    <a:lstStyle/>
+                    <a:p>
+                      <a:pPr algn="l" rtl="0" fontAlgn="ctr"/>
+                      <a:endParaRPr lang="en-CA" sz="1200" b="0" i="0" u="none" strike="noStrike" dirty="0">
+                        <a:solidFill>
+                          <a:srgbClr val="000000"/>
+                        </a:solidFill>
+                        <a:effectLst/>
+                        <a:latin typeface="Arial" panose="020B0604020202020204" pitchFamily="34" charset="0"/>
+                      </a:endParaRPr>
+                    </a:p>
+                  </a:txBody>
+                  <a:tcPr marL="5828" marR="5828" marT="5828" marB="0">
+                    <a:solidFill>
+                      <a:schemeClr val="bg2">
+                        <a:lumMod val="20000"/>
+                        <a:lumOff val="80000"/>
+                      </a:schemeClr>
+                    </a:solidFill>
+                  </a:tcPr>
+                </a:tc>
+                <a:extLst>
+                  <a:ext uri="{0D108BD9-81ED-4DB2-BD59-A6C34878D82A}">
+                    <a16:rowId xmlns:a16="http://schemas.microsoft.com/office/drawing/2014/main" val="3472944759"/>
+                  </a:ext>
+                </a:extLst>
+              </a:tr>
+              <a:tr h="743387">
+                <a:tc>
+                  <a:txBody>
+                    <a:bodyPr/>
+                    <a:lstStyle/>
+                    <a:p>
+                      <a:pPr algn="ctr" rtl="0" fontAlgn="ctr"/>
+                      <a:r>
+                        <a:rPr lang="en-CA" sz="1200" b="1" u="none" strike="noStrike" dirty="0">
+                          <a:effectLst/>
+                        </a:rPr>
+                        <a:t>Step 3</a:t>
+                      </a:r>
+                      <a:endParaRPr lang="en-CA" sz="1200" b="0" i="0" u="none" strike="noStrike" dirty="0">
+                        <a:solidFill>
+                          <a:srgbClr val="000000"/>
+                        </a:solidFill>
+                        <a:effectLst/>
+                        <a:latin typeface="Arial" panose="020B0604020202020204" pitchFamily="34" charset="0"/>
+                      </a:endParaRPr>
+                    </a:p>
+                  </a:txBody>
+                  <a:tcPr marL="5828" marR="5828" marT="5828" marB="0"/>
+                </a:tc>
+                <a:tc>
+                  <a:txBody>
+                    <a:bodyPr/>
+                    <a:lstStyle/>
+                    <a:p>
+                      <a:pPr marL="171450" indent="-171450" algn="l" rtl="0" fontAlgn="ctr">
+                        <a:buFont typeface="Arial" panose="020B0604020202020204" pitchFamily="34" charset="0"/>
+                        <a:buChar char="•"/>
+                      </a:pPr>
+                      <a:r>
+                        <a:rPr lang="en-CA" sz="1200" u="none" strike="noStrike" dirty="0">
+                          <a:effectLst/>
+                        </a:rPr>
+                        <a:t>Find all postal codes and their associated businesses</a:t>
+                      </a:r>
+                    </a:p>
+                    <a:p>
+                      <a:pPr marL="0" indent="0" algn="l" rtl="0" fontAlgn="ctr">
+                        <a:buFont typeface="Arial" panose="020B0604020202020204" pitchFamily="34" charset="0"/>
+                        <a:buNone/>
+                      </a:pPr>
+                      <a:r>
+                        <a:rPr lang="en-US" sz="1200" b="0" i="0" u="none" strike="noStrike" dirty="0">
+                          <a:solidFill>
+                            <a:srgbClr val="000000"/>
+                          </a:solidFill>
+                          <a:effectLst/>
+                          <a:latin typeface="Arial" panose="020B0604020202020204" pitchFamily="34" charset="0"/>
+                        </a:rPr>
+                        <a:t> located within a 5-km radius from </a:t>
+                      </a:r>
+                      <a:r>
+                        <a:rPr lang="en-US" sz="1200" b="1" i="0" u="none" strike="noStrike" dirty="0">
+                          <a:solidFill>
+                            <a:srgbClr val="000000"/>
+                          </a:solidFill>
+                          <a:effectLst/>
+                          <a:latin typeface="Arial" panose="020B0604020202020204" pitchFamily="34" charset="0"/>
+                        </a:rPr>
+                        <a:t>the chosen postal code</a:t>
+                      </a:r>
+                      <a:endParaRPr lang="en-CA" sz="1200" b="1" i="0" u="none" strike="noStrike" dirty="0">
+                        <a:solidFill>
+                          <a:srgbClr val="000000"/>
+                        </a:solidFill>
+                        <a:effectLst/>
+                        <a:latin typeface="Arial" panose="020B0604020202020204" pitchFamily="34" charset="0"/>
+                      </a:endParaRPr>
+                    </a:p>
+                  </a:txBody>
+                  <a:tcPr marL="5828" marR="5828" marT="5828" marB="0"/>
+                </a:tc>
+                <a:tc>
+                  <a:txBody>
+                    <a:bodyPr/>
+                    <a:lstStyle/>
+                    <a:p>
+                      <a:pPr algn="l" rtl="0" fontAlgn="ctr"/>
+                      <a:endParaRPr lang="en-CA" sz="1200" b="0" i="0" u="none" strike="noStrike" dirty="0">
+                        <a:solidFill>
+                          <a:srgbClr val="000000"/>
+                        </a:solidFill>
+                        <a:effectLst/>
+                        <a:latin typeface="Arial" panose="020B0604020202020204" pitchFamily="34" charset="0"/>
+                      </a:endParaRPr>
+                    </a:p>
+                  </a:txBody>
+                  <a:tcPr marL="5828" marR="5828" marT="5828" marB="0"/>
+                </a:tc>
+                <a:extLst>
+                  <a:ext uri="{0D108BD9-81ED-4DB2-BD59-A6C34878D82A}">
+                    <a16:rowId xmlns:a16="http://schemas.microsoft.com/office/drawing/2014/main" val="834576522"/>
+                  </a:ext>
+                </a:extLst>
+              </a:tr>
+              <a:tr h="720996">
+                <a:tc>
+                  <a:txBody>
+                    <a:bodyPr/>
+                    <a:lstStyle/>
+                    <a:p>
+                      <a:pPr algn="ctr" rtl="0" fontAlgn="ctr"/>
+                      <a:r>
+                        <a:rPr lang="en-CA" sz="1200" b="1" i="0" u="none" strike="noStrike" dirty="0">
+                          <a:solidFill>
+                            <a:srgbClr val="000000"/>
+                          </a:solidFill>
+                          <a:effectLst/>
+                          <a:latin typeface="Arial" panose="020B0604020202020204" pitchFamily="34" charset="0"/>
+                        </a:rPr>
+                        <a:t>Step 4</a:t>
+                      </a:r>
+                    </a:p>
+                  </a:txBody>
+                  <a:tcPr marL="5828" marR="5828" marT="5828" marB="0">
+                    <a:solidFill>
+                      <a:schemeClr val="bg2">
+                        <a:lumMod val="20000"/>
+                        <a:lumOff val="80000"/>
+                      </a:schemeClr>
+                    </a:solidFill>
+                  </a:tcPr>
+                </a:tc>
+                <a:tc>
+                  <a:txBody>
+                    <a:bodyPr/>
+                    <a:lstStyle/>
+                    <a:p>
+                      <a:pPr marL="171450" indent="-171450" algn="l" rtl="0" fontAlgn="ctr">
+                        <a:buFont typeface="Arial" panose="020B0604020202020204" pitchFamily="34" charset="0"/>
+                        <a:buChar char="•"/>
+                      </a:pPr>
+                      <a:r>
+                        <a:rPr lang="en-US" sz="1200" u="none" strike="noStrike" kern="1200" dirty="0">
+                          <a:solidFill>
+                            <a:schemeClr val="tx1"/>
+                          </a:solidFill>
+                          <a:effectLst/>
+                          <a:latin typeface="+mn-lt"/>
+                          <a:ea typeface="+mn-ea"/>
+                          <a:cs typeface="+mn-cs"/>
+                        </a:rPr>
+                        <a:t>Use </a:t>
+                      </a:r>
+                      <a:r>
+                        <a:rPr lang="en-US" sz="1200" u="none" strike="noStrike" kern="1200" dirty="0" err="1">
+                          <a:solidFill>
+                            <a:schemeClr val="tx1"/>
+                          </a:solidFill>
+                          <a:effectLst/>
+                          <a:latin typeface="+mn-lt"/>
+                          <a:ea typeface="+mn-ea"/>
+                          <a:cs typeface="+mn-cs"/>
+                        </a:rPr>
+                        <a:t>Pyspark</a:t>
+                      </a:r>
+                      <a:r>
+                        <a:rPr lang="en-US" sz="1200" u="none" strike="noStrike" kern="1200" dirty="0">
+                          <a:solidFill>
+                            <a:schemeClr val="tx1"/>
+                          </a:solidFill>
+                          <a:effectLst/>
+                          <a:latin typeface="+mn-lt"/>
+                          <a:ea typeface="+mn-ea"/>
+                          <a:cs typeface="+mn-cs"/>
+                        </a:rPr>
+                        <a:t> </a:t>
+                      </a:r>
+                      <a:r>
+                        <a:rPr lang="en-US" sz="1200" u="none" strike="noStrike" kern="1200" dirty="0" err="1">
+                          <a:solidFill>
+                            <a:schemeClr val="tx1"/>
+                          </a:solidFill>
+                          <a:effectLst/>
+                          <a:latin typeface="+mn-lt"/>
+                          <a:ea typeface="+mn-ea"/>
+                          <a:cs typeface="+mn-cs"/>
+                        </a:rPr>
+                        <a:t>MLlib</a:t>
+                      </a:r>
+                      <a:r>
+                        <a:rPr lang="en-US" sz="1200" u="none" strike="noStrike" kern="1200" dirty="0">
+                          <a:solidFill>
+                            <a:schemeClr val="tx1"/>
+                          </a:solidFill>
+                          <a:effectLst/>
+                          <a:latin typeface="+mn-lt"/>
+                          <a:ea typeface="+mn-ea"/>
+                          <a:cs typeface="+mn-cs"/>
+                        </a:rPr>
+                        <a:t> ALS library to do recommendation, sorting out top 10 restaurants with the highest </a:t>
+                      </a:r>
+                      <a:r>
+                        <a:rPr lang="en-US" sz="1200" u="none" strike="noStrike" kern="1200">
+                          <a:solidFill>
+                            <a:schemeClr val="tx1"/>
+                          </a:solidFill>
+                          <a:effectLst/>
+                          <a:latin typeface="+mn-lt"/>
+                          <a:ea typeface="+mn-ea"/>
+                          <a:cs typeface="+mn-cs"/>
+                        </a:rPr>
+                        <a:t>predicted ratings.</a:t>
+                      </a:r>
+                      <a:endParaRPr lang="en-US" sz="1200" u="none" strike="noStrike" kern="1200" dirty="0">
+                        <a:solidFill>
+                          <a:schemeClr val="tx1"/>
+                        </a:solidFill>
+                        <a:effectLst/>
+                        <a:latin typeface="+mn-lt"/>
+                        <a:ea typeface="+mn-ea"/>
+                        <a:cs typeface="+mn-cs"/>
+                      </a:endParaRPr>
+                    </a:p>
+                    <a:p>
+                      <a:pPr algn="l" rtl="0" fontAlgn="ctr"/>
+                      <a:endParaRPr lang="en-US" sz="1200" u="none" strike="noStrike" kern="1200" dirty="0">
+                        <a:solidFill>
+                          <a:schemeClr val="tx1"/>
+                        </a:solidFill>
+                        <a:effectLst/>
+                        <a:latin typeface="+mn-lt"/>
+                        <a:ea typeface="+mn-ea"/>
+                        <a:cs typeface="+mn-cs"/>
+                      </a:endParaRPr>
+                    </a:p>
+                    <a:p>
+                      <a:pPr marL="171450" indent="-171450" algn="l" rtl="0" fontAlgn="ctr">
+                        <a:buFont typeface="Arial" panose="020B0604020202020204" pitchFamily="34" charset="0"/>
+                        <a:buChar char="•"/>
+                      </a:pPr>
+                      <a:r>
+                        <a:rPr lang="en-US" sz="1200" u="none" strike="noStrike" kern="1200" dirty="0">
+                          <a:solidFill>
+                            <a:schemeClr val="tx1"/>
+                          </a:solidFill>
+                          <a:effectLst/>
+                          <a:latin typeface="+mn-lt"/>
+                          <a:ea typeface="+mn-ea"/>
+                          <a:cs typeface="+mn-cs"/>
+                        </a:rPr>
+                        <a:t>Prompt user to select one restaurant</a:t>
+                      </a:r>
+                    </a:p>
+                    <a:p>
+                      <a:pPr algn="l" rtl="0" fontAlgn="ctr"/>
+                      <a:endParaRPr lang="en-CA" sz="1200" u="none" strike="noStrike" kern="1200" dirty="0">
+                        <a:solidFill>
+                          <a:schemeClr val="tx1"/>
+                        </a:solidFill>
+                        <a:effectLst/>
+                        <a:latin typeface="+mn-lt"/>
+                        <a:ea typeface="+mn-ea"/>
+                        <a:cs typeface="+mn-cs"/>
+                      </a:endParaRPr>
+                    </a:p>
+                  </a:txBody>
+                  <a:tcPr marL="5828" marR="5828" marT="5828" marB="0">
+                    <a:solidFill>
+                      <a:schemeClr val="bg2">
+                        <a:lumMod val="20000"/>
+                        <a:lumOff val="80000"/>
+                      </a:schemeClr>
+                    </a:solidFill>
+                  </a:tcPr>
+                </a:tc>
+                <a:tc>
+                  <a:txBody>
+                    <a:bodyPr/>
+                    <a:lstStyle/>
+                    <a:p>
+                      <a:pPr algn="l" rtl="0" fontAlgn="ctr"/>
+                      <a:endParaRPr lang="en-CA" sz="1200" b="0" i="0" u="none" strike="noStrike" dirty="0">
+                        <a:solidFill>
+                          <a:srgbClr val="000000"/>
+                        </a:solidFill>
+                        <a:effectLst/>
+                        <a:latin typeface="Arial" panose="020B0604020202020204" pitchFamily="34" charset="0"/>
+                      </a:endParaRPr>
+                    </a:p>
+                  </a:txBody>
+                  <a:tcPr marL="5828" marR="5828" marT="5828" marB="0">
+                    <a:solidFill>
+                      <a:schemeClr val="bg2">
+                        <a:lumMod val="20000"/>
+                        <a:lumOff val="80000"/>
+                      </a:schemeClr>
+                    </a:solidFill>
+                  </a:tcPr>
+                </a:tc>
+                <a:extLst>
+                  <a:ext uri="{0D108BD9-81ED-4DB2-BD59-A6C34878D82A}">
+                    <a16:rowId xmlns:a16="http://schemas.microsoft.com/office/drawing/2014/main" val="2355580518"/>
+                  </a:ext>
+                </a:extLst>
+              </a:tr>
+              <a:tr h="945744">
+                <a:tc>
+                  <a:txBody>
+                    <a:bodyPr/>
+                    <a:lstStyle/>
+                    <a:p>
+                      <a:pPr algn="ctr" rtl="0" fontAlgn="ctr"/>
+                      <a:r>
+                        <a:rPr lang="en-CA" sz="1200" b="1" u="none" strike="noStrike" dirty="0">
+                          <a:effectLst/>
+                        </a:rPr>
+                        <a:t>Step 5</a:t>
+                      </a:r>
+                      <a:endParaRPr lang="en-CA" sz="1200" b="1" i="0" u="none" strike="noStrike" dirty="0">
+                        <a:solidFill>
+                          <a:srgbClr val="000000"/>
+                        </a:solidFill>
+                        <a:effectLst/>
+                        <a:latin typeface="Arial" panose="020B0604020202020204" pitchFamily="34" charset="0"/>
+                      </a:endParaRPr>
+                    </a:p>
+                  </a:txBody>
+                  <a:tcPr marL="5828" marR="5828" marT="5828" marB="0">
+                    <a:solidFill>
+                      <a:schemeClr val="bg1"/>
+                    </a:solidFill>
+                  </a:tcPr>
+                </a:tc>
+                <a:tc>
+                  <a:txBody>
+                    <a:bodyPr/>
+                    <a:lstStyle/>
+                    <a:p>
+                      <a:pPr marL="171450" marR="0" lvl="0" indent="-171450" algn="l" defTabSz="1088558" rtl="0" eaLnBrk="1" fontAlgn="ctr" latinLnBrk="0" hangingPunct="1">
+                        <a:lnSpc>
+                          <a:spcPct val="100000"/>
+                        </a:lnSpc>
+                        <a:spcBef>
+                          <a:spcPts val="0"/>
+                        </a:spcBef>
+                        <a:spcAft>
+                          <a:spcPts val="0"/>
+                        </a:spcAft>
+                        <a:buClrTx/>
+                        <a:buSzTx/>
+                        <a:buFont typeface="Arial" panose="020B0604020202020204" pitchFamily="34" charset="0"/>
+                        <a:buChar char="•"/>
+                        <a:tabLst/>
+                        <a:defRPr/>
+                      </a:pPr>
+                      <a:r>
+                        <a:rPr lang="en-US" sz="1200" u="none" strike="noStrike" kern="1200" dirty="0">
+                          <a:solidFill>
+                            <a:schemeClr val="tx1"/>
+                          </a:solidFill>
+                          <a:effectLst/>
+                          <a:latin typeface="+mn-lt"/>
+                          <a:ea typeface="+mn-ea"/>
+                          <a:cs typeface="+mn-cs"/>
+                        </a:rPr>
+                        <a:t>Use FP-Growth Library in </a:t>
+                      </a:r>
+                      <a:r>
+                        <a:rPr lang="en-US" sz="1200" u="none" strike="noStrike" kern="1200" dirty="0" err="1">
+                          <a:solidFill>
+                            <a:schemeClr val="tx1"/>
+                          </a:solidFill>
+                          <a:effectLst/>
+                          <a:latin typeface="+mn-lt"/>
+                          <a:ea typeface="+mn-ea"/>
+                          <a:cs typeface="+mn-cs"/>
+                        </a:rPr>
+                        <a:t>Pyspark</a:t>
+                      </a:r>
+                      <a:r>
+                        <a:rPr lang="en-US" sz="1200" u="none" strike="noStrike" kern="1200" dirty="0">
+                          <a:solidFill>
+                            <a:schemeClr val="tx1"/>
+                          </a:solidFill>
+                          <a:effectLst/>
+                          <a:latin typeface="+mn-lt"/>
+                          <a:ea typeface="+mn-ea"/>
+                          <a:cs typeface="+mn-cs"/>
+                        </a:rPr>
+                        <a:t> to perform Frequent Itemset listing out top 5 most frequently chosen items</a:t>
+                      </a:r>
+                    </a:p>
+                  </a:txBody>
+                  <a:tcPr marL="5828" marR="5828" marT="5828" marB="0">
+                    <a:solidFill>
+                      <a:schemeClr val="bg1"/>
+                    </a:solidFill>
+                  </a:tcPr>
+                </a:tc>
+                <a:tc>
+                  <a:txBody>
+                    <a:bodyPr/>
+                    <a:lstStyle/>
+                    <a:p>
+                      <a:pPr marL="171450" indent="-171450" algn="l" rtl="0" fontAlgn="ctr">
+                        <a:buFont typeface="Arial" panose="020B0604020202020204" pitchFamily="34" charset="0"/>
+                        <a:buChar char="•"/>
+                      </a:pPr>
+                      <a:endParaRPr lang="en-CA" sz="1200" b="0" i="0" u="none" strike="noStrike" dirty="0">
+                        <a:solidFill>
+                          <a:srgbClr val="000000"/>
+                        </a:solidFill>
+                        <a:effectLst/>
+                        <a:latin typeface="Arial" panose="020B0604020202020204" pitchFamily="34" charset="0"/>
+                      </a:endParaRPr>
+                    </a:p>
+                  </a:txBody>
+                  <a:tcPr marL="5828" marR="5828" marT="5828" marB="0">
+                    <a:solidFill>
+                      <a:schemeClr val="bg1"/>
+                    </a:solidFill>
+                  </a:tcPr>
+                </a:tc>
+                <a:extLst>
+                  <a:ext uri="{0D108BD9-81ED-4DB2-BD59-A6C34878D82A}">
+                    <a16:rowId xmlns:a16="http://schemas.microsoft.com/office/drawing/2014/main" val="734134813"/>
+                  </a:ext>
+                </a:extLst>
+              </a:tr>
+            </a:tbl>
+          </a:graphicData>
+        </a:graphic>
+      </p:graphicFrame>
     </p:spTree>
     <p:extLst>
       <p:ext uri="{BB962C8B-B14F-4D97-AF65-F5344CB8AC3E}">
@@ -36496,7 +36552,7 @@
             </a:ln>
             <a:extLst>
               <a:ext uri="{91240B29-F687-4f45-9708-019B960494DF}">
-                <a14:hiddenLine xmlns:a14="http://schemas.microsoft.com/office/drawing/2010/main" xmlns="" w="9525">
+                <a14:hiddenLine xmlns="" xmlns:a14="http://schemas.microsoft.com/office/drawing/2010/main" w="9525">
                   <a:solidFill>
                     <a:srgbClr val="000000"/>
                   </a:solidFill>
@@ -36853,7 +36909,7 @@
             </a:ln>
             <a:extLst>
               <a:ext uri="{91240B29-F687-4f45-9708-019B960494DF}">
-                <a14:hiddenLine xmlns:a14="http://schemas.microsoft.com/office/drawing/2010/main" xmlns="" w="9525">
+                <a14:hiddenLine xmlns="" xmlns:a14="http://schemas.microsoft.com/office/drawing/2010/main" w="9525">
                   <a:solidFill>
                     <a:srgbClr val="000000"/>
                   </a:solidFill>
@@ -37136,7 +37192,7 @@
             </a:ln>
             <a:extLst>
               <a:ext uri="{91240B29-F687-4f45-9708-019B960494DF}">
-                <a14:hiddenLine xmlns:a14="http://schemas.microsoft.com/office/drawing/2010/main" xmlns="" w="9525">
+                <a14:hiddenLine xmlns="" xmlns:a14="http://schemas.microsoft.com/office/drawing/2010/main" w="9525">
                   <a:solidFill>
                     <a:srgbClr val="000000"/>
                   </a:solidFill>
@@ -37294,7 +37350,7 @@
             </a:ln>
             <a:extLst>
               <a:ext uri="{91240B29-F687-4f45-9708-019B960494DF}">
-                <a14:hiddenLine xmlns:a14="http://schemas.microsoft.com/office/drawing/2010/main" xmlns="" w="9525">
+                <a14:hiddenLine xmlns="" xmlns:a14="http://schemas.microsoft.com/office/drawing/2010/main" w="9525">
                   <a:solidFill>
                     <a:srgbClr val="000000"/>
                   </a:solidFill>
@@ -37829,7 +37885,7 @@
             </a:ln>
             <a:extLst>
               <a:ext uri="{91240B29-F687-4f45-9708-019B960494DF}">
-                <a14:hiddenLine xmlns:a14="http://schemas.microsoft.com/office/drawing/2010/main" xmlns="" w="9525">
+                <a14:hiddenLine xmlns="" xmlns:a14="http://schemas.microsoft.com/office/drawing/2010/main" w="9525">
                   <a:solidFill>
                     <a:srgbClr val="000000"/>
                   </a:solidFill>
@@ -37987,7 +38043,7 @@
             </a:ln>
             <a:extLst>
               <a:ext uri="{91240B29-F687-4f45-9708-019B960494DF}">
-                <a14:hiddenLine xmlns:a14="http://schemas.microsoft.com/office/drawing/2010/main" xmlns="" w="9525">
+                <a14:hiddenLine xmlns="" xmlns:a14="http://schemas.microsoft.com/office/drawing/2010/main" w="9525">
                   <a:solidFill>
                     <a:srgbClr val="000000"/>
                   </a:solidFill>
